--- a/Presentation.pptx
+++ b/Presentation.pptx
@@ -10,6 +10,12 @@
     <p:sldId id="258" r:id="rId4"/>
     <p:sldId id="259" r:id="rId5"/>
     <p:sldId id="260" r:id="rId6"/>
+    <p:sldId id="261" r:id="rId7"/>
+    <p:sldId id="262" r:id="rId8"/>
+    <p:sldId id="263" r:id="rId9"/>
+    <p:sldId id="264" r:id="rId10"/>
+    <p:sldId id="265" r:id="rId11"/>
+    <p:sldId id="266" r:id="rId12"/>
   </p:sldIdLst>
   <p:sldSz cx="9144000" cy="5143500" type="screen16x9"/>
   <p:notesSz cx="6858000" cy="9144000"/>
@@ -3186,6 +3192,100 @@
 </p:sld>
 </file>
 
+<file path=ppt/slides/slide10.xml><?xml version="1.0" encoding="utf-8"?>
+<p:sld xmlns:a="http://schemas.openxmlformats.org/drawingml/2006/main" xmlns:r="http://schemas.openxmlformats.org/officeDocument/2006/relationships" xmlns:p="http://schemas.openxmlformats.org/presentationml/2006/main">
+  <p:cSld>
+    <p:spTree>
+      <p:nvGrpSpPr>
+        <p:cNvPr id="1" name=""/>
+        <p:cNvGrpSpPr/>
+        <p:nvPr/>
+      </p:nvGrpSpPr>
+      <p:grpSpPr>
+        <a:xfrm>
+          <a:off x="0" y="0"/>
+          <a:ext cx="0" cy="0"/>
+          <a:chOff x="0" y="0"/>
+          <a:chExt cx="0" cy="0"/>
+        </a:xfrm>
+      </p:grpSpPr>
+      <p:sp>
+        <p:nvSpPr>
+          <p:cNvPr id="2" name="Title 1"/>
+          <p:cNvSpPr>
+            <a:spLocks noGrp="1"/>
+          </p:cNvSpPr>
+          <p:nvPr>
+            <p:ph type="title"/>
+          </p:nvPr>
+        </p:nvSpPr>
+        <p:spPr/>
+        <p:txBody>
+          <a:bodyPr/>
+          <a:lstStyle/>
+          <a:p>
+            <a:pPr lvl="0" indent="0" marL="0">
+              <a:buNone/>
+            </a:pPr>
+            <a:r>
+              <a:rPr/>
+              <a:t>Supervised Model</a:t>
+            </a:r>
+          </a:p>
+        </p:txBody>
+      </p:sp>
+    </p:spTree>
+  </p:cSld>
+</p:sld>
+</file>
+
+<file path=ppt/slides/slide11.xml><?xml version="1.0" encoding="utf-8"?>
+<p:sld xmlns:a="http://schemas.openxmlformats.org/drawingml/2006/main" xmlns:r="http://schemas.openxmlformats.org/officeDocument/2006/relationships" xmlns:p="http://schemas.openxmlformats.org/presentationml/2006/main">
+  <p:cSld>
+    <p:spTree>
+      <p:nvGrpSpPr>
+        <p:cNvPr id="1" name=""/>
+        <p:cNvGrpSpPr/>
+        <p:nvPr/>
+      </p:nvGrpSpPr>
+      <p:grpSpPr>
+        <a:xfrm>
+          <a:off x="0" y="0"/>
+          <a:ext cx="0" cy="0"/>
+          <a:chOff x="0" y="0"/>
+          <a:chExt cx="0" cy="0"/>
+        </a:xfrm>
+      </p:grpSpPr>
+      <p:sp>
+        <p:nvSpPr>
+          <p:cNvPr id="2" name="Title 1"/>
+          <p:cNvSpPr>
+            <a:spLocks noGrp="1"/>
+          </p:cNvSpPr>
+          <p:nvPr>
+            <p:ph type="title"/>
+          </p:nvPr>
+        </p:nvSpPr>
+        <p:spPr/>
+        <p:txBody>
+          <a:bodyPr/>
+          <a:lstStyle/>
+          <a:p>
+            <a:pPr lvl="0" indent="0" marL="0">
+              <a:buNone/>
+            </a:pPr>
+            <a:r>
+              <a:rPr/>
+              <a:t>Results</a:t>
+            </a:r>
+          </a:p>
+        </p:txBody>
+      </p:sp>
+    </p:spTree>
+  </p:cSld>
+</p:sld>
+</file>
+
 <file path=ppt/slides/slide2.xml><?xml version="1.0" encoding="utf-8"?>
 <p:sld xmlns:a="http://schemas.openxmlformats.org/drawingml/2006/main" xmlns:r="http://schemas.openxmlformats.org/officeDocument/2006/relationships" xmlns:p="http://schemas.openxmlformats.org/presentationml/2006/main">
   <p:cSld>
@@ -3223,59 +3323,7 @@
             </a:pPr>
             <a:r>
               <a:rPr/>
-              <a:t>R Markdown</a:t>
-            </a:r>
-          </a:p>
-        </p:txBody>
-      </p:sp>
-      <p:sp>
-        <p:nvSpPr>
-          <p:cNvPr id="3" name="Content Placeholder 2"/>
-          <p:cNvSpPr>
-            <a:spLocks noGrp="1"/>
-          </p:cNvSpPr>
-          <p:nvPr>
-            <p:ph idx="1"/>
-          </p:nvPr>
-        </p:nvSpPr>
-        <p:spPr/>
-        <p:txBody>
-          <a:bodyPr/>
-          <a:lstStyle/>
-          <a:p>
-            <a:pPr lvl="0" indent="0" marL="0">
-              <a:buNone/>
-            </a:pPr>
-            <a:r>
-              <a:rPr/>
-              <a:t>This is an R Markdown presentation. Markdown is a simple formatting syntax for authoring HTML, PDF, and MS Word documents. For more details on using R Markdown see </a:t>
-            </a:r>
-            <a:r>
-              <a:rPr>
-                <a:hlinkClick r:id="rId2"/>
-              </a:rPr>
-              <a:t>http://rmarkdown.rstudio.com</a:t>
-            </a:r>
-            <a:r>
-              <a:rPr/>
-              <a:t>.</a:t>
-            </a:r>
-          </a:p>
-          <a:p>
-            <a:pPr lvl="0" indent="0" marL="0">
-              <a:buNone/>
-            </a:pPr>
-            <a:r>
-              <a:rPr/>
-              <a:t>When you click the </a:t>
-            </a:r>
-            <a:r>
-              <a:rPr b="1"/>
-              <a:t>Knit</a:t>
-            </a:r>
-            <a:r>
-              <a:rPr/>
-              <a:t> button a document will be generated that includes both content as well as the output of any embedded R code chunks within the document.</a:t>
+              <a:t>Introduction</a:t>
             </a:r>
           </a:p>
         </p:txBody>
@@ -3322,44 +3370,7 @@
             </a:pPr>
             <a:r>
               <a:rPr/>
-              <a:t>Slide with Bullets</a:t>
-            </a:r>
-          </a:p>
-        </p:txBody>
-      </p:sp>
-      <p:sp>
-        <p:nvSpPr>
-          <p:cNvPr id="3" name="Content Placeholder 2"/>
-          <p:cNvSpPr>
-            <a:spLocks noGrp="1"/>
-          </p:cNvSpPr>
-          <p:nvPr>
-            <p:ph idx="1"/>
-          </p:nvPr>
-        </p:nvSpPr>
-        <p:spPr/>
-        <p:txBody>
-          <a:bodyPr/>
-          <a:lstStyle/>
-          <a:p>
-            <a:pPr lvl="0"/>
-            <a:r>
-              <a:rPr/>
-              <a:t>Bullet 1</a:t>
-            </a:r>
-          </a:p>
-          <a:p>
-            <a:pPr lvl="0"/>
-            <a:r>
-              <a:rPr/>
-              <a:t>Bullet 2</a:t>
-            </a:r>
-          </a:p>
-          <a:p>
-            <a:pPr lvl="0"/>
-            <a:r>
-              <a:rPr/>
-              <a:t>Bullet 3</a:t>
+              <a:t>Data Description</a:t>
             </a:r>
           </a:p>
         </p:txBody>
@@ -3406,60 +3417,7 @@
             </a:pPr>
             <a:r>
               <a:rPr/>
-              <a:t>Slide with R Output</a:t>
-            </a:r>
-          </a:p>
-        </p:txBody>
-      </p:sp>
-      <p:sp>
-        <p:nvSpPr>
-          <p:cNvPr id="3" name="Content Placeholder 2"/>
-          <p:cNvSpPr>
-            <a:spLocks noGrp="1"/>
-          </p:cNvSpPr>
-          <p:nvPr>
-            <p:ph idx="1"/>
-          </p:nvPr>
-        </p:nvSpPr>
-        <p:spPr/>
-        <p:txBody>
-          <a:bodyPr/>
-          <a:lstStyle/>
-          <a:p>
-            <a:pPr lvl="0" indent="0">
-              <a:buNone/>
-            </a:pPr>
-            <a:r>
-              <a:rPr>
-                <a:solidFill>
-                  <a:srgbClr val="06287E"/>
-                </a:solidFill>
-                <a:latin typeface="Courier"/>
-              </a:rPr>
-              <a:t>summary</a:t>
-            </a:r>
-            <a:r>
-              <a:rPr>
-                <a:latin typeface="Courier"/>
-              </a:rPr>
-              <a:t>(cars)</a:t>
-            </a:r>
-          </a:p>
-          <a:p>
-            <a:pPr lvl="0" indent="0">
-              <a:buNone/>
-            </a:pPr>
-            <a:r>
-              <a:rPr>
-                <a:latin typeface="Courier"/>
-              </a:rPr>
-              <a:t>##      speed           dist       
-##  Min.   : 4.0   Min.   :  2.00  
-##  1st Qu.:12.0   1st Qu.: 26.00  
-##  Median :15.0   Median : 36.00  
-##  Mean   :15.4   Mean   : 42.98  
-##  3rd Qu.:19.0   3rd Qu.: 56.00  
-##  Max.   :25.0   Max.   :120.00</a:t>
+              <a:t>Dimension Reduction</a:t>
             </a:r>
           </a:p>
         </p:txBody>
@@ -3506,14 +3464,14 @@
             </a:pPr>
             <a:r>
               <a:rPr/>
-              <a:t>Slide with Plot</a:t>
+              <a:t>K-Means Clustering</a:t>
             </a:r>
           </a:p>
         </p:txBody>
       </p:sp>
       <p:pic>
         <p:nvPicPr>
-          <p:cNvPr descr="Presentation_files/figure-pptx/pressure-1.png" id="0" name="Picture 1"/>
+          <p:cNvPr descr="Presentation_files/figure-pptx/unnamed-chunk-1-1.png" id="0" name="Picture 1"/>
           <p:cNvPicPr>
             <a:picLocks noGrp="1" noChangeAspect="1"/>
           </p:cNvPicPr>
@@ -3527,8 +3485,8 @@
         </p:blipFill>
         <p:spPr bwMode="auto">
           <a:xfrm>
-            <a:off x="2451100" y="1193800"/>
-            <a:ext cx="4241800" cy="3390900"/>
+            <a:off x="508000" y="1193800"/>
+            <a:ext cx="8140700" cy="3390900"/>
           </a:xfrm>
           <a:prstGeom prst="rect">
             <a:avLst/>
@@ -3541,6 +3499,595 @@
           </a:ln>
         </p:spPr>
       </p:pic>
+    </p:spTree>
+  </p:cSld>
+</p:sld>
+</file>
+
+<file path=ppt/slides/slide6.xml><?xml version="1.0" encoding="utf-8"?>
+<p:sld xmlns:a="http://schemas.openxmlformats.org/drawingml/2006/main" xmlns:r="http://schemas.openxmlformats.org/officeDocument/2006/relationships" xmlns:p="http://schemas.openxmlformats.org/presentationml/2006/main">
+  <p:cSld>
+    <p:spTree>
+      <p:nvGrpSpPr>
+        <p:cNvPr id="1" name=""/>
+        <p:cNvGrpSpPr/>
+        <p:nvPr/>
+      </p:nvGrpSpPr>
+      <p:grpSpPr>
+        <a:xfrm>
+          <a:off x="0" y="0"/>
+          <a:ext cx="0" cy="0"/>
+          <a:chOff x="0" y="0"/>
+          <a:chExt cx="0" cy="0"/>
+        </a:xfrm>
+      </p:grpSpPr>
+      <p:sp>
+        <p:nvSpPr>
+          <p:cNvPr id="2" name="Title 1"/>
+          <p:cNvSpPr>
+            <a:spLocks noGrp="1"/>
+          </p:cNvSpPr>
+          <p:nvPr>
+            <p:ph type="title"/>
+          </p:nvPr>
+        </p:nvSpPr>
+        <p:spPr/>
+        <p:txBody>
+          <a:bodyPr/>
+          <a:lstStyle/>
+          <a:p>
+            <a:pPr lvl="0" indent="0" marL="0">
+              <a:buNone/>
+            </a:pPr>
+            <a:r>
+              <a:rPr/>
+              <a:t>Clustering Accuracies</a:t>
+            </a:r>
+          </a:p>
+        </p:txBody>
+      </p:sp>
+      <p:graphicFrame>
+        <p:nvGraphicFramePr>
+          <p:cNvPr id="6" name="Content Placeholder 5"/>
+          <p:cNvGraphicFramePr>
+            <a:graphicFrameLocks noGrp="1"/>
+          </p:cNvGraphicFramePr>
+          <p:nvPr>
+            <p:ph idx="1"/>
+          </p:nvPr>
+        </p:nvGraphicFramePr>
+        <p:xfrm>
+          <a:off x="457200" y="1193800"/>
+          <a:ext cx="8229600" cy="2882900"/>
+        </p:xfrm>
+        <a:graphic>
+          <a:graphicData uri="http://schemas.openxmlformats.org/drawingml/2006/table">
+            <a:tbl>
+              <a:tblPr firstRow="1" bandRow="1">
+                <a:tableStyleId>{5C22544A-7EE6-4342-B048-85BDC9FD1C3A}</a:tableStyleId>
+              </a:tblPr>
+              <a:tblGrid>
+                <a:gridCol w="2743200"/>
+                <a:gridCol w="2743200"/>
+                <a:gridCol w="2743200"/>
+              </a:tblGrid>
+              <a:tr h="0">
+                <a:tc>
+                  <a:txBody>
+                    <a:bodyPr/>
+                    <a:lstStyle/>
+                    <a:p>
+                      <a:pPr lvl="0" indent="0" marL="0" algn="l">
+                        <a:buNone/>
+                      </a:pPr>
+                      <a:r>
+                        <a:rPr/>
+                        <a:t>Method</a:t>
+                      </a:r>
+                    </a:p>
+                  </a:txBody>
+                  <a:tcPr/>
+                </a:tc>
+                <a:tc>
+                  <a:txBody>
+                    <a:bodyPr/>
+                    <a:lstStyle/>
+                    <a:p>
+                      <a:pPr lvl="0" indent="0" marL="0" algn="r">
+                        <a:buNone/>
+                      </a:pPr>
+                      <a:r>
+                        <a:rPr/>
+                        <a:t>Accuracy_Stats</a:t>
+                      </a:r>
+                    </a:p>
+                  </a:txBody>
+                  <a:tcPr/>
+                </a:tc>
+                <a:tc>
+                  <a:txBody>
+                    <a:bodyPr/>
+                    <a:lstStyle/>
+                    <a:p>
+                      <a:pPr lvl="0" indent="0" marL="0" algn="r">
+                        <a:buNone/>
+                      </a:pPr>
+                      <a:r>
+                        <a:rPr/>
+                        <a:t>Accuracy_Image</a:t>
+                      </a:r>
+                    </a:p>
+                  </a:txBody>
+                  <a:tcPr/>
+                </a:tc>
+              </a:tr>
+              <a:tr h="0">
+                <a:tc>
+                  <a:txBody>
+                    <a:bodyPr/>
+                    <a:lstStyle/>
+                    <a:p>
+                      <a:pPr lvl="0" indent="0" marL="0" algn="l">
+                        <a:buNone/>
+                      </a:pPr>
+                      <a:r>
+                        <a:rPr/>
+                        <a:t>K-means</a:t>
+                      </a:r>
+                    </a:p>
+                  </a:txBody>
+                </a:tc>
+                <a:tc>
+                  <a:txBody>
+                    <a:bodyPr/>
+                    <a:lstStyle/>
+                    <a:p>
+                      <a:pPr lvl="0" indent="0" marL="0" algn="r">
+                        <a:buNone/>
+                      </a:pPr>
+                      <a:r>
+                        <a:rPr/>
+                        <a:t>0.5243446</a:t>
+                      </a:r>
+                    </a:p>
+                  </a:txBody>
+                </a:tc>
+                <a:tc>
+                  <a:txBody>
+                    <a:bodyPr/>
+                    <a:lstStyle/>
+                    <a:p>
+                      <a:pPr lvl="0" indent="0" marL="0" algn="r">
+                        <a:buNone/>
+                      </a:pPr>
+                      <a:r>
+                        <a:rPr/>
+                        <a:t>0.1810237</a:t>
+                      </a:r>
+                    </a:p>
+                  </a:txBody>
+                </a:tc>
+              </a:tr>
+              <a:tr h="0">
+                <a:tc>
+                  <a:txBody>
+                    <a:bodyPr/>
+                    <a:lstStyle/>
+                    <a:p>
+                      <a:pPr lvl="0" indent="0" marL="0" algn="l">
+                        <a:buNone/>
+                      </a:pPr>
+                      <a:r>
+                        <a:rPr/>
+                        <a:t>K-means++</a:t>
+                      </a:r>
+                    </a:p>
+                  </a:txBody>
+                </a:tc>
+                <a:tc>
+                  <a:txBody>
+                    <a:bodyPr/>
+                    <a:lstStyle/>
+                    <a:p>
+                      <a:pPr lvl="0" indent="0" marL="0" algn="r">
+                        <a:buNone/>
+                      </a:pPr>
+                      <a:r>
+                        <a:rPr/>
+                        <a:t>0.5293383</a:t>
+                      </a:r>
+                    </a:p>
+                  </a:txBody>
+                </a:tc>
+                <a:tc>
+                  <a:txBody>
+                    <a:bodyPr/>
+                    <a:lstStyle/>
+                    <a:p>
+                      <a:pPr lvl="0" indent="0" marL="0" algn="r">
+                        <a:buNone/>
+                      </a:pPr>
+                      <a:r>
+                        <a:rPr/>
+                        <a:t>0.1747815</a:t>
+                      </a:r>
+                    </a:p>
+                  </a:txBody>
+                </a:tc>
+              </a:tr>
+              <a:tr h="0">
+                <a:tc>
+                  <a:txBody>
+                    <a:bodyPr/>
+                    <a:lstStyle/>
+                    <a:p>
+                      <a:pPr lvl="0" indent="0" marL="0" algn="l">
+                        <a:buNone/>
+                      </a:pPr>
+                      <a:r>
+                        <a:rPr/>
+                        <a:t>Weighted K-means</a:t>
+                      </a:r>
+                    </a:p>
+                  </a:txBody>
+                </a:tc>
+                <a:tc>
+                  <a:txBody>
+                    <a:bodyPr/>
+                    <a:lstStyle/>
+                    <a:p>
+                      <a:pPr lvl="0" indent="0" marL="0" algn="r">
+                        <a:buNone/>
+                      </a:pPr>
+                      <a:r>
+                        <a:rPr/>
+                        <a:t>0.2034956</a:t>
+                      </a:r>
+                    </a:p>
+                  </a:txBody>
+                </a:tc>
+                <a:tc>
+                  <a:txBody>
+                    <a:bodyPr/>
+                    <a:lstStyle/>
+                    <a:p>
+                      <a:pPr lvl="0" indent="0" marL="0" algn="r">
+                        <a:buNone/>
+                      </a:pPr>
+                      <a:r>
+                        <a:rPr/>
+                        <a:t>0.1423221</a:t>
+                      </a:r>
+                    </a:p>
+                  </a:txBody>
+                </a:tc>
+              </a:tr>
+              <a:tr h="0">
+                <a:tc>
+                  <a:txBody>
+                    <a:bodyPr/>
+                    <a:lstStyle/>
+                    <a:p>
+                      <a:pPr lvl="0" indent="0" marL="0" algn="l">
+                        <a:buNone/>
+                      </a:pPr>
+                      <a:r>
+                        <a:rPr/>
+                        <a:t>Optimal K-means K = 3</a:t>
+                      </a:r>
+                    </a:p>
+                  </a:txBody>
+                </a:tc>
+                <a:tc>
+                  <a:txBody>
+                    <a:bodyPr/>
+                    <a:lstStyle/>
+                    <a:p>
+                      <a:pPr lvl="0" indent="0" marL="0" algn="r">
+                        <a:buNone/>
+                      </a:pPr>
+                      <a:r>
+                        <a:rPr/>
+                        <a:t>0.1722846</a:t>
+                      </a:r>
+                    </a:p>
+                  </a:txBody>
+                </a:tc>
+                <a:tc>
+                  <a:txBody>
+                    <a:bodyPr/>
+                    <a:lstStyle/>
+                    <a:p>
+                      <a:pPr lvl="0" indent="0" marL="0" algn="r">
+                        <a:buNone/>
+                      </a:pPr>
+                      <a:r>
+                        <a:rPr/>
+                        <a:t>0.1473159</a:t>
+                      </a:r>
+                    </a:p>
+                  </a:txBody>
+                </a:tc>
+              </a:tr>
+            </a:tbl>
+          </a:graphicData>
+        </a:graphic>
+      </p:graphicFrame>
+      <p:sp>
+        <p:nvSpPr>
+          <p:cNvPr id="1" name="TextBox 3"/>
+          <p:cNvSpPr txBox="1"/>
+          <p:nvPr/>
+        </p:nvSpPr>
+        <p:spPr>
+          <a:xfrm>
+            <a:off x="457200" y="4076700"/>
+            <a:ext cx="8229600" cy="508000"/>
+          </a:xfrm>
+          <a:prstGeom prst="rect">
+            <a:avLst/>
+          </a:prstGeom>
+          <a:noFill/>
+        </p:spPr>
+        <p:txBody>
+          <a:bodyPr/>
+          <a:lstStyle/>
+          <a:p>
+            <a:pPr lvl="0" indent="0" marL="0" algn="ctr">
+              <a:buNone/>
+            </a:pPr>
+            <a:r>
+              <a:rPr/>
+              <a:t>Clustering Accuracy Comparison: Stats vs Image Data</a:t>
+            </a:r>
+          </a:p>
+        </p:txBody>
+      </p:sp>
+    </p:spTree>
+  </p:cSld>
+</p:sld>
+</file>
+
+<file path=ppt/slides/slide7.xml><?xml version="1.0" encoding="utf-8"?>
+<p:sld xmlns:a="http://schemas.openxmlformats.org/drawingml/2006/main" xmlns:r="http://schemas.openxmlformats.org/officeDocument/2006/relationships" xmlns:p="http://schemas.openxmlformats.org/presentationml/2006/main">
+  <p:cSld>
+    <p:spTree>
+      <p:nvGrpSpPr>
+        <p:cNvPr id="1" name=""/>
+        <p:cNvGrpSpPr/>
+        <p:nvPr/>
+      </p:nvGrpSpPr>
+      <p:grpSpPr>
+        <a:xfrm>
+          <a:off x="0" y="0"/>
+          <a:ext cx="0" cy="0"/>
+          <a:chOff x="0" y="0"/>
+          <a:chExt cx="0" cy="0"/>
+        </a:xfrm>
+      </p:grpSpPr>
+      <p:sp>
+        <p:nvSpPr>
+          <p:cNvPr id="2" name="Title 1"/>
+          <p:cNvSpPr>
+            <a:spLocks noGrp="1"/>
+          </p:cNvSpPr>
+          <p:nvPr>
+            <p:ph type="title"/>
+          </p:nvPr>
+        </p:nvSpPr>
+        <p:spPr/>
+        <p:txBody>
+          <a:bodyPr/>
+          <a:lstStyle/>
+          <a:p>
+            <a:pPr lvl="0" indent="0" marL="0">
+              <a:buNone/>
+            </a:pPr>
+            <a:r>
+              <a:rPr/>
+              <a:t>Cluster Assignments for Stats Data</a:t>
+            </a:r>
+          </a:p>
+        </p:txBody>
+      </p:sp>
+      <p:pic>
+        <p:nvPicPr>
+          <p:cNvPr descr="Figures/clustering_assignments_stats.png" id="0" name="Picture 1"/>
+          <p:cNvPicPr>
+            <a:picLocks noGrp="1" noChangeAspect="1"/>
+          </p:cNvPicPr>
+          <p:nvPr/>
+        </p:nvPicPr>
+        <p:blipFill>
+          <a:blip r:embed="rId2"/>
+          <a:stretch>
+            <a:fillRect/>
+          </a:stretch>
+        </p:blipFill>
+        <p:spPr bwMode="auto">
+          <a:xfrm>
+            <a:off x="1295400" y="1193800"/>
+            <a:ext cx="6540500" cy="3390900"/>
+          </a:xfrm>
+          <a:prstGeom prst="rect">
+            <a:avLst/>
+          </a:prstGeom>
+          <a:noFill/>
+          <a:ln w="9525">
+            <a:noFill/>
+            <a:headEnd/>
+            <a:tailEnd/>
+          </a:ln>
+        </p:spPr>
+      </p:pic>
+    </p:spTree>
+  </p:cSld>
+</p:sld>
+</file>
+
+<file path=ppt/slides/slide8.xml><?xml version="1.0" encoding="utf-8"?>
+<p:sld xmlns:a="http://schemas.openxmlformats.org/drawingml/2006/main" xmlns:r="http://schemas.openxmlformats.org/officeDocument/2006/relationships" xmlns:p="http://schemas.openxmlformats.org/presentationml/2006/main">
+  <p:cSld>
+    <p:spTree>
+      <p:nvGrpSpPr>
+        <p:cNvPr id="1" name=""/>
+        <p:cNvGrpSpPr/>
+        <p:nvPr/>
+      </p:nvGrpSpPr>
+      <p:grpSpPr>
+        <a:xfrm>
+          <a:off x="0" y="0"/>
+          <a:ext cx="0" cy="0"/>
+          <a:chOff x="0" y="0"/>
+          <a:chExt cx="0" cy="0"/>
+        </a:xfrm>
+      </p:grpSpPr>
+      <p:sp>
+        <p:nvSpPr>
+          <p:cNvPr id="2" name="Title 1"/>
+          <p:cNvSpPr>
+            <a:spLocks noGrp="1"/>
+          </p:cNvSpPr>
+          <p:nvPr>
+            <p:ph type="title"/>
+          </p:nvPr>
+        </p:nvSpPr>
+        <p:spPr/>
+        <p:txBody>
+          <a:bodyPr/>
+          <a:lstStyle/>
+          <a:p>
+            <a:pPr lvl="0" indent="0" marL="0">
+              <a:buNone/>
+            </a:pPr>
+            <a:r>
+              <a:rPr/>
+              <a:t>Cluster Assignments for Image Data</a:t>
+            </a:r>
+          </a:p>
+        </p:txBody>
+      </p:sp>
+      <p:pic>
+        <p:nvPicPr>
+          <p:cNvPr descr="Figures/clustering_assignments_imgs.png" id="0" name="Picture 1"/>
+          <p:cNvPicPr>
+            <a:picLocks noGrp="1" noChangeAspect="1"/>
+          </p:cNvPicPr>
+          <p:nvPr/>
+        </p:nvPicPr>
+        <p:blipFill>
+          <a:blip r:embed="rId2"/>
+          <a:stretch>
+            <a:fillRect/>
+          </a:stretch>
+        </p:blipFill>
+        <p:spPr bwMode="auto">
+          <a:xfrm>
+            <a:off x="1308100" y="1193800"/>
+            <a:ext cx="6540500" cy="3390900"/>
+          </a:xfrm>
+          <a:prstGeom prst="rect">
+            <a:avLst/>
+          </a:prstGeom>
+          <a:noFill/>
+          <a:ln w="9525">
+            <a:noFill/>
+            <a:headEnd/>
+            <a:tailEnd/>
+          </a:ln>
+        </p:spPr>
+      </p:pic>
+    </p:spTree>
+  </p:cSld>
+</p:sld>
+</file>
+
+<file path=ppt/slides/slide9.xml><?xml version="1.0" encoding="utf-8"?>
+<p:sld xmlns:a="http://schemas.openxmlformats.org/drawingml/2006/main" xmlns:r="http://schemas.openxmlformats.org/officeDocument/2006/relationships" xmlns:p="http://schemas.openxmlformats.org/presentationml/2006/main">
+  <p:cSld>
+    <p:spTree>
+      <p:nvGrpSpPr>
+        <p:cNvPr id="1" name=""/>
+        <p:cNvGrpSpPr/>
+        <p:nvPr/>
+      </p:nvGrpSpPr>
+      <p:grpSpPr>
+        <a:xfrm>
+          <a:off x="0" y="0"/>
+          <a:ext cx="0" cy="0"/>
+          <a:chOff x="0" y="0"/>
+          <a:chExt cx="0" cy="0"/>
+        </a:xfrm>
+      </p:grpSpPr>
+      <p:sp>
+        <p:nvSpPr>
+          <p:cNvPr id="2" name="Title 1"/>
+          <p:cNvSpPr>
+            <a:spLocks noGrp="1"/>
+          </p:cNvSpPr>
+          <p:nvPr>
+            <p:ph type="title"/>
+          </p:nvPr>
+        </p:nvSpPr>
+        <p:spPr/>
+        <p:txBody>
+          <a:bodyPr/>
+          <a:lstStyle/>
+          <a:p>
+            <a:pPr lvl="0" indent="0" marL="0">
+              <a:buNone/>
+            </a:pPr>
+            <a:r>
+              <a:rPr/>
+              <a:t>Clustering Takeaways</a:t>
+            </a:r>
+          </a:p>
+        </p:txBody>
+      </p:sp>
+      <p:sp>
+        <p:nvSpPr>
+          <p:cNvPr id="3" name="Content Placeholder 2"/>
+          <p:cNvSpPr>
+            <a:spLocks noGrp="1"/>
+          </p:cNvSpPr>
+          <p:nvPr>
+            <p:ph idx="1"/>
+          </p:nvPr>
+        </p:nvSpPr>
+        <p:spPr/>
+        <p:txBody>
+          <a:bodyPr/>
+          <a:lstStyle/>
+          <a:p>
+            <a:pPr lvl="0"/>
+            <a:r>
+              <a:rPr/>
+              <a:t>Stats cluster primary types better than images</a:t>
+            </a:r>
+          </a:p>
+          <a:p>
+            <a:pPr lvl="1"/>
+            <a:r>
+              <a:rPr/>
+              <a:t>at best clustering classified 52% of Pokemon type</a:t>
+            </a:r>
+          </a:p>
+          <a:p>
+            <a:pPr lvl="0"/>
+            <a:r>
+              <a:rPr/>
+              <a:t>Limitations include imbalanced data among Pokemon types, which can be accounted for in Supervised Models</a:t>
+            </a:r>
+          </a:p>
+          <a:p>
+            <a:pPr lvl="0"/>
+            <a:r>
+              <a:rPr/>
+              <a:t>Structure of the data may not capture the complexity of the Pokemon types in a way that creates efficient and distinct clusters</a:t>
+            </a:r>
+          </a:p>
+        </p:txBody>
+      </p:sp>
     </p:spTree>
   </p:cSld>
 </p:sld>

--- a/Presentation.pptx
+++ b/Presentation.pptx
@@ -16,6 +16,12 @@
     <p:sldId id="264" r:id="rId10"/>
     <p:sldId id="265" r:id="rId11"/>
     <p:sldId id="266" r:id="rId12"/>
+    <p:sldId id="267" r:id="rId13"/>
+    <p:sldId id="268" r:id="rId14"/>
+    <p:sldId id="269" r:id="rId15"/>
+    <p:sldId id="270" r:id="rId16"/>
+    <p:sldId id="271" r:id="rId17"/>
+    <p:sldId id="272" r:id="rId18"/>
   </p:sldIdLst>
   <p:sldSz cx="9144000" cy="5143500" type="screen16x9"/>
   <p:notesSz cx="6858000" cy="9144000"/>
@@ -3229,249 +3235,14 @@
             </a:pPr>
             <a:r>
               <a:rPr/>
-              <a:t>Supervised Model</a:t>
-            </a:r>
-          </a:p>
-        </p:txBody>
-      </p:sp>
-    </p:spTree>
-  </p:cSld>
-</p:sld>
-</file>
-
-<file path=ppt/slides/slide11.xml><?xml version="1.0" encoding="utf-8"?>
-<p:sld xmlns:a="http://schemas.openxmlformats.org/drawingml/2006/main" xmlns:r="http://schemas.openxmlformats.org/officeDocument/2006/relationships" xmlns:p="http://schemas.openxmlformats.org/presentationml/2006/main">
-  <p:cSld>
-    <p:spTree>
-      <p:nvGrpSpPr>
-        <p:cNvPr id="1" name=""/>
-        <p:cNvGrpSpPr/>
-        <p:nvPr/>
-      </p:nvGrpSpPr>
-      <p:grpSpPr>
-        <a:xfrm>
-          <a:off x="0" y="0"/>
-          <a:ext cx="0" cy="0"/>
-          <a:chOff x="0" y="0"/>
-          <a:chExt cx="0" cy="0"/>
-        </a:xfrm>
-      </p:grpSpPr>
-      <p:sp>
-        <p:nvSpPr>
-          <p:cNvPr id="2" name="Title 1"/>
-          <p:cNvSpPr>
-            <a:spLocks noGrp="1"/>
-          </p:cNvSpPr>
-          <p:nvPr>
-            <p:ph type="title"/>
-          </p:nvPr>
-        </p:nvSpPr>
-        <p:spPr/>
-        <p:txBody>
-          <a:bodyPr/>
-          <a:lstStyle/>
-          <a:p>
-            <a:pPr lvl="0" indent="0" marL="0">
-              <a:buNone/>
-            </a:pPr>
-            <a:r>
-              <a:rPr/>
-              <a:t>Results</a:t>
-            </a:r>
-          </a:p>
-        </p:txBody>
-      </p:sp>
-    </p:spTree>
-  </p:cSld>
-</p:sld>
-</file>
-
-<file path=ppt/slides/slide2.xml><?xml version="1.0" encoding="utf-8"?>
-<p:sld xmlns:a="http://schemas.openxmlformats.org/drawingml/2006/main" xmlns:r="http://schemas.openxmlformats.org/officeDocument/2006/relationships" xmlns:p="http://schemas.openxmlformats.org/presentationml/2006/main">
-  <p:cSld>
-    <p:spTree>
-      <p:nvGrpSpPr>
-        <p:cNvPr id="1" name=""/>
-        <p:cNvGrpSpPr/>
-        <p:nvPr/>
-      </p:nvGrpSpPr>
-      <p:grpSpPr>
-        <a:xfrm>
-          <a:off x="0" y="0"/>
-          <a:ext cx="0" cy="0"/>
-          <a:chOff x="0" y="0"/>
-          <a:chExt cx="0" cy="0"/>
-        </a:xfrm>
-      </p:grpSpPr>
-      <p:sp>
-        <p:nvSpPr>
-          <p:cNvPr id="2" name="Title 1"/>
-          <p:cNvSpPr>
-            <a:spLocks noGrp="1"/>
-          </p:cNvSpPr>
-          <p:nvPr>
-            <p:ph type="title"/>
-          </p:nvPr>
-        </p:nvSpPr>
-        <p:spPr/>
-        <p:txBody>
-          <a:bodyPr/>
-          <a:lstStyle/>
-          <a:p>
-            <a:pPr lvl="0" indent="0" marL="0">
-              <a:buNone/>
-            </a:pPr>
-            <a:r>
-              <a:rPr/>
-              <a:t>Introduction</a:t>
-            </a:r>
-          </a:p>
-        </p:txBody>
-      </p:sp>
-    </p:spTree>
-  </p:cSld>
-</p:sld>
-</file>
-
-<file path=ppt/slides/slide3.xml><?xml version="1.0" encoding="utf-8"?>
-<p:sld xmlns:a="http://schemas.openxmlformats.org/drawingml/2006/main" xmlns:r="http://schemas.openxmlformats.org/officeDocument/2006/relationships" xmlns:p="http://schemas.openxmlformats.org/presentationml/2006/main">
-  <p:cSld>
-    <p:spTree>
-      <p:nvGrpSpPr>
-        <p:cNvPr id="1" name=""/>
-        <p:cNvGrpSpPr/>
-        <p:nvPr/>
-      </p:nvGrpSpPr>
-      <p:grpSpPr>
-        <a:xfrm>
-          <a:off x="0" y="0"/>
-          <a:ext cx="0" cy="0"/>
-          <a:chOff x="0" y="0"/>
-          <a:chExt cx="0" cy="0"/>
-        </a:xfrm>
-      </p:grpSpPr>
-      <p:sp>
-        <p:nvSpPr>
-          <p:cNvPr id="2" name="Title 1"/>
-          <p:cNvSpPr>
-            <a:spLocks noGrp="1"/>
-          </p:cNvSpPr>
-          <p:nvPr>
-            <p:ph type="title"/>
-          </p:nvPr>
-        </p:nvSpPr>
-        <p:spPr/>
-        <p:txBody>
-          <a:bodyPr/>
-          <a:lstStyle/>
-          <a:p>
-            <a:pPr lvl="0" indent="0" marL="0">
-              <a:buNone/>
-            </a:pPr>
-            <a:r>
-              <a:rPr/>
-              <a:t>Data Description</a:t>
-            </a:r>
-          </a:p>
-        </p:txBody>
-      </p:sp>
-    </p:spTree>
-  </p:cSld>
-</p:sld>
-</file>
-
-<file path=ppt/slides/slide4.xml><?xml version="1.0" encoding="utf-8"?>
-<p:sld xmlns:a="http://schemas.openxmlformats.org/drawingml/2006/main" xmlns:r="http://schemas.openxmlformats.org/officeDocument/2006/relationships" xmlns:p="http://schemas.openxmlformats.org/presentationml/2006/main">
-  <p:cSld>
-    <p:spTree>
-      <p:nvGrpSpPr>
-        <p:cNvPr id="1" name=""/>
-        <p:cNvGrpSpPr/>
-        <p:nvPr/>
-      </p:nvGrpSpPr>
-      <p:grpSpPr>
-        <a:xfrm>
-          <a:off x="0" y="0"/>
-          <a:ext cx="0" cy="0"/>
-          <a:chOff x="0" y="0"/>
-          <a:chExt cx="0" cy="0"/>
-        </a:xfrm>
-      </p:grpSpPr>
-      <p:sp>
-        <p:nvSpPr>
-          <p:cNvPr id="2" name="Title 1"/>
-          <p:cNvSpPr>
-            <a:spLocks noGrp="1"/>
-          </p:cNvSpPr>
-          <p:nvPr>
-            <p:ph type="title"/>
-          </p:nvPr>
-        </p:nvSpPr>
-        <p:spPr/>
-        <p:txBody>
-          <a:bodyPr/>
-          <a:lstStyle/>
-          <a:p>
-            <a:pPr lvl="0" indent="0" marL="0">
-              <a:buNone/>
-            </a:pPr>
-            <a:r>
-              <a:rPr/>
-              <a:t>Dimension Reduction</a:t>
-            </a:r>
-          </a:p>
-        </p:txBody>
-      </p:sp>
-    </p:spTree>
-  </p:cSld>
-</p:sld>
-</file>
-
-<file path=ppt/slides/slide5.xml><?xml version="1.0" encoding="utf-8"?>
-<p:sld xmlns:a="http://schemas.openxmlformats.org/drawingml/2006/main" xmlns:r="http://schemas.openxmlformats.org/officeDocument/2006/relationships" xmlns:p="http://schemas.openxmlformats.org/presentationml/2006/main">
-  <p:cSld>
-    <p:spTree>
-      <p:nvGrpSpPr>
-        <p:cNvPr id="1" name=""/>
-        <p:cNvGrpSpPr/>
-        <p:nvPr/>
-      </p:nvGrpSpPr>
-      <p:grpSpPr>
-        <a:xfrm>
-          <a:off x="0" y="0"/>
-          <a:ext cx="0" cy="0"/>
-          <a:chOff x="0" y="0"/>
-          <a:chExt cx="0" cy="0"/>
-        </a:xfrm>
-      </p:grpSpPr>
-      <p:sp>
-        <p:nvSpPr>
-          <p:cNvPr id="2" name="Title 1"/>
-          <p:cNvSpPr>
-            <a:spLocks noGrp="1"/>
-          </p:cNvSpPr>
-          <p:nvPr>
-            <p:ph type="title"/>
-          </p:nvPr>
-        </p:nvSpPr>
-        <p:spPr/>
-        <p:txBody>
-          <a:bodyPr/>
-          <a:lstStyle/>
-          <a:p>
-            <a:pPr lvl="0" indent="0" marL="0">
-              <a:buNone/>
-            </a:pPr>
-            <a:r>
-              <a:rPr/>
-              <a:t>K-Means Clustering</a:t>
+              <a:t>Image Dimension Reduction: UMAP</a:t>
             </a:r>
           </a:p>
         </p:txBody>
       </p:sp>
       <p:pic>
         <p:nvPicPr>
-          <p:cNvPr descr="Presentation_files/figure-pptx/unnamed-chunk-1-1.png" id="0" name="Picture 1"/>
+          <p:cNvPr descr="Presentation_files/figure-pptx/unnamed-chunk-6-1.png" id="0" name="Picture 1"/>
           <p:cNvPicPr>
             <a:picLocks noGrp="1" noChangeAspect="1"/>
           </p:cNvPicPr>
@@ -3504,7 +3275,84 @@
 </p:sld>
 </file>
 
-<file path=ppt/slides/slide6.xml><?xml version="1.0" encoding="utf-8"?>
+<file path=ppt/slides/slide11.xml><?xml version="1.0" encoding="utf-8"?>
+<p:sld xmlns:a="http://schemas.openxmlformats.org/drawingml/2006/main" xmlns:r="http://schemas.openxmlformats.org/officeDocument/2006/relationships" xmlns:p="http://schemas.openxmlformats.org/presentationml/2006/main">
+  <p:cSld>
+    <p:spTree>
+      <p:nvGrpSpPr>
+        <p:cNvPr id="1" name=""/>
+        <p:cNvGrpSpPr/>
+        <p:nvPr/>
+      </p:nvGrpSpPr>
+      <p:grpSpPr>
+        <a:xfrm>
+          <a:off x="0" y="0"/>
+          <a:ext cx="0" cy="0"/>
+          <a:chOff x="0" y="0"/>
+          <a:chExt cx="0" cy="0"/>
+        </a:xfrm>
+      </p:grpSpPr>
+      <p:sp>
+        <p:nvSpPr>
+          <p:cNvPr id="2" name="Title 1"/>
+          <p:cNvSpPr>
+            <a:spLocks noGrp="1"/>
+          </p:cNvSpPr>
+          <p:nvPr>
+            <p:ph type="title"/>
+          </p:nvPr>
+        </p:nvSpPr>
+        <p:spPr/>
+        <p:txBody>
+          <a:bodyPr/>
+          <a:lstStyle/>
+          <a:p>
+            <a:pPr lvl="0" indent="0" marL="0">
+              <a:buNone/>
+            </a:pPr>
+            <a:r>
+              <a:rPr/>
+              <a:t>K-Means Clustering</a:t>
+            </a:r>
+          </a:p>
+        </p:txBody>
+      </p:sp>
+      <p:pic>
+        <p:nvPicPr>
+          <p:cNvPr descr="Presentation_files/figure-pptx/unnamed-chunk-7-1.png" id="0" name="Picture 1"/>
+          <p:cNvPicPr>
+            <a:picLocks noGrp="1" noChangeAspect="1"/>
+          </p:cNvPicPr>
+          <p:nvPr/>
+        </p:nvPicPr>
+        <p:blipFill>
+          <a:blip r:embed="rId2"/>
+          <a:stretch>
+            <a:fillRect/>
+          </a:stretch>
+        </p:blipFill>
+        <p:spPr bwMode="auto">
+          <a:xfrm>
+            <a:off x="508000" y="1193800"/>
+            <a:ext cx="8140700" cy="3390900"/>
+          </a:xfrm>
+          <a:prstGeom prst="rect">
+            <a:avLst/>
+          </a:prstGeom>
+          <a:noFill/>
+          <a:ln w="9525">
+            <a:noFill/>
+            <a:headEnd/>
+            <a:tailEnd/>
+          </a:ln>
+        </p:spPr>
+      </p:pic>
+    </p:spTree>
+  </p:cSld>
+</p:sld>
+</file>
+
+<file path=ppt/slides/slide12.xml><?xml version="1.0" encoding="utf-8"?>
 <p:sld xmlns:a="http://schemas.openxmlformats.org/drawingml/2006/main" xmlns:r="http://schemas.openxmlformats.org/officeDocument/2006/relationships" xmlns:p="http://schemas.openxmlformats.org/presentationml/2006/main">
   <p:cSld>
     <p:spTree>
@@ -3848,7 +3696,7 @@
 </p:sld>
 </file>
 
-<file path=ppt/slides/slide7.xml><?xml version="1.0" encoding="utf-8"?>
+<file path=ppt/slides/slide13.xml><?xml version="1.0" encoding="utf-8"?>
 <p:sld xmlns:a="http://schemas.openxmlformats.org/drawingml/2006/main" xmlns:r="http://schemas.openxmlformats.org/officeDocument/2006/relationships" xmlns:p="http://schemas.openxmlformats.org/presentationml/2006/main">
   <p:cSld>
     <p:spTree>
@@ -3925,7 +3773,7 @@
 </p:sld>
 </file>
 
-<file path=ppt/slides/slide8.xml><?xml version="1.0" encoding="utf-8"?>
+<file path=ppt/slides/slide14.xml><?xml version="1.0" encoding="utf-8"?>
 <p:sld xmlns:a="http://schemas.openxmlformats.org/drawingml/2006/main" xmlns:r="http://schemas.openxmlformats.org/officeDocument/2006/relationships" xmlns:p="http://schemas.openxmlformats.org/presentationml/2006/main">
   <p:cSld>
     <p:spTree>
@@ -4002,6 +3850,843 @@
 </p:sld>
 </file>
 
+<file path=ppt/slides/slide15.xml><?xml version="1.0" encoding="utf-8"?>
+<p:sld xmlns:a="http://schemas.openxmlformats.org/drawingml/2006/main" xmlns:r="http://schemas.openxmlformats.org/officeDocument/2006/relationships" xmlns:p="http://schemas.openxmlformats.org/presentationml/2006/main">
+  <p:cSld>
+    <p:spTree>
+      <p:nvGrpSpPr>
+        <p:cNvPr id="1" name=""/>
+        <p:cNvGrpSpPr/>
+        <p:nvPr/>
+      </p:nvGrpSpPr>
+      <p:grpSpPr>
+        <a:xfrm>
+          <a:off x="0" y="0"/>
+          <a:ext cx="0" cy="0"/>
+          <a:chOff x="0" y="0"/>
+          <a:chExt cx="0" cy="0"/>
+        </a:xfrm>
+      </p:grpSpPr>
+      <p:sp>
+        <p:nvSpPr>
+          <p:cNvPr id="2" name="Title 1"/>
+          <p:cNvSpPr>
+            <a:spLocks noGrp="1"/>
+          </p:cNvSpPr>
+          <p:nvPr>
+            <p:ph type="title"/>
+          </p:nvPr>
+        </p:nvSpPr>
+        <p:spPr/>
+        <p:txBody>
+          <a:bodyPr/>
+          <a:lstStyle/>
+          <a:p>
+            <a:pPr lvl="0" indent="0" marL="0">
+              <a:buNone/>
+            </a:pPr>
+            <a:r>
+              <a:rPr/>
+              <a:t>Clustering Takeaways</a:t>
+            </a:r>
+          </a:p>
+        </p:txBody>
+      </p:sp>
+      <p:sp>
+        <p:nvSpPr>
+          <p:cNvPr id="3" name="Content Placeholder 2"/>
+          <p:cNvSpPr>
+            <a:spLocks noGrp="1"/>
+          </p:cNvSpPr>
+          <p:nvPr>
+            <p:ph idx="1"/>
+          </p:nvPr>
+        </p:nvSpPr>
+        <p:spPr/>
+        <p:txBody>
+          <a:bodyPr/>
+          <a:lstStyle/>
+          <a:p>
+            <a:pPr lvl="0"/>
+            <a:r>
+              <a:rPr/>
+              <a:t>Stats cluster primary types better than images</a:t>
+            </a:r>
+          </a:p>
+          <a:p>
+            <a:pPr lvl="1"/>
+            <a:r>
+              <a:rPr/>
+              <a:t>at best clustering classified 52% of Pokemon type</a:t>
+            </a:r>
+          </a:p>
+          <a:p>
+            <a:pPr lvl="0"/>
+            <a:r>
+              <a:rPr/>
+              <a:t>Limitations include imbalanced data among Pokemon types, which can be accounted for in Supervised Models</a:t>
+            </a:r>
+          </a:p>
+          <a:p>
+            <a:pPr lvl="0"/>
+            <a:r>
+              <a:rPr/>
+              <a:t>Structure of the data may not capture the complexity of the Pokemon types in a way that creates efficient and distinct clusters</a:t>
+            </a:r>
+          </a:p>
+        </p:txBody>
+      </p:sp>
+    </p:spTree>
+  </p:cSld>
+</p:sld>
+</file>
+
+<file path=ppt/slides/slide16.xml><?xml version="1.0" encoding="utf-8"?>
+<p:sld xmlns:a="http://schemas.openxmlformats.org/drawingml/2006/main" xmlns:r="http://schemas.openxmlformats.org/officeDocument/2006/relationships" xmlns:p="http://schemas.openxmlformats.org/presentationml/2006/main">
+  <p:cSld>
+    <p:spTree>
+      <p:nvGrpSpPr>
+        <p:cNvPr id="1" name=""/>
+        <p:cNvGrpSpPr/>
+        <p:nvPr/>
+      </p:nvGrpSpPr>
+      <p:grpSpPr>
+        <a:xfrm>
+          <a:off x="0" y="0"/>
+          <a:ext cx="0" cy="0"/>
+          <a:chOff x="0" y="0"/>
+          <a:chExt cx="0" cy="0"/>
+        </a:xfrm>
+      </p:grpSpPr>
+      <p:sp>
+        <p:nvSpPr>
+          <p:cNvPr id="2" name="Title 1"/>
+          <p:cNvSpPr>
+            <a:spLocks noGrp="1"/>
+          </p:cNvSpPr>
+          <p:nvPr>
+            <p:ph type="title"/>
+          </p:nvPr>
+        </p:nvSpPr>
+        <p:spPr/>
+        <p:txBody>
+          <a:bodyPr/>
+          <a:lstStyle/>
+          <a:p>
+            <a:pPr lvl="0" indent="0" marL="0">
+              <a:buNone/>
+            </a:pPr>
+            <a:r>
+              <a:rPr/>
+              <a:t>Supervised Model</a:t>
+            </a:r>
+          </a:p>
+        </p:txBody>
+      </p:sp>
+    </p:spTree>
+  </p:cSld>
+</p:sld>
+</file>
+
+<file path=ppt/slides/slide17.xml><?xml version="1.0" encoding="utf-8"?>
+<p:sld xmlns:a="http://schemas.openxmlformats.org/drawingml/2006/main" xmlns:r="http://schemas.openxmlformats.org/officeDocument/2006/relationships" xmlns:p="http://schemas.openxmlformats.org/presentationml/2006/main">
+  <p:cSld>
+    <p:spTree>
+      <p:nvGrpSpPr>
+        <p:cNvPr id="1" name=""/>
+        <p:cNvGrpSpPr/>
+        <p:nvPr/>
+      </p:nvGrpSpPr>
+      <p:grpSpPr>
+        <a:xfrm>
+          <a:off x="0" y="0"/>
+          <a:ext cx="0" cy="0"/>
+          <a:chOff x="0" y="0"/>
+          <a:chExt cx="0" cy="0"/>
+        </a:xfrm>
+      </p:grpSpPr>
+      <p:sp>
+        <p:nvSpPr>
+          <p:cNvPr id="2" name="Title 1"/>
+          <p:cNvSpPr>
+            <a:spLocks noGrp="1"/>
+          </p:cNvSpPr>
+          <p:nvPr>
+            <p:ph type="title"/>
+          </p:nvPr>
+        </p:nvSpPr>
+        <p:spPr/>
+        <p:txBody>
+          <a:bodyPr/>
+          <a:lstStyle/>
+          <a:p>
+            <a:pPr lvl="0" indent="0" marL="0">
+              <a:buNone/>
+            </a:pPr>
+            <a:r>
+              <a:rPr/>
+              <a:t>Results</a:t>
+            </a:r>
+          </a:p>
+        </p:txBody>
+      </p:sp>
+    </p:spTree>
+  </p:cSld>
+</p:sld>
+</file>
+
+<file path=ppt/slides/slide2.xml><?xml version="1.0" encoding="utf-8"?>
+<p:sld xmlns:a="http://schemas.openxmlformats.org/drawingml/2006/main" xmlns:r="http://schemas.openxmlformats.org/officeDocument/2006/relationships" xmlns:p="http://schemas.openxmlformats.org/presentationml/2006/main">
+  <p:cSld>
+    <p:spTree>
+      <p:nvGrpSpPr>
+        <p:cNvPr id="1" name=""/>
+        <p:cNvGrpSpPr/>
+        <p:nvPr/>
+      </p:nvGrpSpPr>
+      <p:grpSpPr>
+        <a:xfrm>
+          <a:off x="0" y="0"/>
+          <a:ext cx="0" cy="0"/>
+          <a:chOff x="0" y="0"/>
+          <a:chExt cx="0" cy="0"/>
+        </a:xfrm>
+      </p:grpSpPr>
+      <p:sp>
+        <p:nvSpPr>
+          <p:cNvPr id="2" name="Title 1"/>
+          <p:cNvSpPr>
+            <a:spLocks noGrp="1"/>
+          </p:cNvSpPr>
+          <p:nvPr>
+            <p:ph type="title"/>
+          </p:nvPr>
+        </p:nvSpPr>
+        <p:spPr/>
+        <p:txBody>
+          <a:bodyPr/>
+          <a:lstStyle/>
+          <a:p>
+            <a:pPr lvl="0" indent="0" marL="0">
+              <a:buNone/>
+            </a:pPr>
+            <a:r>
+              <a:rPr/>
+              <a:t>Introduction</a:t>
+            </a:r>
+          </a:p>
+        </p:txBody>
+      </p:sp>
+      <p:sp>
+        <p:nvSpPr>
+          <p:cNvPr id="3" name="Content Placeholder 2"/>
+          <p:cNvSpPr>
+            <a:spLocks noGrp="1"/>
+          </p:cNvSpPr>
+          <p:nvPr>
+            <p:ph idx="1"/>
+          </p:nvPr>
+        </p:nvSpPr>
+        <p:spPr/>
+        <p:txBody>
+          <a:bodyPr/>
+          <a:lstStyle/>
+          <a:p>
+            <a:pPr lvl="0" indent="0" marL="0">
+              <a:buNone/>
+            </a:pPr>
+            <a:r>
+              <a:rPr b="1"/>
+              <a:t>Motivation:</a:t>
+            </a:r>
+            <a:r>
+              <a:rPr/>
+              <a:t> Nostalgia, popularity, and an interesting, numerically-structured game design.</a:t>
+            </a:r>
+          </a:p>
+          <a:p>
+            <a:pPr lvl="0" indent="0" marL="0">
+              <a:buNone/>
+            </a:pPr>
+            <a:r>
+              <a:rPr b="1"/>
+              <a:t>Pokémon Typing:</a:t>
+            </a:r>
+            <a:r>
+              <a:rPr/>
+              <a:t> Game mechanic (i.e. pairwise interactions), but also a conceptual grouping based on traits like colour, strength, and theme.</a:t>
+            </a:r>
+          </a:p>
+        </p:txBody>
+      </p:sp>
+    </p:spTree>
+  </p:cSld>
+</p:sld>
+</file>
+
+<file path=ppt/slides/slide3.xml><?xml version="1.0" encoding="utf-8"?>
+<p:sld xmlns:a="http://schemas.openxmlformats.org/drawingml/2006/main" xmlns:r="http://schemas.openxmlformats.org/officeDocument/2006/relationships" xmlns:p="http://schemas.openxmlformats.org/presentationml/2006/main">
+  <p:cSld>
+    <p:spTree>
+      <p:nvGrpSpPr>
+        <p:cNvPr id="1" name=""/>
+        <p:cNvGrpSpPr/>
+        <p:nvPr/>
+      </p:nvGrpSpPr>
+      <p:grpSpPr>
+        <a:xfrm>
+          <a:off x="0" y="0"/>
+          <a:ext cx="0" cy="0"/>
+          <a:chOff x="0" y="0"/>
+          <a:chExt cx="0" cy="0"/>
+        </a:xfrm>
+      </p:grpSpPr>
+      <p:sp>
+        <p:nvSpPr>
+          <p:cNvPr id="2" name="Title 1"/>
+          <p:cNvSpPr>
+            <a:spLocks noGrp="1"/>
+          </p:cNvSpPr>
+          <p:nvPr>
+            <p:ph type="title"/>
+          </p:nvPr>
+        </p:nvSpPr>
+        <p:spPr/>
+        <p:txBody>
+          <a:bodyPr/>
+          <a:lstStyle/>
+          <a:p>
+            <a:pPr lvl="0" indent="0" marL="0">
+              <a:buNone/>
+            </a:pPr>
+            <a:r>
+              <a:rPr/>
+              <a:t>Example: Pikachu and Charizard</a:t>
+            </a:r>
+          </a:p>
+        </p:txBody>
+      </p:sp>
+      <p:pic>
+        <p:nvPicPr>
+          <p:cNvPr descr="Presentation_files/figure-pptx/unnamed-chunk-1-1.png" id="0" name="Picture 1"/>
+          <p:cNvPicPr>
+            <a:picLocks noGrp="1" noChangeAspect="1"/>
+          </p:cNvPicPr>
+          <p:nvPr/>
+        </p:nvPicPr>
+        <p:blipFill>
+          <a:blip r:embed="rId2"/>
+          <a:stretch>
+            <a:fillRect/>
+          </a:stretch>
+        </p:blipFill>
+        <p:spPr bwMode="auto">
+          <a:xfrm>
+            <a:off x="1181100" y="1193800"/>
+            <a:ext cx="6781800" cy="3390900"/>
+          </a:xfrm>
+          <a:prstGeom prst="rect">
+            <a:avLst/>
+          </a:prstGeom>
+          <a:noFill/>
+          <a:ln w="9525">
+            <a:noFill/>
+            <a:headEnd/>
+            <a:tailEnd/>
+          </a:ln>
+        </p:spPr>
+      </p:pic>
+    </p:spTree>
+  </p:cSld>
+</p:sld>
+</file>
+
+<file path=ppt/slides/slide4.xml><?xml version="1.0" encoding="utf-8"?>
+<p:sld xmlns:a="http://schemas.openxmlformats.org/drawingml/2006/main" xmlns:r="http://schemas.openxmlformats.org/officeDocument/2006/relationships" xmlns:p="http://schemas.openxmlformats.org/presentationml/2006/main">
+  <p:cSld>
+    <p:spTree>
+      <p:nvGrpSpPr>
+        <p:cNvPr id="1" name=""/>
+        <p:cNvGrpSpPr/>
+        <p:nvPr/>
+      </p:nvGrpSpPr>
+      <p:grpSpPr>
+        <a:xfrm>
+          <a:off x="0" y="0"/>
+          <a:ext cx="0" cy="0"/>
+          <a:chOff x="0" y="0"/>
+          <a:chExt cx="0" cy="0"/>
+        </a:xfrm>
+      </p:grpSpPr>
+      <p:sp>
+        <p:nvSpPr>
+          <p:cNvPr id="2" name="Title 1"/>
+          <p:cNvSpPr>
+            <a:spLocks noGrp="1"/>
+          </p:cNvSpPr>
+          <p:nvPr>
+            <p:ph type="title"/>
+          </p:nvPr>
+        </p:nvSpPr>
+        <p:spPr/>
+        <p:txBody>
+          <a:bodyPr/>
+          <a:lstStyle/>
+          <a:p>
+            <a:pPr lvl="0" indent="0" marL="0">
+              <a:buNone/>
+            </a:pPr>
+            <a:r>
+              <a:rPr/>
+              <a:t>Approach</a:t>
+            </a:r>
+          </a:p>
+        </p:txBody>
+      </p:sp>
+      <p:sp>
+        <p:nvSpPr>
+          <p:cNvPr id="3" name="Content Placeholder 2"/>
+          <p:cNvSpPr>
+            <a:spLocks noGrp="1"/>
+          </p:cNvSpPr>
+          <p:nvPr>
+            <p:ph idx="1"/>
+          </p:nvPr>
+        </p:nvSpPr>
+        <p:spPr/>
+        <p:txBody>
+          <a:bodyPr/>
+          <a:lstStyle/>
+          <a:p>
+            <a:pPr lvl="0" indent="0" marL="0">
+              <a:buNone/>
+            </a:pPr>
+            <a:r>
+              <a:rPr i="1"/>
+              <a:t>Can clustering and classification methods uncover or predict a Pokémon’s type based on its image and statistical features?</a:t>
+            </a:r>
+          </a:p>
+          <a:p>
+            <a:pPr lvl="0" indent="0" marL="0">
+              <a:buNone/>
+            </a:pPr>
+            <a:r>
+              <a:rPr/>
+              <a:t>Methods:</a:t>
+            </a:r>
+          </a:p>
+          <a:p>
+            <a:pPr lvl="0"/>
+            <a:r>
+              <a:rPr b="1"/>
+              <a:t>Dimensionality reduction:</a:t>
+            </a:r>
+            <a:r>
+              <a:rPr/>
+              <a:t> PCA</a:t>
+            </a:r>
+          </a:p>
+          <a:p>
+            <a:pPr lvl="0"/>
+            <a:r>
+              <a:rPr b="1"/>
+              <a:t>Clustering:</a:t>
+            </a:r>
+            <a:r>
+              <a:rPr/>
+              <a:t> k-means</a:t>
+            </a:r>
+          </a:p>
+          <a:p>
+            <a:pPr lvl="0"/>
+            <a:r>
+              <a:rPr b="1"/>
+              <a:t>Classification models:</a:t>
+            </a:r>
+            <a:r>
+              <a:rPr/>
+              <a:t> LDA, Gradient boosting</a:t>
+            </a:r>
+          </a:p>
+        </p:txBody>
+      </p:sp>
+    </p:spTree>
+  </p:cSld>
+</p:sld>
+</file>
+
+<file path=ppt/slides/slide5.xml><?xml version="1.0" encoding="utf-8"?>
+<p:sld xmlns:a="http://schemas.openxmlformats.org/drawingml/2006/main" xmlns:r="http://schemas.openxmlformats.org/officeDocument/2006/relationships" xmlns:p="http://schemas.openxmlformats.org/presentationml/2006/main">
+  <p:cSld>
+    <p:spTree>
+      <p:nvGrpSpPr>
+        <p:cNvPr id="1" name=""/>
+        <p:cNvGrpSpPr/>
+        <p:nvPr/>
+      </p:nvGrpSpPr>
+      <p:grpSpPr>
+        <a:xfrm>
+          <a:off x="0" y="0"/>
+          <a:ext cx="0" cy="0"/>
+          <a:chOff x="0" y="0"/>
+          <a:chExt cx="0" cy="0"/>
+        </a:xfrm>
+      </p:grpSpPr>
+      <p:sp>
+        <p:nvSpPr>
+          <p:cNvPr id="2" name="Title 1"/>
+          <p:cNvSpPr>
+            <a:spLocks noGrp="1"/>
+          </p:cNvSpPr>
+          <p:nvPr>
+            <p:ph type="title"/>
+          </p:nvPr>
+        </p:nvSpPr>
+        <p:spPr/>
+        <p:txBody>
+          <a:bodyPr/>
+          <a:lstStyle/>
+          <a:p>
+            <a:pPr lvl="0" indent="0" marL="0">
+              <a:buNone/>
+            </a:pPr>
+            <a:r>
+              <a:rPr/>
+              <a:t>Data Description</a:t>
+            </a:r>
+          </a:p>
+        </p:txBody>
+      </p:sp>
+      <p:sp>
+        <p:nvSpPr>
+          <p:cNvPr id="3" name="Content Placeholder 2"/>
+          <p:cNvSpPr>
+            <a:spLocks noGrp="1"/>
+          </p:cNvSpPr>
+          <p:nvPr>
+            <p:ph idx="1"/>
+          </p:nvPr>
+        </p:nvSpPr>
+        <p:spPr/>
+        <p:txBody>
+          <a:bodyPr/>
+          <a:lstStyle/>
+          <a:p>
+            <a:pPr lvl="0" indent="0" marL="0">
+              <a:buNone/>
+            </a:pPr>
+            <a:r>
+              <a:rPr/>
+              <a:t>From generations 1-7:</a:t>
+            </a:r>
+          </a:p>
+          <a:p>
+            <a:pPr lvl="0" indent="-342900" marL="342900">
+              <a:buAutoNum type="arabicPeriod"/>
+            </a:pPr>
+            <a:r>
+              <a:rPr b="1"/>
+              <a:t>Image Dataset:</a:t>
+            </a:r>
+            <a:r>
+              <a:rPr/>
+              <a:t> 809 Pokémon, 120 x 120 PNGs with RGBA</a:t>
+            </a:r>
+          </a:p>
+          <a:p>
+            <a:pPr lvl="0" indent="-342900" marL="342900">
+              <a:buAutoNum type="arabicPeriod"/>
+            </a:pPr>
+            <a:r>
+              <a:rPr b="1"/>
+              <a:t>Stats Dataset:</a:t>
+            </a:r>
+            <a:r>
+              <a:rPr/>
+              <a:t> 801 Pokémon, 41 numerical features (e.g. </a:t>
+            </a:r>
+            <a:r>
+              <a:rPr>
+                <a:latin typeface="Courier"/>
+              </a:rPr>
+              <a:t>hp</a:t>
+            </a:r>
+            <a:r>
+              <a:rPr/>
+              <a:t>, </a:t>
+            </a:r>
+            <a:r>
+              <a:rPr>
+                <a:latin typeface="Courier"/>
+              </a:rPr>
+              <a:t>attack</a:t>
+            </a:r>
+            <a:r>
+              <a:rPr/>
+              <a:t>, </a:t>
+            </a:r>
+            <a:r>
+              <a:rPr>
+                <a:latin typeface="Courier"/>
+              </a:rPr>
+              <a:t>sp_defense</a:t>
+            </a:r>
+            <a:r>
+              <a:rPr/>
+              <a:t>, etc.)</a:t>
+            </a:r>
+          </a:p>
+          <a:p>
+            <a:pPr lvl="0" indent="0" marL="0">
+              <a:buNone/>
+            </a:pPr>
+            <a:r>
+              <a:rPr b="1"/>
+              <a:t>Pre-processing:</a:t>
+            </a:r>
+            <a:r>
+              <a:rPr/>
+              <a:t> Flattened RGB image vectors (43,200 features); matched and cleaned datasets (801 shared Pokémon).</a:t>
+            </a:r>
+          </a:p>
+        </p:txBody>
+      </p:sp>
+    </p:spTree>
+  </p:cSld>
+</p:sld>
+</file>
+
+<file path=ppt/slides/slide6.xml><?xml version="1.0" encoding="utf-8"?>
+<p:sld xmlns:a="http://schemas.openxmlformats.org/drawingml/2006/main" xmlns:r="http://schemas.openxmlformats.org/officeDocument/2006/relationships" xmlns:p="http://schemas.openxmlformats.org/presentationml/2006/main">
+  <p:cSld>
+    <p:spTree>
+      <p:nvGrpSpPr>
+        <p:cNvPr id="1" name=""/>
+        <p:cNvGrpSpPr/>
+        <p:nvPr/>
+      </p:nvGrpSpPr>
+      <p:grpSpPr>
+        <a:xfrm>
+          <a:off x="0" y="0"/>
+          <a:ext cx="0" cy="0"/>
+          <a:chOff x="0" y="0"/>
+          <a:chExt cx="0" cy="0"/>
+        </a:xfrm>
+      </p:grpSpPr>
+      <p:sp>
+        <p:nvSpPr>
+          <p:cNvPr id="2" name="Title 1"/>
+          <p:cNvSpPr>
+            <a:spLocks noGrp="1"/>
+          </p:cNvSpPr>
+          <p:nvPr>
+            <p:ph type="title"/>
+          </p:nvPr>
+        </p:nvSpPr>
+        <p:spPr/>
+        <p:txBody>
+          <a:bodyPr/>
+          <a:lstStyle/>
+          <a:p>
+            <a:pPr lvl="0" indent="0" marL="0">
+              <a:buNone/>
+            </a:pPr>
+            <a:r>
+              <a:rPr/>
+              <a:t>Stats</a:t>
+            </a:r>
+          </a:p>
+        </p:txBody>
+      </p:sp>
+      <p:pic>
+        <p:nvPicPr>
+          <p:cNvPr descr="Presentation_files/figure-pptx/unnamed-chunk-2-1.png" id="0" name="Picture 1"/>
+          <p:cNvPicPr>
+            <a:picLocks noGrp="1" noChangeAspect="1"/>
+          </p:cNvPicPr>
+          <p:nvPr/>
+        </p:nvPicPr>
+        <p:blipFill>
+          <a:blip r:embed="rId2"/>
+          <a:stretch>
+            <a:fillRect/>
+          </a:stretch>
+        </p:blipFill>
+        <p:spPr bwMode="auto">
+          <a:xfrm>
+            <a:off x="508000" y="1193800"/>
+            <a:ext cx="8140700" cy="3390900"/>
+          </a:xfrm>
+          <a:prstGeom prst="rect">
+            <a:avLst/>
+          </a:prstGeom>
+          <a:noFill/>
+          <a:ln w="9525">
+            <a:noFill/>
+            <a:headEnd/>
+            <a:tailEnd/>
+          </a:ln>
+        </p:spPr>
+      </p:pic>
+    </p:spTree>
+  </p:cSld>
+</p:sld>
+</file>
+
+<file path=ppt/slides/slide7.xml><?xml version="1.0" encoding="utf-8"?>
+<p:sld xmlns:a="http://schemas.openxmlformats.org/drawingml/2006/main" xmlns:r="http://schemas.openxmlformats.org/officeDocument/2006/relationships" xmlns:p="http://schemas.openxmlformats.org/presentationml/2006/main">
+  <p:cSld>
+    <p:spTree>
+      <p:nvGrpSpPr>
+        <p:cNvPr id="1" name=""/>
+        <p:cNvGrpSpPr/>
+        <p:nvPr/>
+      </p:nvGrpSpPr>
+      <p:grpSpPr>
+        <a:xfrm>
+          <a:off x="0" y="0"/>
+          <a:ext cx="0" cy="0"/>
+          <a:chOff x="0" y="0"/>
+          <a:chExt cx="0" cy="0"/>
+        </a:xfrm>
+      </p:grpSpPr>
+      <p:sp>
+        <p:nvSpPr>
+          <p:cNvPr id="2" name="Title 1"/>
+          <p:cNvSpPr>
+            <a:spLocks noGrp="1"/>
+          </p:cNvSpPr>
+          <p:nvPr>
+            <p:ph type="title"/>
+          </p:nvPr>
+        </p:nvSpPr>
+        <p:spPr/>
+        <p:txBody>
+          <a:bodyPr/>
+          <a:lstStyle/>
+          <a:p>
+            <a:pPr lvl="0" indent="0" marL="0">
+              <a:buNone/>
+            </a:pPr>
+            <a:r>
+              <a:rPr/>
+              <a:t>Primary Type Distribution</a:t>
+            </a:r>
+          </a:p>
+        </p:txBody>
+      </p:sp>
+      <p:pic>
+        <p:nvPicPr>
+          <p:cNvPr descr="Presentation_files/figure-pptx/unnamed-chunk-3-1.png" id="0" name="Picture 1"/>
+          <p:cNvPicPr>
+            <a:picLocks noGrp="1" noChangeAspect="1"/>
+          </p:cNvPicPr>
+          <p:nvPr/>
+        </p:nvPicPr>
+        <p:blipFill>
+          <a:blip r:embed="rId2"/>
+          <a:stretch>
+            <a:fillRect/>
+          </a:stretch>
+        </p:blipFill>
+        <p:spPr bwMode="auto">
+          <a:xfrm>
+            <a:off x="508000" y="1193800"/>
+            <a:ext cx="8140700" cy="3390900"/>
+          </a:xfrm>
+          <a:prstGeom prst="rect">
+            <a:avLst/>
+          </a:prstGeom>
+          <a:noFill/>
+          <a:ln w="9525">
+            <a:noFill/>
+            <a:headEnd/>
+            <a:tailEnd/>
+          </a:ln>
+        </p:spPr>
+      </p:pic>
+    </p:spTree>
+  </p:cSld>
+</p:sld>
+</file>
+
+<file path=ppt/slides/slide8.xml><?xml version="1.0" encoding="utf-8"?>
+<p:sld xmlns:a="http://schemas.openxmlformats.org/drawingml/2006/main" xmlns:r="http://schemas.openxmlformats.org/officeDocument/2006/relationships" xmlns:p="http://schemas.openxmlformats.org/presentationml/2006/main">
+  <p:cSld>
+    <p:spTree>
+      <p:nvGrpSpPr>
+        <p:cNvPr id="1" name=""/>
+        <p:cNvGrpSpPr/>
+        <p:nvPr/>
+      </p:nvGrpSpPr>
+      <p:grpSpPr>
+        <a:xfrm>
+          <a:off x="0" y="0"/>
+          <a:ext cx="0" cy="0"/>
+          <a:chOff x="0" y="0"/>
+          <a:chExt cx="0" cy="0"/>
+        </a:xfrm>
+      </p:grpSpPr>
+      <p:sp>
+        <p:nvSpPr>
+          <p:cNvPr id="2" name="Title 1"/>
+          <p:cNvSpPr>
+            <a:spLocks noGrp="1"/>
+          </p:cNvSpPr>
+          <p:nvPr>
+            <p:ph type="title"/>
+          </p:nvPr>
+        </p:nvSpPr>
+        <p:spPr/>
+        <p:txBody>
+          <a:bodyPr/>
+          <a:lstStyle/>
+          <a:p>
+            <a:pPr lvl="0" indent="0" marL="0">
+              <a:buNone/>
+            </a:pPr>
+            <a:r>
+              <a:rPr/>
+              <a:t>Image Dimension Reduction: PCA</a:t>
+            </a:r>
+          </a:p>
+        </p:txBody>
+      </p:sp>
+      <p:pic>
+        <p:nvPicPr>
+          <p:cNvPr descr="Presentation_files/figure-pptx/unnamed-chunk-4-1.png" id="0" name="Picture 1"/>
+          <p:cNvPicPr>
+            <a:picLocks noGrp="1" noChangeAspect="1"/>
+          </p:cNvPicPr>
+          <p:nvPr/>
+        </p:nvPicPr>
+        <p:blipFill>
+          <a:blip r:embed="rId2"/>
+          <a:stretch>
+            <a:fillRect/>
+          </a:stretch>
+        </p:blipFill>
+        <p:spPr bwMode="auto">
+          <a:xfrm>
+            <a:off x="1181100" y="1193800"/>
+            <a:ext cx="6781800" cy="3390900"/>
+          </a:xfrm>
+          <a:prstGeom prst="rect">
+            <a:avLst/>
+          </a:prstGeom>
+          <a:noFill/>
+          <a:ln w="9525">
+            <a:noFill/>
+            <a:headEnd/>
+            <a:tailEnd/>
+          </a:ln>
+        </p:spPr>
+      </p:pic>
+    </p:spTree>
+  </p:cSld>
+</p:sld>
+</file>
+
 <file path=ppt/slides/slide9.xml><?xml version="1.0" encoding="utf-8"?>
 <p:sld xmlns:a="http://schemas.openxmlformats.org/drawingml/2006/main" xmlns:r="http://schemas.openxmlformats.org/officeDocument/2006/relationships" xmlns:p="http://schemas.openxmlformats.org/presentationml/2006/main">
   <p:cSld>
@@ -4039,55 +4724,41 @@
             </a:pPr>
             <a:r>
               <a:rPr/>
-              <a:t>Clustering Takeaways</a:t>
-            </a:r>
-          </a:p>
-        </p:txBody>
-      </p:sp>
-      <p:sp>
-        <p:nvSpPr>
-          <p:cNvPr id="3" name="Content Placeholder 2"/>
-          <p:cNvSpPr>
-            <a:spLocks noGrp="1"/>
-          </p:cNvSpPr>
-          <p:nvPr>
-            <p:ph idx="1"/>
-          </p:nvPr>
-        </p:nvSpPr>
-        <p:spPr/>
-        <p:txBody>
-          <a:bodyPr/>
-          <a:lstStyle/>
-          <a:p>
-            <a:pPr lvl="0"/>
-            <a:r>
-              <a:rPr/>
-              <a:t>Stats cluster primary types better than images</a:t>
-            </a:r>
-          </a:p>
-          <a:p>
-            <a:pPr lvl="1"/>
-            <a:r>
-              <a:rPr/>
-              <a:t>at best clustering classified 52% of Pokemon type</a:t>
-            </a:r>
-          </a:p>
-          <a:p>
-            <a:pPr lvl="0"/>
-            <a:r>
-              <a:rPr/>
-              <a:t>Limitations include imbalanced data among Pokemon types, which can be accounted for in Supervised Models</a:t>
-            </a:r>
-          </a:p>
-          <a:p>
-            <a:pPr lvl="0"/>
-            <a:r>
-              <a:rPr/>
-              <a:t>Structure of the data may not capture the complexity of the Pokemon types in a way that creates efficient and distinct clusters</a:t>
-            </a:r>
-          </a:p>
-        </p:txBody>
-      </p:sp>
+              <a:t>Example: Image Compression</a:t>
+            </a:r>
+          </a:p>
+        </p:txBody>
+      </p:sp>
+      <p:pic>
+        <p:nvPicPr>
+          <p:cNvPr descr="Presentation_files/figure-pptx/unnamed-chunk-5-1.png" id="0" name="Picture 1"/>
+          <p:cNvPicPr>
+            <a:picLocks noGrp="1" noChangeAspect="1"/>
+          </p:cNvPicPr>
+          <p:nvPr/>
+        </p:nvPicPr>
+        <p:blipFill>
+          <a:blip r:embed="rId2"/>
+          <a:stretch>
+            <a:fillRect/>
+          </a:stretch>
+        </p:blipFill>
+        <p:spPr bwMode="auto">
+          <a:xfrm>
+            <a:off x="508000" y="1193800"/>
+            <a:ext cx="8140700" cy="3390900"/>
+          </a:xfrm>
+          <a:prstGeom prst="rect">
+            <a:avLst/>
+          </a:prstGeom>
+          <a:noFill/>
+          <a:ln w="9525">
+            <a:noFill/>
+            <a:headEnd/>
+            <a:tailEnd/>
+          </a:ln>
+        </p:spPr>
+      </p:pic>
     </p:spTree>
   </p:cSld>
 </p:sld>

--- a/Presentation.pptx
+++ b/Presentation.pptx
@@ -4117,6 +4117,15 @@
               <a:t> Game mechanic (i.e. pairwise interactions), but also a conceptual grouping based on traits like colour, strength, and theme.</a:t>
             </a:r>
           </a:p>
+          <a:p>
+            <a:pPr lvl="0" indent="0" marL="0">
+              <a:buNone/>
+            </a:pPr>
+            <a:r>
+              <a:rPr i="1"/>
+              <a:t>Can clustering and classification methods uncover or predict a Pokémon’s type based on its image and statistical features?</a:t>
+            </a:r>
+          </a:p>
         </p:txBody>
       </p:sp>
     </p:spTree>
@@ -4238,7 +4247,7 @@
             </a:pPr>
             <a:r>
               <a:rPr/>
-              <a:t>Approach</a:t>
+              <a:t>Data Description</a:t>
             </a:r>
           </a:p>
         </p:txBody>
@@ -4262,8 +4271,64 @@
               <a:buNone/>
             </a:pPr>
             <a:r>
-              <a:rPr i="1"/>
-              <a:t>Can clustering and classification methods uncover or predict a Pokémon’s type based on its image and statistical features?</a:t>
+              <a:rPr/>
+              <a:t>From generations 1-7:</a:t>
+            </a:r>
+          </a:p>
+          <a:p>
+            <a:pPr lvl="0" indent="-342900" marL="342900">
+              <a:buAutoNum type="arabicPeriod"/>
+            </a:pPr>
+            <a:r>
+              <a:rPr b="1"/>
+              <a:t>Image Dataset:</a:t>
+            </a:r>
+            <a:r>
+              <a:rPr/>
+              <a:t> 809 Pokémon, 120 x 120 PNGs with RGBA</a:t>
+            </a:r>
+          </a:p>
+          <a:p>
+            <a:pPr lvl="0" indent="-342900" marL="342900">
+              <a:buAutoNum type="arabicPeriod"/>
+            </a:pPr>
+            <a:r>
+              <a:rPr b="1"/>
+              <a:t>Stats Dataset:</a:t>
+            </a:r>
+            <a:r>
+              <a:rPr/>
+              <a:t> 801 Pokémon, 41 numerical features (e.g. </a:t>
+            </a:r>
+            <a:r>
+              <a:rPr>
+                <a:latin typeface="Courier"/>
+              </a:rPr>
+              <a:t>hp</a:t>
+            </a:r>
+            <a:r>
+              <a:rPr/>
+              <a:t>, </a:t>
+            </a:r>
+            <a:r>
+              <a:rPr>
+                <a:latin typeface="Courier"/>
+              </a:rPr>
+              <a:t>attack</a:t>
+            </a:r>
+            <a:r>
+              <a:rPr/>
+              <a:t>, </a:t>
+            </a:r>
+            <a:r>
+              <a:rPr>
+                <a:latin typeface="Courier"/>
+              </a:rPr>
+              <a:t>sp_defense</a:t>
+            </a:r>
+            <a:r>
+              <a:rPr/>
+              <a:t>, etc.)</a:t>
             </a:r>
           </a:p>
           <a:p>
@@ -4271,41 +4336,12 @@
               <a:buNone/>
             </a:pPr>
             <a:r>
+              <a:rPr b="1"/>
+              <a:t>Pre-processing:</a:t>
+            </a:r>
+            <a:r>
               <a:rPr/>
-              <a:t>Methods:</a:t>
-            </a:r>
-          </a:p>
-          <a:p>
-            <a:pPr lvl="0"/>
-            <a:r>
-              <a:rPr b="1"/>
-              <a:t>Dimensionality reduction:</a:t>
-            </a:r>
-            <a:r>
-              <a:rPr/>
-              <a:t> PCA</a:t>
-            </a:r>
-          </a:p>
-          <a:p>
-            <a:pPr lvl="0"/>
-            <a:r>
-              <a:rPr b="1"/>
-              <a:t>Clustering:</a:t>
-            </a:r>
-            <a:r>
-              <a:rPr/>
-              <a:t> k-means</a:t>
-            </a:r>
-          </a:p>
-          <a:p>
-            <a:pPr lvl="0"/>
-            <a:r>
-              <a:rPr b="1"/>
-              <a:t>Classification models:</a:t>
-            </a:r>
-            <a:r>
-              <a:rPr/>
-              <a:t> LDA, Gradient boosting</a:t>
+              <a:t> Flattened RGB image vectors (43,200 features); matched and cleaned datasets (801 shared Pokémon).</a:t>
             </a:r>
           </a:p>
         </p:txBody>
@@ -4352,105 +4388,41 @@
             </a:pPr>
             <a:r>
               <a:rPr/>
-              <a:t>Data Description</a:t>
-            </a:r>
-          </a:p>
-        </p:txBody>
-      </p:sp>
-      <p:sp>
-        <p:nvSpPr>
-          <p:cNvPr id="3" name="Content Placeholder 2"/>
-          <p:cNvSpPr>
-            <a:spLocks noGrp="1"/>
-          </p:cNvSpPr>
-          <p:nvPr>
-            <p:ph idx="1"/>
-          </p:nvPr>
-        </p:nvSpPr>
-        <p:spPr/>
-        <p:txBody>
-          <a:bodyPr/>
-          <a:lstStyle/>
-          <a:p>
-            <a:pPr lvl="0" indent="0" marL="0">
-              <a:buNone/>
-            </a:pPr>
-            <a:r>
-              <a:rPr/>
-              <a:t>From generations 1-7:</a:t>
-            </a:r>
-          </a:p>
-          <a:p>
-            <a:pPr lvl="0" indent="-342900" marL="342900">
-              <a:buAutoNum type="arabicPeriod"/>
-            </a:pPr>
-            <a:r>
-              <a:rPr b="1"/>
-              <a:t>Image Dataset:</a:t>
-            </a:r>
-            <a:r>
-              <a:rPr/>
-              <a:t> 809 Pokémon, 120 x 120 PNGs with RGBA</a:t>
-            </a:r>
-          </a:p>
-          <a:p>
-            <a:pPr lvl="0" indent="-342900" marL="342900">
-              <a:buAutoNum type="arabicPeriod"/>
-            </a:pPr>
-            <a:r>
-              <a:rPr b="1"/>
-              <a:t>Stats Dataset:</a:t>
-            </a:r>
-            <a:r>
-              <a:rPr/>
-              <a:t> 801 Pokémon, 41 numerical features (e.g. </a:t>
-            </a:r>
-            <a:r>
-              <a:rPr>
-                <a:latin typeface="Courier"/>
-              </a:rPr>
-              <a:t>hp</a:t>
-            </a:r>
-            <a:r>
-              <a:rPr/>
-              <a:t>, </a:t>
-            </a:r>
-            <a:r>
-              <a:rPr>
-                <a:latin typeface="Courier"/>
-              </a:rPr>
-              <a:t>attack</a:t>
-            </a:r>
-            <a:r>
-              <a:rPr/>
-              <a:t>, </a:t>
-            </a:r>
-            <a:r>
-              <a:rPr>
-                <a:latin typeface="Courier"/>
-              </a:rPr>
-              <a:t>sp_defense</a:t>
-            </a:r>
-            <a:r>
-              <a:rPr/>
-              <a:t>, etc.)</a:t>
-            </a:r>
-          </a:p>
-          <a:p>
-            <a:pPr lvl="0" indent="0" marL="0">
-              <a:buNone/>
-            </a:pPr>
-            <a:r>
-              <a:rPr b="1"/>
-              <a:t>Pre-processing:</a:t>
-            </a:r>
-            <a:r>
-              <a:rPr/>
-              <a:t> Flattened RGB image vectors (43,200 features); matched and cleaned datasets (801 shared Pokémon).</a:t>
-            </a:r>
-          </a:p>
-        </p:txBody>
-      </p:sp>
+              <a:t>Stats</a:t>
+            </a:r>
+          </a:p>
+        </p:txBody>
+      </p:sp>
+      <p:pic>
+        <p:nvPicPr>
+          <p:cNvPr descr="Presentation_files/figure-pptx/unnamed-chunk-2-1.png" id="0" name="Picture 1"/>
+          <p:cNvPicPr>
+            <a:picLocks noGrp="1" noChangeAspect="1"/>
+          </p:cNvPicPr>
+          <p:nvPr/>
+        </p:nvPicPr>
+        <p:blipFill>
+          <a:blip r:embed="rId2"/>
+          <a:stretch>
+            <a:fillRect/>
+          </a:stretch>
+        </p:blipFill>
+        <p:spPr bwMode="auto">
+          <a:xfrm>
+            <a:off x="508000" y="1193800"/>
+            <a:ext cx="8140700" cy="3390900"/>
+          </a:xfrm>
+          <a:prstGeom prst="rect">
+            <a:avLst/>
+          </a:prstGeom>
+          <a:noFill/>
+          <a:ln w="9525">
+            <a:noFill/>
+            <a:headEnd/>
+            <a:tailEnd/>
+          </a:ln>
+        </p:spPr>
+      </p:pic>
     </p:spTree>
   </p:cSld>
 </p:sld>
@@ -4493,14 +4465,14 @@
             </a:pPr>
             <a:r>
               <a:rPr/>
-              <a:t>Stats</a:t>
+              <a:t>Primary Type Distribution</a:t>
             </a:r>
           </a:p>
         </p:txBody>
       </p:sp>
       <p:pic>
         <p:nvPicPr>
-          <p:cNvPr descr="Presentation_files/figure-pptx/unnamed-chunk-2-1.png" id="0" name="Picture 1"/>
+          <p:cNvPr descr="Presentation_files/figure-pptx/unnamed-chunk-3-1.png" id="0" name="Picture 1"/>
           <p:cNvPicPr>
             <a:picLocks noGrp="1" noChangeAspect="1"/>
           </p:cNvPicPr>
@@ -4570,41 +4542,74 @@
             </a:pPr>
             <a:r>
               <a:rPr/>
-              <a:t>Primary Type Distribution</a:t>
-            </a:r>
-          </a:p>
-        </p:txBody>
-      </p:sp>
-      <p:pic>
-        <p:nvPicPr>
-          <p:cNvPr descr="Presentation_files/figure-pptx/unnamed-chunk-3-1.png" id="0" name="Picture 1"/>
-          <p:cNvPicPr>
-            <a:picLocks noGrp="1" noChangeAspect="1"/>
-          </p:cNvPicPr>
-          <p:nvPr/>
-        </p:nvPicPr>
-        <p:blipFill>
-          <a:blip r:embed="rId2"/>
-          <a:stretch>
-            <a:fillRect/>
-          </a:stretch>
-        </p:blipFill>
-        <p:spPr bwMode="auto">
-          <a:xfrm>
-            <a:off x="508000" y="1193800"/>
-            <a:ext cx="8140700" cy="3390900"/>
-          </a:xfrm>
-          <a:prstGeom prst="rect">
-            <a:avLst/>
-          </a:prstGeom>
-          <a:noFill/>
-          <a:ln w="9525">
-            <a:noFill/>
-            <a:headEnd/>
-            <a:tailEnd/>
-          </a:ln>
-        </p:spPr>
-      </p:pic>
+              <a:t>Methods</a:t>
+            </a:r>
+          </a:p>
+        </p:txBody>
+      </p:sp>
+      <p:sp>
+        <p:nvSpPr>
+          <p:cNvPr id="3" name="Content Placeholder 2"/>
+          <p:cNvSpPr>
+            <a:spLocks noGrp="1"/>
+          </p:cNvSpPr>
+          <p:nvPr>
+            <p:ph idx="1"/>
+          </p:nvPr>
+        </p:nvSpPr>
+        <p:spPr/>
+        <p:txBody>
+          <a:bodyPr/>
+          <a:lstStyle/>
+          <a:p>
+            <a:pPr lvl="0"/>
+            <a:r>
+              <a:rPr b="1"/>
+              <a:t>Dimension reduction:</a:t>
+            </a:r>
+            <a:r>
+              <a:rPr/>
+              <a:t> PCA</a:t>
+            </a:r>
+          </a:p>
+          <a:p>
+            <a:pPr lvl="1"/>
+            <a:r>
+              <a:rPr/>
+              <a:t>Images and Stats</a:t>
+            </a:r>
+          </a:p>
+          <a:p>
+            <a:pPr lvl="0"/>
+            <a:r>
+              <a:rPr b="1"/>
+              <a:t>Clustering:</a:t>
+            </a:r>
+            <a:r>
+              <a:rPr/>
+              <a:t> k-means</a:t>
+            </a:r>
+          </a:p>
+          <a:p>
+            <a:pPr lvl="0"/>
+            <a:r>
+              <a:rPr b="1"/>
+              <a:t>Classification:</a:t>
+            </a:r>
+            <a:r>
+              <a:rPr/>
+              <a:t> LDA, Gradient boosting</a:t>
+            </a:r>
+          </a:p>
+          <a:p>
+            <a:pPr lvl="1"/>
+            <a:r>
+              <a:rPr/>
+              <a:t>For comparison</a:t>
+            </a:r>
+          </a:p>
+        </p:txBody>
+      </p:sp>
     </p:spTree>
   </p:cSld>
 </p:sld>

--- a/Presentation.pptx
+++ b/Presentation.pptx
@@ -1,6 +1,6 @@
 
 <file path=ppt/presentation.xml><?xml version="1.0" encoding="utf-8"?>
-<p:presentation xmlns:a="http://schemas.openxmlformats.org/drawingml/2006/main" xmlns:p="http://schemas.openxmlformats.org/presentationml/2006/main" xmlns:r="http://schemas.openxmlformats.org/officeDocument/2006/relationships" autoCompressPictures="0" saveSubsetFonts="1">
+<p:presentation xmlns:a="http://schemas.openxmlformats.org/drawingml/2006/main" xmlns:r="http://schemas.openxmlformats.org/officeDocument/2006/relationships" xmlns:p="http://schemas.openxmlformats.org/presentationml/2006/main" saveSubsetFonts="1" autoCompressPictures="0">
   <p:sldMasterIdLst>
     <p:sldMasterId id="2147483648" r:id="rId1"/>
   </p:sldMasterIdLst>
@@ -22,6 +22,15 @@
     <p:sldId id="270" r:id="rId16"/>
     <p:sldId id="271" r:id="rId17"/>
     <p:sldId id="272" r:id="rId18"/>
+    <p:sldId id="273" r:id="rId19"/>
+    <p:sldId id="274" r:id="rId20"/>
+    <p:sldId id="275" r:id="rId21"/>
+    <p:sldId id="276" r:id="rId22"/>
+    <p:sldId id="277" r:id="rId23"/>
+    <p:sldId id="278" r:id="rId24"/>
+    <p:sldId id="279" r:id="rId25"/>
+    <p:sldId id="280" r:id="rId26"/>
+    <p:sldId id="281" r:id="rId27"/>
   </p:sldIdLst>
   <p:sldSz cx="9144000" cy="5143500" type="screen16x9"/>
   <p:notesSz cx="6858000" cy="9144000"/>
@@ -29,8 +38,8 @@
     <a:defPPr>
       <a:defRPr lang="en-US"/>
     </a:defPPr>
-    <a:lvl1pPr algn="l" defTabSz="457200" eaLnBrk="1" hangingPunct="1" latinLnBrk="0" marL="0" rtl="0">
-      <a:defRPr kern="1200" sz="1800">
+    <a:lvl1pPr marL="0" algn="l" defTabSz="457200" rtl="0" eaLnBrk="1" latinLnBrk="0" hangingPunct="1">
+      <a:defRPr sz="1800" kern="1200">
         <a:solidFill>
           <a:schemeClr val="tx1"/>
         </a:solidFill>
@@ -39,8 +48,8 @@
         <a:cs typeface="+mn-cs"/>
       </a:defRPr>
     </a:lvl1pPr>
-    <a:lvl2pPr algn="l" defTabSz="457200" eaLnBrk="1" hangingPunct="1" latinLnBrk="0" marL="457200" rtl="0">
-      <a:defRPr kern="1200" sz="1800">
+    <a:lvl2pPr marL="457200" algn="l" defTabSz="457200" rtl="0" eaLnBrk="1" latinLnBrk="0" hangingPunct="1">
+      <a:defRPr sz="1800" kern="1200">
         <a:solidFill>
           <a:schemeClr val="tx1"/>
         </a:solidFill>
@@ -49,8 +58,8 @@
         <a:cs typeface="+mn-cs"/>
       </a:defRPr>
     </a:lvl2pPr>
-    <a:lvl3pPr algn="l" defTabSz="457200" eaLnBrk="1" hangingPunct="1" latinLnBrk="0" marL="914400" rtl="0">
-      <a:defRPr kern="1200" sz="1800">
+    <a:lvl3pPr marL="914400" algn="l" defTabSz="457200" rtl="0" eaLnBrk="1" latinLnBrk="0" hangingPunct="1">
+      <a:defRPr sz="1800" kern="1200">
         <a:solidFill>
           <a:schemeClr val="tx1"/>
         </a:solidFill>
@@ -59,8 +68,8 @@
         <a:cs typeface="+mn-cs"/>
       </a:defRPr>
     </a:lvl3pPr>
-    <a:lvl4pPr algn="l" defTabSz="457200" eaLnBrk="1" hangingPunct="1" latinLnBrk="0" marL="1371600" rtl="0">
-      <a:defRPr kern="1200" sz="1800">
+    <a:lvl4pPr marL="1371600" algn="l" defTabSz="457200" rtl="0" eaLnBrk="1" latinLnBrk="0" hangingPunct="1">
+      <a:defRPr sz="1800" kern="1200">
         <a:solidFill>
           <a:schemeClr val="tx1"/>
         </a:solidFill>
@@ -69,8 +78,8 @@
         <a:cs typeface="+mn-cs"/>
       </a:defRPr>
     </a:lvl4pPr>
-    <a:lvl5pPr algn="l" defTabSz="457200" eaLnBrk="1" hangingPunct="1" latinLnBrk="0" marL="1828800" rtl="0">
-      <a:defRPr kern="1200" sz="1800">
+    <a:lvl5pPr marL="1828800" algn="l" defTabSz="457200" rtl="0" eaLnBrk="1" latinLnBrk="0" hangingPunct="1">
+      <a:defRPr sz="1800" kern="1200">
         <a:solidFill>
           <a:schemeClr val="tx1"/>
         </a:solidFill>
@@ -79,8 +88,8 @@
         <a:cs typeface="+mn-cs"/>
       </a:defRPr>
     </a:lvl5pPr>
-    <a:lvl6pPr algn="l" defTabSz="457200" eaLnBrk="1" hangingPunct="1" latinLnBrk="0" marL="2286000" rtl="0">
-      <a:defRPr kern="1200" sz="1800">
+    <a:lvl6pPr marL="2286000" algn="l" defTabSz="457200" rtl="0" eaLnBrk="1" latinLnBrk="0" hangingPunct="1">
+      <a:defRPr sz="1800" kern="1200">
         <a:solidFill>
           <a:schemeClr val="tx1"/>
         </a:solidFill>
@@ -89,8 +98,8 @@
         <a:cs typeface="+mn-cs"/>
       </a:defRPr>
     </a:lvl6pPr>
-    <a:lvl7pPr algn="l" defTabSz="457200" eaLnBrk="1" hangingPunct="1" latinLnBrk="0" marL="2743200" rtl="0">
-      <a:defRPr kern="1200" sz="1800">
+    <a:lvl7pPr marL="2743200" algn="l" defTabSz="457200" rtl="0" eaLnBrk="1" latinLnBrk="0" hangingPunct="1">
+      <a:defRPr sz="1800" kern="1200">
         <a:solidFill>
           <a:schemeClr val="tx1"/>
         </a:solidFill>
@@ -99,8 +108,8 @@
         <a:cs typeface="+mn-cs"/>
       </a:defRPr>
     </a:lvl7pPr>
-    <a:lvl8pPr algn="l" defTabSz="457200" eaLnBrk="1" hangingPunct="1" latinLnBrk="0" marL="3200400" rtl="0">
-      <a:defRPr kern="1200" sz="1800">
+    <a:lvl8pPr marL="3200400" algn="l" defTabSz="457200" rtl="0" eaLnBrk="1" latinLnBrk="0" hangingPunct="1">
+      <a:defRPr sz="1800" kern="1200">
         <a:solidFill>
           <a:schemeClr val="tx1"/>
         </a:solidFill>
@@ -109,8 +118,8 @@
         <a:cs typeface="+mn-cs"/>
       </a:defRPr>
     </a:lvl8pPr>
-    <a:lvl9pPr algn="l" defTabSz="457200" eaLnBrk="1" hangingPunct="1" latinLnBrk="0" marL="3657600" rtl="0">
-      <a:defRPr kern="1200" sz="1800">
+    <a:lvl9pPr marL="3657600" algn="l" defTabSz="457200" rtl="0" eaLnBrk="1" latinLnBrk="0" hangingPunct="1">
+      <a:defRPr sz="1800" kern="1200">
         <a:solidFill>
           <a:schemeClr val="tx1"/>
         </a:solidFill>
@@ -318,7 +327,7 @@
           <a:p>
             <a:fld id="{241EB5C9-1307-BA42-ABA2-0BC069CD8E7F}" type="datetimeFigureOut">
               <a:rPr lang="en-US" smtClean="0"/>
-              <a:t>1/2/22</a:t>
+              <a:t>4/8/2025</a:t>
             </a:fld>
             <a:endParaRPr lang="en-US"/>
           </a:p>
@@ -486,7 +495,7 @@
           <a:p>
             <a:fld id="{241EB5C9-1307-BA42-ABA2-0BC069CD8E7F}" type="datetimeFigureOut">
               <a:rPr lang="en-US" smtClean="0"/>
-              <a:t>1/2/22</a:t>
+              <a:t>4/8/2025</a:t>
             </a:fld>
             <a:endParaRPr lang="en-US"/>
           </a:p>
@@ -664,7 +673,7 @@
           <a:p>
             <a:fld id="{241EB5C9-1307-BA42-ABA2-0BC069CD8E7F}" type="datetimeFigureOut">
               <a:rPr lang="en-US" smtClean="0"/>
-              <a:t>1/2/22</a:t>
+              <a:t>4/8/2025</a:t>
             </a:fld>
             <a:endParaRPr lang="en-US"/>
           </a:p>
@@ -832,7 +841,7 @@
           <a:p>
             <a:fld id="{241EB5C9-1307-BA42-ABA2-0BC069CD8E7F}" type="datetimeFigureOut">
               <a:rPr lang="en-US" smtClean="0"/>
-              <a:t>1/2/22</a:t>
+              <a:t>4/8/2025</a:t>
             </a:fld>
             <a:endParaRPr lang="en-US"/>
           </a:p>
@@ -1077,7 +1086,7 @@
           <a:p>
             <a:fld id="{241EB5C9-1307-BA42-ABA2-0BC069CD8E7F}" type="datetimeFigureOut">
               <a:rPr lang="en-US" smtClean="0"/>
-              <a:t>1/2/22</a:t>
+              <a:t>4/8/2025</a:t>
             </a:fld>
             <a:endParaRPr lang="en-US"/>
           </a:p>
@@ -1362,7 +1371,7 @@
           <a:p>
             <a:fld id="{241EB5C9-1307-BA42-ABA2-0BC069CD8E7F}" type="datetimeFigureOut">
               <a:rPr lang="en-US" smtClean="0"/>
-              <a:t>1/2/22</a:t>
+              <a:t>4/8/2025</a:t>
             </a:fld>
             <a:endParaRPr lang="en-US"/>
           </a:p>
@@ -1781,7 +1790,7 @@
           <a:p>
             <a:fld id="{241EB5C9-1307-BA42-ABA2-0BC069CD8E7F}" type="datetimeFigureOut">
               <a:rPr lang="en-US" smtClean="0"/>
-              <a:t>1/2/22</a:t>
+              <a:t>4/8/2025</a:t>
             </a:fld>
             <a:endParaRPr lang="en-US"/>
           </a:p>
@@ -1898,7 +1907,7 @@
           <a:p>
             <a:fld id="{241EB5C9-1307-BA42-ABA2-0BC069CD8E7F}" type="datetimeFigureOut">
               <a:rPr lang="en-US" smtClean="0"/>
-              <a:t>1/2/22</a:t>
+              <a:t>4/8/2025</a:t>
             </a:fld>
             <a:endParaRPr lang="en-US"/>
           </a:p>
@@ -1993,7 +2002,7 @@
           <a:p>
             <a:fld id="{241EB5C9-1307-BA42-ABA2-0BC069CD8E7F}" type="datetimeFigureOut">
               <a:rPr lang="en-US" smtClean="0"/>
-              <a:t>1/2/22</a:t>
+              <a:t>4/8/2025</a:t>
             </a:fld>
             <a:endParaRPr lang="en-US"/>
           </a:p>
@@ -2268,7 +2277,7 @@
           <a:p>
             <a:fld id="{241EB5C9-1307-BA42-ABA2-0BC069CD8E7F}" type="datetimeFigureOut">
               <a:rPr lang="en-US" smtClean="0"/>
-              <a:t>1/2/22</a:t>
+              <a:t>4/8/2025</a:t>
             </a:fld>
             <a:endParaRPr lang="en-US"/>
           </a:p>
@@ -2520,7 +2529,7 @@
           <a:p>
             <a:fld id="{241EB5C9-1307-BA42-ABA2-0BC069CD8E7F}" type="datetimeFigureOut">
               <a:rPr lang="en-US" smtClean="0"/>
-              <a:t>1/2/22</a:t>
+              <a:t>4/8/2025</a:t>
             </a:fld>
             <a:endParaRPr lang="en-US"/>
           </a:p>
@@ -2582,7 +2591,7 @@
 </file>
 
 <file path=ppt/slideMasters/slideMaster1.xml><?xml version="1.0" encoding="utf-8"?>
-<p:sldMaster xmlns:a="http://schemas.openxmlformats.org/drawingml/2006/main" xmlns:p="http://schemas.openxmlformats.org/presentationml/2006/main" xmlns:r="http://schemas.openxmlformats.org/officeDocument/2006/relationships">
+<p:sldMaster xmlns:a="http://schemas.openxmlformats.org/drawingml/2006/main" xmlns:r="http://schemas.openxmlformats.org/officeDocument/2006/relationships" xmlns:p="http://schemas.openxmlformats.org/presentationml/2006/main">
   <p:cSld>
     <p:bg>
       <p:bgRef idx="1001">
@@ -2623,7 +2632,7 @@
           </a:prstGeom>
         </p:spPr>
         <p:txBody>
-          <a:bodyPr anchor="ctr" bIns="45720" lIns="91440" rIns="91440" rtlCol="0" tIns="45720" vert="horz">
+          <a:bodyPr vert="horz" lIns="91440" tIns="45720" rIns="91440" bIns="45720" rtlCol="0" anchor="ctr">
             <a:normAutofit/>
           </a:bodyPr>
           <a:lstStyle/>
@@ -2642,7 +2651,7 @@
             <a:spLocks noGrp="1"/>
           </p:cNvSpPr>
           <p:nvPr>
-            <p:ph idx="1" type="body"/>
+            <p:ph type="body" idx="1"/>
           </p:nvPr>
         </p:nvSpPr>
         <p:spPr>
@@ -2655,7 +2664,7 @@
           </a:prstGeom>
         </p:spPr>
         <p:txBody>
-          <a:bodyPr bIns="45720" lIns="91440" rIns="91440" rtlCol="0" tIns="45720" vert="horz">
+          <a:bodyPr vert="horz" lIns="91440" tIns="45720" rIns="91440" bIns="45720" rtlCol="0">
             <a:normAutofit/>
           </a:bodyPr>
           <a:lstStyle/>
@@ -2703,7 +2712,7 @@
             <a:spLocks noGrp="1"/>
           </p:cNvSpPr>
           <p:nvPr>
-            <p:ph idx="2" sz="half" type="dt"/>
+            <p:ph type="dt" sz="half" idx="2"/>
           </p:nvPr>
         </p:nvSpPr>
         <p:spPr>
@@ -2716,7 +2725,7 @@
           </a:prstGeom>
         </p:spPr>
         <p:txBody>
-          <a:bodyPr anchor="ctr" bIns="45720" lIns="91440" rIns="91440" rtlCol="0" tIns="45720" vert="horz"/>
+          <a:bodyPr vert="horz" lIns="91440" tIns="45720" rIns="91440" bIns="45720" rtlCol="0" anchor="ctr"/>
           <a:lstStyle>
             <a:lvl1pPr algn="l">
               <a:defRPr sz="900">
@@ -2731,7 +2740,7 @@
           <a:p>
             <a:fld id="{241EB5C9-1307-BA42-ABA2-0BC069CD8E7F}" type="datetimeFigureOut">
               <a:rPr lang="en-US" smtClean="0"/>
-              <a:t>1/2/22</a:t>
+              <a:t>4/8/2025</a:t>
             </a:fld>
             <a:endParaRPr lang="en-US"/>
           </a:p>
@@ -2744,7 +2753,7 @@
             <a:spLocks noGrp="1"/>
           </p:cNvSpPr>
           <p:nvPr>
-            <p:ph idx="3" sz="quarter" type="ftr"/>
+            <p:ph type="ftr" sz="quarter" idx="3"/>
           </p:nvPr>
         </p:nvSpPr>
         <p:spPr>
@@ -2757,7 +2766,7 @@
           </a:prstGeom>
         </p:spPr>
         <p:txBody>
-          <a:bodyPr anchor="ctr" bIns="45720" lIns="91440" rIns="91440" rtlCol="0" tIns="45720" vert="horz"/>
+          <a:bodyPr vert="horz" lIns="91440" tIns="45720" rIns="91440" bIns="45720" rtlCol="0" anchor="ctr"/>
           <a:lstStyle>
             <a:lvl1pPr algn="ctr">
               <a:defRPr sz="900">
@@ -2781,7 +2790,7 @@
             <a:spLocks noGrp="1"/>
           </p:cNvSpPr>
           <p:nvPr>
-            <p:ph idx="4" sz="quarter" type="sldNum"/>
+            <p:ph type="sldNum" sz="quarter" idx="4"/>
           </p:nvPr>
         </p:nvSpPr>
         <p:spPr>
@@ -2794,7 +2803,7 @@
           </a:prstGeom>
         </p:spPr>
         <p:txBody>
-          <a:bodyPr anchor="ctr" bIns="45720" lIns="91440" rIns="91440" rtlCol="0" tIns="45720" vert="horz"/>
+          <a:bodyPr vert="horz" lIns="91440" tIns="45720" rIns="91440" bIns="45720" rtlCol="0" anchor="ctr"/>
           <a:lstStyle>
             <a:lvl1pPr algn="r">
               <a:defRPr sz="900">
@@ -2822,7 +2831,7 @@
       </p:ext>
     </p:extLst>
   </p:cSld>
-  <p:clrMap accent1="accent1" accent2="accent2" accent3="accent3" accent4="accent4" accent5="accent5" accent6="accent6" bg1="lt1" bg2="lt2" folHlink="folHlink" hlink="hlink" tx1="dk1" tx2="dk2"/>
+  <p:clrMap bg1="lt1" tx1="dk1" bg2="lt2" tx2="dk2" accent1="accent1" accent2="accent2" accent3="accent3" accent4="accent4" accent5="accent5" accent6="accent6" hlink="hlink" folHlink="folHlink"/>
   <p:sldLayoutIdLst>
     <p:sldLayoutId id="2147483649" r:id="rId1"/>
     <p:sldLayoutId id="2147483650" r:id="rId2"/>
@@ -2838,12 +2847,12 @@
   </p:sldLayoutIdLst>
   <p:txStyles>
     <p:titleStyle>
-      <a:lvl1pPr algn="ctr" defTabSz="342900" eaLnBrk="1" hangingPunct="1" latinLnBrk="0" rtl="0">
+      <a:lvl1pPr algn="ctr" defTabSz="342900" rtl="0" eaLnBrk="1" latinLnBrk="0" hangingPunct="1">
         <a:spcBef>
           <a:spcPct val="0"/>
         </a:spcBef>
         <a:buNone/>
-        <a:defRPr kern="1200" sz="3300">
+        <a:defRPr sz="3300" kern="1200">
           <a:solidFill>
             <a:schemeClr val="tx1"/>
           </a:solidFill>
@@ -2854,13 +2863,13 @@
       </a:lvl1pPr>
     </p:titleStyle>
     <p:bodyStyle>
-      <a:lvl1pPr algn="l" defTabSz="342900" eaLnBrk="1" hangingPunct="1" indent="-342900" latinLnBrk="0" marL="342900" rtl="0">
+      <a:lvl1pPr marL="342900" indent="-342900" algn="l" defTabSz="342900" rtl="0" eaLnBrk="1" latinLnBrk="0" hangingPunct="1">
         <a:spcBef>
           <a:spcPct val="20000"/>
         </a:spcBef>
         <a:buFont typeface="Arial"/>
         <a:buChar char="•"/>
-        <a:defRPr kern="1200" sz="2400">
+        <a:defRPr sz="2400" kern="1200">
           <a:solidFill>
             <a:schemeClr val="tx1"/>
           </a:solidFill>
@@ -2869,13 +2878,13 @@
           <a:cs typeface="+mn-cs"/>
         </a:defRPr>
       </a:lvl1pPr>
-      <a:lvl2pPr algn="l" defTabSz="342900" eaLnBrk="1" hangingPunct="1" indent="-342900" latinLnBrk="0" marL="685800" rtl="0">
+      <a:lvl2pPr marL="685800" indent="-342900" algn="l" defTabSz="342900" rtl="0" eaLnBrk="1" latinLnBrk="0" hangingPunct="1">
         <a:spcBef>
           <a:spcPct val="20000"/>
         </a:spcBef>
         <a:buFont typeface="Arial"/>
         <a:buChar char="–"/>
-        <a:defRPr kern="1200" sz="2100">
+        <a:defRPr sz="2100" kern="1200">
           <a:solidFill>
             <a:schemeClr val="tx1"/>
           </a:solidFill>
@@ -2884,13 +2893,13 @@
           <a:cs typeface="+mn-cs"/>
         </a:defRPr>
       </a:lvl2pPr>
-      <a:lvl3pPr algn="l" defTabSz="342900" eaLnBrk="1" hangingPunct="1" indent="-342900" latinLnBrk="0" marL="1028700" rtl="0">
+      <a:lvl3pPr marL="1028700" indent="-342900" algn="l" defTabSz="342900" rtl="0" eaLnBrk="1" latinLnBrk="0" hangingPunct="1">
         <a:spcBef>
           <a:spcPct val="20000"/>
         </a:spcBef>
         <a:buFont typeface="Arial"/>
         <a:buChar char="•"/>
-        <a:defRPr kern="1200" sz="1800">
+        <a:defRPr sz="1800" kern="1200">
           <a:solidFill>
             <a:schemeClr val="tx1"/>
           </a:solidFill>
@@ -2899,13 +2908,13 @@
           <a:cs typeface="+mn-cs"/>
         </a:defRPr>
       </a:lvl3pPr>
-      <a:lvl4pPr algn="l" defTabSz="342900" eaLnBrk="1" hangingPunct="1" indent="-342900" latinLnBrk="0" marL="1371600" rtl="0">
+      <a:lvl4pPr marL="1371600" indent="-342900" algn="l" defTabSz="342900" rtl="0" eaLnBrk="1" latinLnBrk="0" hangingPunct="1">
         <a:spcBef>
           <a:spcPct val="20000"/>
         </a:spcBef>
         <a:buFont typeface="Arial"/>
         <a:buChar char="–"/>
-        <a:defRPr kern="1200" sz="1500">
+        <a:defRPr sz="1500" kern="1200">
           <a:solidFill>
             <a:schemeClr val="tx1"/>
           </a:solidFill>
@@ -2914,13 +2923,13 @@
           <a:cs typeface="+mn-cs"/>
         </a:defRPr>
       </a:lvl4pPr>
-      <a:lvl5pPr algn="l" defTabSz="342900" eaLnBrk="1" hangingPunct="1" indent="-342900" latinLnBrk="0" marL="1714500" rtl="0">
+      <a:lvl5pPr marL="1714500" indent="-342900" algn="l" defTabSz="342900" rtl="0" eaLnBrk="1" latinLnBrk="0" hangingPunct="1">
         <a:spcBef>
           <a:spcPct val="20000"/>
         </a:spcBef>
         <a:buFont typeface="Arial"/>
         <a:buChar char="»"/>
-        <a:defRPr kern="1200" sz="1500">
+        <a:defRPr sz="1500" kern="1200">
           <a:solidFill>
             <a:schemeClr val="tx1"/>
           </a:solidFill>
@@ -2929,13 +2938,13 @@
           <a:cs typeface="+mn-cs"/>
         </a:defRPr>
       </a:lvl5pPr>
-      <a:lvl6pPr algn="l" defTabSz="342900" eaLnBrk="1" hangingPunct="1" indent="-342900" latinLnBrk="0" marL="2057400" rtl="0">
+      <a:lvl6pPr marL="2057400" indent="-342900" algn="l" defTabSz="342900" rtl="0" eaLnBrk="1" latinLnBrk="0" hangingPunct="1">
         <a:spcBef>
           <a:spcPct val="20000"/>
         </a:spcBef>
         <a:buFont typeface="Arial"/>
         <a:buChar char="•"/>
-        <a:defRPr kern="1200" sz="1500">
+        <a:defRPr sz="1500" kern="1200">
           <a:solidFill>
             <a:schemeClr val="tx1"/>
           </a:solidFill>
@@ -2944,13 +2953,13 @@
           <a:cs typeface="+mn-cs"/>
         </a:defRPr>
       </a:lvl6pPr>
-      <a:lvl7pPr algn="l" defTabSz="342900" eaLnBrk="1" hangingPunct="1" indent="-342900" latinLnBrk="0" marL="2400300" rtl="0">
+      <a:lvl7pPr marL="2400300" indent="-342900" algn="l" defTabSz="342900" rtl="0" eaLnBrk="1" latinLnBrk="0" hangingPunct="1">
         <a:spcBef>
           <a:spcPct val="20000"/>
         </a:spcBef>
         <a:buFont typeface="Arial"/>
         <a:buChar char="•"/>
-        <a:defRPr kern="1200" sz="1500">
+        <a:defRPr sz="1500" kern="1200">
           <a:solidFill>
             <a:schemeClr val="tx1"/>
           </a:solidFill>
@@ -2959,13 +2968,13 @@
           <a:cs typeface="+mn-cs"/>
         </a:defRPr>
       </a:lvl7pPr>
-      <a:lvl8pPr algn="l" defTabSz="342900" eaLnBrk="1" hangingPunct="1" indent="-342900" latinLnBrk="0" marL="2743200" rtl="0">
+      <a:lvl8pPr marL="2743200" indent="-342900" algn="l" defTabSz="342900" rtl="0" eaLnBrk="1" latinLnBrk="0" hangingPunct="1">
         <a:spcBef>
           <a:spcPct val="20000"/>
         </a:spcBef>
         <a:buFont typeface="Arial"/>
         <a:buChar char="•"/>
-        <a:defRPr kern="1200" sz="1500">
+        <a:defRPr sz="1500" kern="1200">
           <a:solidFill>
             <a:schemeClr val="tx1"/>
           </a:solidFill>
@@ -2974,13 +2983,13 @@
           <a:cs typeface="+mn-cs"/>
         </a:defRPr>
       </a:lvl8pPr>
-      <a:lvl9pPr algn="l" defTabSz="342900" eaLnBrk="1" hangingPunct="1" indent="-342900" latinLnBrk="0" marL="3086100" rtl="0">
+      <a:lvl9pPr marL="3086100" indent="-342900" algn="l" defTabSz="342900" rtl="0" eaLnBrk="1" latinLnBrk="0" hangingPunct="1">
         <a:spcBef>
           <a:spcPct val="20000"/>
         </a:spcBef>
         <a:buFont typeface="Arial"/>
         <a:buChar char="•"/>
-        <a:defRPr kern="1200" sz="1500">
+        <a:defRPr sz="1500" kern="1200">
           <a:solidFill>
             <a:schemeClr val="tx1"/>
           </a:solidFill>
@@ -2994,8 +3003,8 @@
       <a:defPPr>
         <a:defRPr lang="en-US"/>
       </a:defPPr>
-      <a:lvl1pPr algn="l" defTabSz="342900" eaLnBrk="1" hangingPunct="1" latinLnBrk="0" marL="0" rtl="0">
-        <a:defRPr kern="1200" sz="1350">
+      <a:lvl1pPr marL="0" algn="l" defTabSz="342900" rtl="0" eaLnBrk="1" latinLnBrk="0" hangingPunct="1">
+        <a:defRPr sz="1350" kern="1200">
           <a:solidFill>
             <a:schemeClr val="tx1"/>
           </a:solidFill>
@@ -3004,8 +3013,8 @@
           <a:cs typeface="+mn-cs"/>
         </a:defRPr>
       </a:lvl1pPr>
-      <a:lvl2pPr algn="l" defTabSz="342900" eaLnBrk="1" hangingPunct="1" latinLnBrk="0" marL="342900" rtl="0">
-        <a:defRPr kern="1200" sz="1350">
+      <a:lvl2pPr marL="342900" algn="l" defTabSz="342900" rtl="0" eaLnBrk="1" latinLnBrk="0" hangingPunct="1">
+        <a:defRPr sz="1350" kern="1200">
           <a:solidFill>
             <a:schemeClr val="tx1"/>
           </a:solidFill>
@@ -3014,8 +3023,8 @@
           <a:cs typeface="+mn-cs"/>
         </a:defRPr>
       </a:lvl2pPr>
-      <a:lvl3pPr algn="l" defTabSz="342900" eaLnBrk="1" hangingPunct="1" latinLnBrk="0" marL="685800" rtl="0">
-        <a:defRPr kern="1200" sz="1350">
+      <a:lvl3pPr marL="685800" algn="l" defTabSz="342900" rtl="0" eaLnBrk="1" latinLnBrk="0" hangingPunct="1">
+        <a:defRPr sz="1350" kern="1200">
           <a:solidFill>
             <a:schemeClr val="tx1"/>
           </a:solidFill>
@@ -3024,8 +3033,8 @@
           <a:cs typeface="+mn-cs"/>
         </a:defRPr>
       </a:lvl3pPr>
-      <a:lvl4pPr algn="l" defTabSz="342900" eaLnBrk="1" hangingPunct="1" latinLnBrk="0" marL="1028700" rtl="0">
-        <a:defRPr kern="1200" sz="1350">
+      <a:lvl4pPr marL="1028700" algn="l" defTabSz="342900" rtl="0" eaLnBrk="1" latinLnBrk="0" hangingPunct="1">
+        <a:defRPr sz="1350" kern="1200">
           <a:solidFill>
             <a:schemeClr val="tx1"/>
           </a:solidFill>
@@ -3034,8 +3043,8 @@
           <a:cs typeface="+mn-cs"/>
         </a:defRPr>
       </a:lvl4pPr>
-      <a:lvl5pPr algn="l" defTabSz="342900" eaLnBrk="1" hangingPunct="1" latinLnBrk="0" marL="1371600" rtl="0">
-        <a:defRPr kern="1200" sz="1350">
+      <a:lvl5pPr marL="1371600" algn="l" defTabSz="342900" rtl="0" eaLnBrk="1" latinLnBrk="0" hangingPunct="1">
+        <a:defRPr sz="1350" kern="1200">
           <a:solidFill>
             <a:schemeClr val="tx1"/>
           </a:solidFill>
@@ -3044,8 +3053,8 @@
           <a:cs typeface="+mn-cs"/>
         </a:defRPr>
       </a:lvl5pPr>
-      <a:lvl6pPr algn="l" defTabSz="342900" eaLnBrk="1" hangingPunct="1" latinLnBrk="0" marL="1714500" rtl="0">
-        <a:defRPr kern="1200" sz="1350">
+      <a:lvl6pPr marL="1714500" algn="l" defTabSz="342900" rtl="0" eaLnBrk="1" latinLnBrk="0" hangingPunct="1">
+        <a:defRPr sz="1350" kern="1200">
           <a:solidFill>
             <a:schemeClr val="tx1"/>
           </a:solidFill>
@@ -3054,8 +3063,8 @@
           <a:cs typeface="+mn-cs"/>
         </a:defRPr>
       </a:lvl6pPr>
-      <a:lvl7pPr algn="l" defTabSz="342900" eaLnBrk="1" hangingPunct="1" latinLnBrk="0" marL="2057400" rtl="0">
-        <a:defRPr kern="1200" sz="1350">
+      <a:lvl7pPr marL="2057400" algn="l" defTabSz="342900" rtl="0" eaLnBrk="1" latinLnBrk="0" hangingPunct="1">
+        <a:defRPr sz="1350" kern="1200">
           <a:solidFill>
             <a:schemeClr val="tx1"/>
           </a:solidFill>
@@ -3064,8 +3073,8 @@
           <a:cs typeface="+mn-cs"/>
         </a:defRPr>
       </a:lvl7pPr>
-      <a:lvl8pPr algn="l" defTabSz="342900" eaLnBrk="1" hangingPunct="1" latinLnBrk="0" marL="2400300" rtl="0">
-        <a:defRPr kern="1200" sz="1350">
+      <a:lvl8pPr marL="2400300" algn="l" defTabSz="342900" rtl="0" eaLnBrk="1" latinLnBrk="0" hangingPunct="1">
+        <a:defRPr sz="1350" kern="1200">
           <a:solidFill>
             <a:schemeClr val="tx1"/>
           </a:solidFill>
@@ -3074,8 +3083,8 @@
           <a:cs typeface="+mn-cs"/>
         </a:defRPr>
       </a:lvl8pPr>
-      <a:lvl9pPr algn="l" defTabSz="342900" eaLnBrk="1" hangingPunct="1" latinLnBrk="0" marL="2743200" rtl="0">
-        <a:defRPr kern="1200" sz="1350">
+      <a:lvl9pPr marL="2743200" algn="l" defTabSz="342900" rtl="0" eaLnBrk="1" latinLnBrk="0" hangingPunct="1">
+        <a:defRPr sz="1350" kern="1200">
           <a:solidFill>
             <a:schemeClr val="tx1"/>
           </a:solidFill>
@@ -3126,11 +3135,10 @@
           <a:bodyPr/>
           <a:lstStyle/>
           <a:p>
-            <a:pPr lvl="0" indent="0" marL="0">
+            <a:pPr marL="0" lvl="0" indent="0">
               <a:buNone/>
             </a:pPr>
             <a:r>
-              <a:rPr/>
               <a:t>Predicting Pokémon Types with Clustering and Classification</a:t>
             </a:r>
           </a:p>
@@ -3143,7 +3151,7 @@
             <a:spLocks noGrp="1"/>
           </p:cNvSpPr>
           <p:nvPr>
-            <p:ph idx="1" type="subTitle"/>
+            <p:ph type="subTitle" idx="1"/>
           </p:nvPr>
         </p:nvSpPr>
         <p:spPr>
@@ -3156,13 +3164,12 @@
           <a:bodyPr/>
           <a:lstStyle/>
           <a:p>
-            <a:pPr lvl="0" indent="0" marL="0">
+            <a:pPr marL="0" lvl="0" indent="0">
               <a:buNone/>
             </a:pPr>
             <a:br/>
             <a:br/>
             <a:r>
-              <a:rPr/>
               <a:t>Justin Zhang, Isaac Baguisa, Alex Faassen</a:t>
             </a:r>
           </a:p>
@@ -3175,7 +3182,7 @@
             <a:spLocks noGrp="1"/>
           </p:cNvSpPr>
           <p:nvPr>
-            <p:ph idx="10" sz="half" type="dt"/>
+            <p:ph type="dt" sz="half" idx="10"/>
           </p:nvPr>
         </p:nvSpPr>
         <p:spPr/>
@@ -3183,11 +3190,10 @@
           <a:bodyPr/>
           <a:lstStyle/>
           <a:p>
-            <a:pPr lvl="0" indent="0" marL="0">
+            <a:pPr marL="0" lvl="0" indent="0">
               <a:buNone/>
             </a:pPr>
             <a:r>
-              <a:rPr/>
               <a:t>2025-04-09</a:t>
             </a:r>
           </a:p>
@@ -3195,6 +3201,9 @@
       </p:sp>
     </p:spTree>
   </p:cSld>
+  <p:clrMapOvr>
+    <a:masterClrMapping/>
+  </p:clrMapOvr>
 </p:sld>
 </file>
 
@@ -3230,11 +3239,10 @@
           <a:bodyPr/>
           <a:lstStyle/>
           <a:p>
-            <a:pPr lvl="0" indent="0" marL="0">
+            <a:pPr marL="0" lvl="0" indent="0">
               <a:buNone/>
             </a:pPr>
             <a:r>
-              <a:rPr/>
               <a:t>Image Dimension Reduction: UMAP</a:t>
             </a:r>
           </a:p>
@@ -3242,7 +3250,7 @@
       </p:sp>
       <p:pic>
         <p:nvPicPr>
-          <p:cNvPr descr="Presentation_files/figure-pptx/unnamed-chunk-6-1.png" id="0" name="Picture 1"/>
+          <p:cNvPr id="3" name="Picture 1" descr="Presentation_files/figure-pptx/unnamed-chunk-6-1.png"/>
           <p:cNvPicPr>
             <a:picLocks noGrp="1" noChangeAspect="1"/>
           </p:cNvPicPr>
@@ -3272,6 +3280,9 @@
       </p:pic>
     </p:spTree>
   </p:cSld>
+  <p:clrMapOvr>
+    <a:masterClrMapping/>
+  </p:clrMapOvr>
 </p:sld>
 </file>
 
@@ -3307,11 +3318,10 @@
           <a:bodyPr/>
           <a:lstStyle/>
           <a:p>
-            <a:pPr lvl="0" indent="0" marL="0">
+            <a:pPr marL="0" lvl="0" indent="0">
               <a:buNone/>
             </a:pPr>
             <a:r>
-              <a:rPr/>
               <a:t>K-Means Clustering</a:t>
             </a:r>
           </a:p>
@@ -3319,7 +3329,7 @@
       </p:sp>
       <p:pic>
         <p:nvPicPr>
-          <p:cNvPr descr="Presentation_files/figure-pptx/unnamed-chunk-7-1.png" id="0" name="Picture 1"/>
+          <p:cNvPr id="3" name="Picture 1" descr="Presentation_files/figure-pptx/unnamed-chunk-7-1.png"/>
           <p:cNvPicPr>
             <a:picLocks noGrp="1" noChangeAspect="1"/>
           </p:cNvPicPr>
@@ -3349,6 +3359,9 @@
       </p:pic>
     </p:spTree>
   </p:cSld>
+  <p:clrMapOvr>
+    <a:masterClrMapping/>
+  </p:clrMapOvr>
 </p:sld>
 </file>
 
@@ -3384,11 +3397,10 @@
           <a:bodyPr/>
           <a:lstStyle/>
           <a:p>
-            <a:pPr lvl="0" indent="0" marL="0">
+            <a:pPr marL="0" lvl="0" indent="0">
               <a:buNone/>
             </a:pPr>
             <a:r>
-              <a:rPr/>
               <a:t>Clustering Accuracies</a:t>
             </a:r>
           </a:p>
@@ -3415,9 +3427,27 @@
                 <a:tableStyleId>{5C22544A-7EE6-4342-B048-85BDC9FD1C3A}</a:tableStyleId>
               </a:tblPr>
               <a:tblGrid>
-                <a:gridCol w="2743200"/>
-                <a:gridCol w="2743200"/>
-                <a:gridCol w="2743200"/>
+                <a:gridCol w="2743200">
+                  <a:extLst>
+                    <a:ext uri="{9D8B030D-6E8A-4147-A177-3AD203B41FA5}">
+                      <a16:colId xmlns:a16="http://schemas.microsoft.com/office/drawing/2014/main" val="20000"/>
+                    </a:ext>
+                  </a:extLst>
+                </a:gridCol>
+                <a:gridCol w="2743200">
+                  <a:extLst>
+                    <a:ext uri="{9D8B030D-6E8A-4147-A177-3AD203B41FA5}">
+                      <a16:colId xmlns:a16="http://schemas.microsoft.com/office/drawing/2014/main" val="20001"/>
+                    </a:ext>
+                  </a:extLst>
+                </a:gridCol>
+                <a:gridCol w="2743200">
+                  <a:extLst>
+                    <a:ext uri="{9D8B030D-6E8A-4147-A177-3AD203B41FA5}">
+                      <a16:colId xmlns:a16="http://schemas.microsoft.com/office/drawing/2014/main" val="20002"/>
+                    </a:ext>
+                  </a:extLst>
+                </a:gridCol>
               </a:tblGrid>
               <a:tr h="0">
                 <a:tc>
@@ -3425,11 +3455,10 @@
                     <a:bodyPr/>
                     <a:lstStyle/>
                     <a:p>
-                      <a:pPr lvl="0" indent="0" marL="0" algn="l">
-                        <a:buNone/>
-                      </a:pPr>
-                      <a:r>
-                        <a:rPr/>
+                      <a:pPr marL="0" lvl="0" indent="0" algn="l">
+                        <a:buNone/>
+                      </a:pPr>
+                      <a:r>
                         <a:t>Method</a:t>
                       </a:r>
                     </a:p>
@@ -3441,11 +3470,10 @@
                     <a:bodyPr/>
                     <a:lstStyle/>
                     <a:p>
-                      <a:pPr lvl="0" indent="0" marL="0" algn="r">
-                        <a:buNone/>
-                      </a:pPr>
-                      <a:r>
-                        <a:rPr/>
+                      <a:pPr marL="0" lvl="0" indent="0" algn="r">
+                        <a:buNone/>
+                      </a:pPr>
+                      <a:r>
                         <a:t>Accuracy_Stats</a:t>
                       </a:r>
                     </a:p>
@@ -3457,17 +3485,21 @@
                     <a:bodyPr/>
                     <a:lstStyle/>
                     <a:p>
-                      <a:pPr lvl="0" indent="0" marL="0" algn="r">
-                        <a:buNone/>
-                      </a:pPr>
-                      <a:r>
-                        <a:rPr/>
+                      <a:pPr marL="0" lvl="0" indent="0" algn="r">
+                        <a:buNone/>
+                      </a:pPr>
+                      <a:r>
                         <a:t>Accuracy_Image</a:t>
                       </a:r>
                     </a:p>
                   </a:txBody>
                   <a:tcPr/>
                 </a:tc>
+                <a:extLst>
+                  <a:ext uri="{0D108BD9-81ED-4DB2-BD59-A6C34878D82A}">
+                    <a16:rowId xmlns:a16="http://schemas.microsoft.com/office/drawing/2014/main" val="10000"/>
+                  </a:ext>
+                </a:extLst>
               </a:tr>
               <a:tr h="0">
                 <a:tc>
@@ -3475,46 +3507,51 @@
                     <a:bodyPr/>
                     <a:lstStyle/>
                     <a:p>
-                      <a:pPr lvl="0" indent="0" marL="0" algn="l">
-                        <a:buNone/>
-                      </a:pPr>
-                      <a:r>
-                        <a:rPr/>
+                      <a:pPr marL="0" lvl="0" indent="0" algn="l">
+                        <a:buNone/>
+                      </a:pPr>
+                      <a:r>
                         <a:t>K-means</a:t>
                       </a:r>
                     </a:p>
                   </a:txBody>
-                </a:tc>
-                <a:tc>
-                  <a:txBody>
-                    <a:bodyPr/>
-                    <a:lstStyle/>
-                    <a:p>
-                      <a:pPr lvl="0" indent="0" marL="0" algn="r">
-                        <a:buNone/>
-                      </a:pPr>
-                      <a:r>
-                        <a:rPr/>
+                  <a:tcPr/>
+                </a:tc>
+                <a:tc>
+                  <a:txBody>
+                    <a:bodyPr/>
+                    <a:lstStyle/>
+                    <a:p>
+                      <a:pPr marL="0" lvl="0" indent="0" algn="r">
+                        <a:buNone/>
+                      </a:pPr>
+                      <a:r>
                         <a:t>0.5243446</a:t>
                       </a:r>
                     </a:p>
                   </a:txBody>
-                </a:tc>
-                <a:tc>
-                  <a:txBody>
-                    <a:bodyPr/>
-                    <a:lstStyle/>
-                    <a:p>
-                      <a:pPr lvl="0" indent="0" marL="0" algn="r">
-                        <a:buNone/>
-                      </a:pPr>
-                      <a:r>
-                        <a:rPr/>
+                  <a:tcPr/>
+                </a:tc>
+                <a:tc>
+                  <a:txBody>
+                    <a:bodyPr/>
+                    <a:lstStyle/>
+                    <a:p>
+                      <a:pPr marL="0" lvl="0" indent="0" algn="r">
+                        <a:buNone/>
+                      </a:pPr>
+                      <a:r>
                         <a:t>0.1810237</a:t>
                       </a:r>
                     </a:p>
                   </a:txBody>
-                </a:tc>
+                  <a:tcPr/>
+                </a:tc>
+                <a:extLst>
+                  <a:ext uri="{0D108BD9-81ED-4DB2-BD59-A6C34878D82A}">
+                    <a16:rowId xmlns:a16="http://schemas.microsoft.com/office/drawing/2014/main" val="10001"/>
+                  </a:ext>
+                </a:extLst>
               </a:tr>
               <a:tr h="0">
                 <a:tc>
@@ -3522,46 +3559,51 @@
                     <a:bodyPr/>
                     <a:lstStyle/>
                     <a:p>
-                      <a:pPr lvl="0" indent="0" marL="0" algn="l">
-                        <a:buNone/>
-                      </a:pPr>
-                      <a:r>
-                        <a:rPr/>
+                      <a:pPr marL="0" lvl="0" indent="0" algn="l">
+                        <a:buNone/>
+                      </a:pPr>
+                      <a:r>
                         <a:t>K-means++</a:t>
                       </a:r>
                     </a:p>
                   </a:txBody>
-                </a:tc>
-                <a:tc>
-                  <a:txBody>
-                    <a:bodyPr/>
-                    <a:lstStyle/>
-                    <a:p>
-                      <a:pPr lvl="0" indent="0" marL="0" algn="r">
-                        <a:buNone/>
-                      </a:pPr>
-                      <a:r>
-                        <a:rPr/>
+                  <a:tcPr/>
+                </a:tc>
+                <a:tc>
+                  <a:txBody>
+                    <a:bodyPr/>
+                    <a:lstStyle/>
+                    <a:p>
+                      <a:pPr marL="0" lvl="0" indent="0" algn="r">
+                        <a:buNone/>
+                      </a:pPr>
+                      <a:r>
                         <a:t>0.5293383</a:t>
                       </a:r>
                     </a:p>
                   </a:txBody>
-                </a:tc>
-                <a:tc>
-                  <a:txBody>
-                    <a:bodyPr/>
-                    <a:lstStyle/>
-                    <a:p>
-                      <a:pPr lvl="0" indent="0" marL="0" algn="r">
-                        <a:buNone/>
-                      </a:pPr>
-                      <a:r>
-                        <a:rPr/>
+                  <a:tcPr/>
+                </a:tc>
+                <a:tc>
+                  <a:txBody>
+                    <a:bodyPr/>
+                    <a:lstStyle/>
+                    <a:p>
+                      <a:pPr marL="0" lvl="0" indent="0" algn="r">
+                        <a:buNone/>
+                      </a:pPr>
+                      <a:r>
                         <a:t>0.1747815</a:t>
                       </a:r>
                     </a:p>
                   </a:txBody>
-                </a:tc>
+                  <a:tcPr/>
+                </a:tc>
+                <a:extLst>
+                  <a:ext uri="{0D108BD9-81ED-4DB2-BD59-A6C34878D82A}">
+                    <a16:rowId xmlns:a16="http://schemas.microsoft.com/office/drawing/2014/main" val="10002"/>
+                  </a:ext>
+                </a:extLst>
               </a:tr>
               <a:tr h="0">
                 <a:tc>
@@ -3569,46 +3611,51 @@
                     <a:bodyPr/>
                     <a:lstStyle/>
                     <a:p>
-                      <a:pPr lvl="0" indent="0" marL="0" algn="l">
-                        <a:buNone/>
-                      </a:pPr>
-                      <a:r>
-                        <a:rPr/>
+                      <a:pPr marL="0" lvl="0" indent="0" algn="l">
+                        <a:buNone/>
+                      </a:pPr>
+                      <a:r>
                         <a:t>Weighted K-means</a:t>
                       </a:r>
                     </a:p>
                   </a:txBody>
-                </a:tc>
-                <a:tc>
-                  <a:txBody>
-                    <a:bodyPr/>
-                    <a:lstStyle/>
-                    <a:p>
-                      <a:pPr lvl="0" indent="0" marL="0" algn="r">
-                        <a:buNone/>
-                      </a:pPr>
-                      <a:r>
-                        <a:rPr/>
+                  <a:tcPr/>
+                </a:tc>
+                <a:tc>
+                  <a:txBody>
+                    <a:bodyPr/>
+                    <a:lstStyle/>
+                    <a:p>
+                      <a:pPr marL="0" lvl="0" indent="0" algn="r">
+                        <a:buNone/>
+                      </a:pPr>
+                      <a:r>
                         <a:t>0.2034956</a:t>
                       </a:r>
                     </a:p>
                   </a:txBody>
-                </a:tc>
-                <a:tc>
-                  <a:txBody>
-                    <a:bodyPr/>
-                    <a:lstStyle/>
-                    <a:p>
-                      <a:pPr lvl="0" indent="0" marL="0" algn="r">
-                        <a:buNone/>
-                      </a:pPr>
-                      <a:r>
-                        <a:rPr/>
+                  <a:tcPr/>
+                </a:tc>
+                <a:tc>
+                  <a:txBody>
+                    <a:bodyPr/>
+                    <a:lstStyle/>
+                    <a:p>
+                      <a:pPr marL="0" lvl="0" indent="0" algn="r">
+                        <a:buNone/>
+                      </a:pPr>
+                      <a:r>
                         <a:t>0.1423221</a:t>
                       </a:r>
                     </a:p>
                   </a:txBody>
-                </a:tc>
+                  <a:tcPr/>
+                </a:tc>
+                <a:extLst>
+                  <a:ext uri="{0D108BD9-81ED-4DB2-BD59-A6C34878D82A}">
+                    <a16:rowId xmlns:a16="http://schemas.microsoft.com/office/drawing/2014/main" val="10003"/>
+                  </a:ext>
+                </a:extLst>
               </a:tr>
               <a:tr h="0">
                 <a:tc>
@@ -3616,46 +3663,51 @@
                     <a:bodyPr/>
                     <a:lstStyle/>
                     <a:p>
-                      <a:pPr lvl="0" indent="0" marL="0" algn="l">
-                        <a:buNone/>
-                      </a:pPr>
-                      <a:r>
-                        <a:rPr/>
+                      <a:pPr marL="0" lvl="0" indent="0" algn="l">
+                        <a:buNone/>
+                      </a:pPr>
+                      <a:r>
                         <a:t>Optimal K-means K = 3</a:t>
                       </a:r>
                     </a:p>
                   </a:txBody>
-                </a:tc>
-                <a:tc>
-                  <a:txBody>
-                    <a:bodyPr/>
-                    <a:lstStyle/>
-                    <a:p>
-                      <a:pPr lvl="0" indent="0" marL="0" algn="r">
-                        <a:buNone/>
-                      </a:pPr>
-                      <a:r>
-                        <a:rPr/>
+                  <a:tcPr/>
+                </a:tc>
+                <a:tc>
+                  <a:txBody>
+                    <a:bodyPr/>
+                    <a:lstStyle/>
+                    <a:p>
+                      <a:pPr marL="0" lvl="0" indent="0" algn="r">
+                        <a:buNone/>
+                      </a:pPr>
+                      <a:r>
                         <a:t>0.1722846</a:t>
                       </a:r>
                     </a:p>
                   </a:txBody>
-                </a:tc>
-                <a:tc>
-                  <a:txBody>
-                    <a:bodyPr/>
-                    <a:lstStyle/>
-                    <a:p>
-                      <a:pPr lvl="0" indent="0" marL="0" algn="r">
-                        <a:buNone/>
-                      </a:pPr>
-                      <a:r>
-                        <a:rPr/>
+                  <a:tcPr/>
+                </a:tc>
+                <a:tc>
+                  <a:txBody>
+                    <a:bodyPr/>
+                    <a:lstStyle/>
+                    <a:p>
+                      <a:pPr marL="0" lvl="0" indent="0" algn="r">
+                        <a:buNone/>
+                      </a:pPr>
+                      <a:r>
                         <a:t>0.1473159</a:t>
                       </a:r>
                     </a:p>
                   </a:txBody>
-                </a:tc>
+                  <a:tcPr/>
+                </a:tc>
+                <a:extLst>
+                  <a:ext uri="{0D108BD9-81ED-4DB2-BD59-A6C34878D82A}">
+                    <a16:rowId xmlns:a16="http://schemas.microsoft.com/office/drawing/2014/main" val="10004"/>
+                  </a:ext>
+                </a:extLst>
               </a:tr>
             </a:tbl>
           </a:graphicData>
@@ -3663,7 +3715,7 @@
       </p:graphicFrame>
       <p:sp>
         <p:nvSpPr>
-          <p:cNvPr id="1" name="TextBox 3"/>
+          <p:cNvPr id="3" name="TextBox 3"/>
           <p:cNvSpPr txBox="1"/>
           <p:nvPr/>
         </p:nvSpPr>
@@ -3681,11 +3733,10 @@
           <a:bodyPr/>
           <a:lstStyle/>
           <a:p>
-            <a:pPr lvl="0" indent="0" marL="0" algn="ctr">
+            <a:pPr marL="0" lvl="0" indent="0" algn="ctr">
               <a:buNone/>
             </a:pPr>
             <a:r>
-              <a:rPr/>
               <a:t>Clustering Accuracy Comparison: Stats vs Image Data</a:t>
             </a:r>
           </a:p>
@@ -3693,6 +3744,9 @@
       </p:sp>
     </p:spTree>
   </p:cSld>
+  <p:clrMapOvr>
+    <a:masterClrMapping/>
+  </p:clrMapOvr>
 </p:sld>
 </file>
 
@@ -3728,11 +3782,10 @@
           <a:bodyPr/>
           <a:lstStyle/>
           <a:p>
-            <a:pPr lvl="0" indent="0" marL="0">
+            <a:pPr marL="0" lvl="0" indent="0">
               <a:buNone/>
             </a:pPr>
             <a:r>
-              <a:rPr/>
               <a:t>Cluster Assignments for Stats Data</a:t>
             </a:r>
           </a:p>
@@ -3740,7 +3793,7 @@
       </p:sp>
       <p:pic>
         <p:nvPicPr>
-          <p:cNvPr descr="Figures/clustering_assignments_stats.png" id="0" name="Picture 1"/>
+          <p:cNvPr id="3" name="Picture 1" descr="Figures/clustering_assignments_stats.png"/>
           <p:cNvPicPr>
             <a:picLocks noGrp="1" noChangeAspect="1"/>
           </p:cNvPicPr>
@@ -3770,6 +3823,9 @@
       </p:pic>
     </p:spTree>
   </p:cSld>
+  <p:clrMapOvr>
+    <a:masterClrMapping/>
+  </p:clrMapOvr>
 </p:sld>
 </file>
 
@@ -3805,11 +3861,10 @@
           <a:bodyPr/>
           <a:lstStyle/>
           <a:p>
-            <a:pPr lvl="0" indent="0" marL="0">
+            <a:pPr marL="0" lvl="0" indent="0">
               <a:buNone/>
             </a:pPr>
             <a:r>
-              <a:rPr/>
               <a:t>Cluster Assignments for Image Data</a:t>
             </a:r>
           </a:p>
@@ -3817,7 +3872,7 @@
       </p:sp>
       <p:pic>
         <p:nvPicPr>
-          <p:cNvPr descr="Figures/clustering_assignments_imgs.png" id="0" name="Picture 1"/>
+          <p:cNvPr id="3" name="Picture 1" descr="Figures/clustering_assignments_imgs.png"/>
           <p:cNvPicPr>
             <a:picLocks noGrp="1" noChangeAspect="1"/>
           </p:cNvPicPr>
@@ -3847,6 +3902,9 @@
       </p:pic>
     </p:spTree>
   </p:cSld>
+  <p:clrMapOvr>
+    <a:masterClrMapping/>
+  </p:clrMapOvr>
 </p:sld>
 </file>
 
@@ -3882,11 +3940,10 @@
           <a:bodyPr/>
           <a:lstStyle/>
           <a:p>
-            <a:pPr lvl="0" indent="0" marL="0">
+            <a:pPr marL="0" lvl="0" indent="0">
               <a:buNone/>
             </a:pPr>
             <a:r>
-              <a:rPr/>
               <a:t>Clustering Takeaways</a:t>
             </a:r>
           </a:p>
@@ -3909,28 +3966,24 @@
           <a:p>
             <a:pPr lvl="0"/>
             <a:r>
-              <a:rPr/>
               <a:t>Stats cluster primary types better than images</a:t>
             </a:r>
           </a:p>
           <a:p>
             <a:pPr lvl="1"/>
             <a:r>
-              <a:rPr/>
               <a:t>at best clustering classified 52% of Pokemon type</a:t>
             </a:r>
           </a:p>
           <a:p>
             <a:pPr lvl="0"/>
             <a:r>
-              <a:rPr/>
               <a:t>Limitations include imbalanced data among Pokemon types, which can be accounted for in Supervised Models</a:t>
             </a:r>
           </a:p>
           <a:p>
             <a:pPr lvl="0"/>
             <a:r>
-              <a:rPr/>
               <a:t>Structure of the data may not capture the complexity of the Pokemon types in a way that creates efficient and distinct clusters</a:t>
             </a:r>
           </a:p>
@@ -3938,6 +3991,9 @@
       </p:sp>
     </p:spTree>
   </p:cSld>
+  <p:clrMapOvr>
+    <a:masterClrMapping/>
+  </p:clrMapOvr>
 </p:sld>
 </file>
 
@@ -3973,18 +4029,72 @@
           <a:bodyPr/>
           <a:lstStyle/>
           <a:p>
-            <a:pPr lvl="0" indent="0" marL="0">
+            <a:pPr marL="0" lvl="0" indent="0">
               <a:buNone/>
             </a:pPr>
             <a:r>
-              <a:rPr/>
               <a:t>Supervised Model</a:t>
+            </a:r>
+          </a:p>
+        </p:txBody>
+      </p:sp>
+      <p:sp>
+        <p:nvSpPr>
+          <p:cNvPr id="3" name="Content Placeholder 2"/>
+          <p:cNvSpPr>
+            <a:spLocks noGrp="1"/>
+          </p:cNvSpPr>
+          <p:nvPr>
+            <p:ph idx="1"/>
+          </p:nvPr>
+        </p:nvSpPr>
+        <p:spPr/>
+        <p:txBody>
+          <a:bodyPr/>
+          <a:lstStyle/>
+          <a:p>
+            <a:pPr lvl="0"/>
+            <a:r>
+              <a:t>Main purposes:</a:t>
+            </a:r>
+          </a:p>
+          <a:p>
+            <a:pPr lvl="1"/>
+            <a:r>
+              <a:t>Baseline accuracy measurement for clustering analysis</a:t>
+            </a:r>
+          </a:p>
+          <a:p>
+            <a:pPr lvl="1"/>
+            <a:r>
+              <a:t>Determine whether there are distinguishable features for each type</a:t>
+            </a:r>
+          </a:p>
+          <a:p>
+            <a:pPr lvl="0"/>
+            <a:r>
+              <a:t>2 models:</a:t>
+            </a:r>
+          </a:p>
+          <a:p>
+            <a:pPr lvl="1"/>
+            <a:r>
+              <a:t>Linear Discriminant Analysis</a:t>
+            </a:r>
+          </a:p>
+          <a:p>
+            <a:pPr lvl="1"/>
+            <a:r>
+              <a:t>Gradient Boosting</a:t>
             </a:r>
           </a:p>
         </p:txBody>
       </p:sp>
     </p:spTree>
   </p:cSld>
+  <p:clrMapOvr>
+    <a:masterClrMapping/>
+  </p:clrMapOvr>
 </p:sld>
 </file>
 
@@ -4020,18 +4130,775 @@
           <a:bodyPr/>
           <a:lstStyle/>
           <a:p>
-            <a:pPr lvl="0" indent="0" marL="0">
+            <a:pPr marL="0" lvl="0" indent="0">
               <a:buNone/>
             </a:pPr>
             <a:r>
-              <a:rPr/>
-              <a:t>Results</a:t>
+              <a:t>Methods</a:t>
+            </a:r>
+          </a:p>
+        </p:txBody>
+      </p:sp>
+      <p:sp>
+        <p:nvSpPr>
+          <p:cNvPr id="3" name="Content Placeholder 2"/>
+          <p:cNvSpPr>
+            <a:spLocks noGrp="1"/>
+          </p:cNvSpPr>
+          <p:nvPr>
+            <p:ph idx="1"/>
+          </p:nvPr>
+        </p:nvSpPr>
+        <p:spPr/>
+        <p:txBody>
+          <a:bodyPr/>
+          <a:lstStyle/>
+          <a:p>
+            <a:pPr lvl="0"/>
+            <a:r>
+              <a:t>Use PCA reduced datasets</a:t>
+            </a:r>
+          </a:p>
+          <a:p>
+            <a:pPr lvl="0"/>
+            <a:r>
+              <a:t>80-20 train-test split, stratified for Pokemon types</a:t>
+            </a:r>
+          </a:p>
+          <a:p>
+            <a:pPr lvl="0"/>
+            <a:r>
+              <a:rPr b="1"/>
+              <a:t>Linear Discriminant Analysis:</a:t>
+            </a:r>
+          </a:p>
+          <a:p>
+            <a:pPr lvl="1"/>
+            <a:r>
+              <a:t>full analysis and rank-reduced DA for </a:t>
+            </a:r>
+            <a14:m xmlns:a14="http://schemas.microsoft.com/office/drawing/2010/main">
+              <m:oMath xmlns:m="http://schemas.openxmlformats.org/officeDocument/2006/math">
+                <m:r>
+                  <a:rPr>
+                    <a:latin typeface="Cambria Math" panose="02040503050406030204" pitchFamily="18" charset="0"/>
+                  </a:rPr>
+                  <m:t>𝐿</m:t>
+                </m:r>
+                <m:r>
+                  <a:rPr>
+                    <a:latin typeface="Cambria Math" panose="02040503050406030204" pitchFamily="18" charset="0"/>
+                  </a:rPr>
+                  <m:t>=1,...,10</m:t>
+                </m:r>
+              </m:oMath>
+            </a14:m>
+            <a:endParaRPr/>
+          </a:p>
+          <a:p>
+            <a:pPr lvl="1"/>
+            <a:r>
+              <a:t>Relatively robust to outliers</a:t>
+            </a:r>
+          </a:p>
+          <a:p>
+            <a:pPr lvl="0"/>
+            <a:r>
+              <a:rPr b="1"/>
+              <a:t>Gradient Boosting:</a:t>
+            </a:r>
+          </a:p>
+          <a:p>
+            <a:pPr lvl="1"/>
+            <a:r>
+              <a:t>Tuned for learning rate, max depth = 3, itertions = 100</a:t>
+            </a:r>
+          </a:p>
+          <a:p>
+            <a:pPr lvl="1"/>
+            <a:r>
+              <a:t>Good with non-linear data</a:t>
             </a:r>
           </a:p>
         </p:txBody>
       </p:sp>
     </p:spTree>
   </p:cSld>
+  <p:clrMapOvr>
+    <a:masterClrMapping/>
+  </p:clrMapOvr>
+</p:sld>
+</file>
+
+<file path=ppt/slides/slide18.xml><?xml version="1.0" encoding="utf-8"?>
+<p:sld xmlns:a="http://schemas.openxmlformats.org/drawingml/2006/main" xmlns:r="http://schemas.openxmlformats.org/officeDocument/2006/relationships" xmlns:p="http://schemas.openxmlformats.org/presentationml/2006/main">
+  <p:cSld>
+    <p:spTree>
+      <p:nvGrpSpPr>
+        <p:cNvPr id="1" name=""/>
+        <p:cNvGrpSpPr/>
+        <p:nvPr/>
+      </p:nvGrpSpPr>
+      <p:grpSpPr>
+        <a:xfrm>
+          <a:off x="0" y="0"/>
+          <a:ext cx="0" cy="0"/>
+          <a:chOff x="0" y="0"/>
+          <a:chExt cx="0" cy="0"/>
+        </a:xfrm>
+      </p:grpSpPr>
+      <p:sp>
+        <p:nvSpPr>
+          <p:cNvPr id="2" name="Title 1"/>
+          <p:cNvSpPr>
+            <a:spLocks noGrp="1"/>
+          </p:cNvSpPr>
+          <p:nvPr>
+            <p:ph type="title"/>
+          </p:nvPr>
+        </p:nvSpPr>
+        <p:spPr/>
+        <p:txBody>
+          <a:bodyPr/>
+          <a:lstStyle/>
+          <a:p>
+            <a:pPr marL="0" lvl="0" indent="0">
+              <a:buNone/>
+            </a:pPr>
+            <a:r>
+              <a:t>LDA: Full</a:t>
+            </a:r>
+          </a:p>
+        </p:txBody>
+      </p:sp>
+      <p:pic>
+        <p:nvPicPr>
+          <p:cNvPr id="3" name="Picture 1" descr="Presentation_files/figure-pptx/unnamed-chunk-11-1.png"/>
+          <p:cNvPicPr>
+            <a:picLocks noGrp="1" noChangeAspect="1"/>
+          </p:cNvPicPr>
+          <p:nvPr/>
+        </p:nvPicPr>
+        <p:blipFill>
+          <a:blip r:embed="rId2"/>
+          <a:stretch>
+            <a:fillRect/>
+          </a:stretch>
+        </p:blipFill>
+        <p:spPr bwMode="auto">
+          <a:xfrm>
+            <a:off x="2451100" y="1193800"/>
+            <a:ext cx="4241800" cy="3390900"/>
+          </a:xfrm>
+          <a:prstGeom prst="rect">
+            <a:avLst/>
+          </a:prstGeom>
+          <a:noFill/>
+          <a:ln w="9525">
+            <a:noFill/>
+            <a:headEnd/>
+            <a:tailEnd/>
+          </a:ln>
+        </p:spPr>
+      </p:pic>
+    </p:spTree>
+  </p:cSld>
+  <p:clrMapOvr>
+    <a:masterClrMapping/>
+  </p:clrMapOvr>
+</p:sld>
+</file>
+
+<file path=ppt/slides/slide19.xml><?xml version="1.0" encoding="utf-8"?>
+<p:sld xmlns:a="http://schemas.openxmlformats.org/drawingml/2006/main" xmlns:r="http://schemas.openxmlformats.org/officeDocument/2006/relationships" xmlns:p="http://schemas.openxmlformats.org/presentationml/2006/main">
+  <p:cSld>
+    <p:spTree>
+      <p:nvGrpSpPr>
+        <p:cNvPr id="1" name=""/>
+        <p:cNvGrpSpPr/>
+        <p:nvPr/>
+      </p:nvGrpSpPr>
+      <p:grpSpPr>
+        <a:xfrm>
+          <a:off x="0" y="0"/>
+          <a:ext cx="0" cy="0"/>
+          <a:chOff x="0" y="0"/>
+          <a:chExt cx="0" cy="0"/>
+        </a:xfrm>
+      </p:grpSpPr>
+      <p:sp>
+        <p:nvSpPr>
+          <p:cNvPr id="2" name="Title 1"/>
+          <p:cNvSpPr>
+            <a:spLocks noGrp="1"/>
+          </p:cNvSpPr>
+          <p:nvPr>
+            <p:ph type="title"/>
+          </p:nvPr>
+        </p:nvSpPr>
+        <p:spPr/>
+        <p:txBody>
+          <a:bodyPr/>
+          <a:lstStyle/>
+          <a:p>
+            <a:pPr marL="0" lvl="0" indent="0">
+              <a:buNone/>
+            </a:pPr>
+            <a:r>
+              <a:t>LDA Accuracy</a:t>
+            </a:r>
+          </a:p>
+        </p:txBody>
+      </p:sp>
+      <p:graphicFrame>
+        <p:nvGraphicFramePr>
+          <p:cNvPr id="6" name="Content Placeholder 5"/>
+          <p:cNvGraphicFramePr>
+            <a:graphicFrameLocks noGrp="1"/>
+          </p:cNvGraphicFramePr>
+          <p:nvPr>
+            <p:ph idx="1"/>
+          </p:nvPr>
+        </p:nvGraphicFramePr>
+        <p:xfrm>
+          <a:off x="457200" y="1193800"/>
+          <a:ext cx="8229600" cy="2674620"/>
+        </p:xfrm>
+        <a:graphic>
+          <a:graphicData uri="http://schemas.openxmlformats.org/drawingml/2006/table">
+            <a:tbl>
+              <a:tblPr firstRow="1" bandRow="1">
+                <a:tableStyleId>{5C22544A-7EE6-4342-B048-85BDC9FD1C3A}</a:tableStyleId>
+              </a:tblPr>
+              <a:tblGrid>
+                <a:gridCol w="2743200">
+                  <a:extLst>
+                    <a:ext uri="{9D8B030D-6E8A-4147-A177-3AD203B41FA5}">
+                      <a16:colId xmlns:a16="http://schemas.microsoft.com/office/drawing/2014/main" val="20000"/>
+                    </a:ext>
+                  </a:extLst>
+                </a:gridCol>
+                <a:gridCol w="2743200">
+                  <a:extLst>
+                    <a:ext uri="{9D8B030D-6E8A-4147-A177-3AD203B41FA5}">
+                      <a16:colId xmlns:a16="http://schemas.microsoft.com/office/drawing/2014/main" val="20001"/>
+                    </a:ext>
+                  </a:extLst>
+                </a:gridCol>
+                <a:gridCol w="2743200">
+                  <a:extLst>
+                    <a:ext uri="{9D8B030D-6E8A-4147-A177-3AD203B41FA5}">
+                      <a16:colId xmlns:a16="http://schemas.microsoft.com/office/drawing/2014/main" val="20002"/>
+                    </a:ext>
+                  </a:extLst>
+                </a:gridCol>
+              </a:tblGrid>
+              <a:tr h="0">
+                <a:tc>
+                  <a:txBody>
+                    <a:bodyPr/>
+                    <a:lstStyle/>
+                    <a:p>
+                      <a:pPr marL="0" lvl="0" indent="0" algn="r">
+                        <a:buNone/>
+                      </a:pPr>
+                      <a:r>
+                        <a:t>L</a:t>
+                      </a:r>
+                    </a:p>
+                  </a:txBody>
+                  <a:tcPr/>
+                </a:tc>
+                <a:tc>
+                  <a:txBody>
+                    <a:bodyPr/>
+                    <a:lstStyle/>
+                    <a:p>
+                      <a:pPr marL="0" lvl="0" indent="0" algn="r">
+                        <a:buNone/>
+                      </a:pPr>
+                      <a:r>
+                        <a:t>accuracy_train</a:t>
+                      </a:r>
+                    </a:p>
+                  </a:txBody>
+                  <a:tcPr/>
+                </a:tc>
+                <a:tc>
+                  <a:txBody>
+                    <a:bodyPr/>
+                    <a:lstStyle/>
+                    <a:p>
+                      <a:pPr marL="0" lvl="0" indent="0" algn="r">
+                        <a:buNone/>
+                      </a:pPr>
+                      <a:r>
+                        <a:t>accuracy_test</a:t>
+                      </a:r>
+                    </a:p>
+                  </a:txBody>
+                  <a:tcPr/>
+                </a:tc>
+                <a:extLst>
+                  <a:ext uri="{0D108BD9-81ED-4DB2-BD59-A6C34878D82A}">
+                    <a16:rowId xmlns:a16="http://schemas.microsoft.com/office/drawing/2014/main" val="10000"/>
+                  </a:ext>
+                </a:extLst>
+              </a:tr>
+              <a:tr h="0">
+                <a:tc>
+                  <a:txBody>
+                    <a:bodyPr/>
+                    <a:lstStyle/>
+                    <a:p>
+                      <a:pPr marL="0" lvl="0" indent="0" algn="r">
+                        <a:buNone/>
+                      </a:pPr>
+                      <a:r>
+                        <a:t>1</a:t>
+                      </a:r>
+                    </a:p>
+                  </a:txBody>
+                  <a:tcPr/>
+                </a:tc>
+                <a:tc>
+                  <a:txBody>
+                    <a:bodyPr/>
+                    <a:lstStyle/>
+                    <a:p>
+                      <a:pPr marL="0" lvl="0" indent="0" algn="r">
+                        <a:buNone/>
+                      </a:pPr>
+                      <a:r>
+                        <a:t>0.4574132</a:t>
+                      </a:r>
+                    </a:p>
+                  </a:txBody>
+                  <a:tcPr/>
+                </a:tc>
+                <a:tc>
+                  <a:txBody>
+                    <a:bodyPr/>
+                    <a:lstStyle/>
+                    <a:p>
+                      <a:pPr marL="0" lvl="0" indent="0" algn="r">
+                        <a:buNone/>
+                      </a:pPr>
+                      <a:r>
+                        <a:t>0.4371257</a:t>
+                      </a:r>
+                    </a:p>
+                  </a:txBody>
+                  <a:tcPr/>
+                </a:tc>
+                <a:extLst>
+                  <a:ext uri="{0D108BD9-81ED-4DB2-BD59-A6C34878D82A}">
+                    <a16:rowId xmlns:a16="http://schemas.microsoft.com/office/drawing/2014/main" val="10001"/>
+                  </a:ext>
+                </a:extLst>
+              </a:tr>
+              <a:tr h="0">
+                <a:tc>
+                  <a:txBody>
+                    <a:bodyPr/>
+                    <a:lstStyle/>
+                    <a:p>
+                      <a:pPr marL="0" lvl="0" indent="0" algn="r">
+                        <a:buNone/>
+                      </a:pPr>
+                      <a:r>
+                        <a:t>2</a:t>
+                      </a:r>
+                    </a:p>
+                  </a:txBody>
+                  <a:tcPr/>
+                </a:tc>
+                <a:tc>
+                  <a:txBody>
+                    <a:bodyPr/>
+                    <a:lstStyle/>
+                    <a:p>
+                      <a:pPr marL="0" lvl="0" indent="0" algn="r">
+                        <a:buNone/>
+                      </a:pPr>
+                      <a:r>
+                        <a:t>0.6167192</a:t>
+                      </a:r>
+                    </a:p>
+                  </a:txBody>
+                  <a:tcPr/>
+                </a:tc>
+                <a:tc>
+                  <a:txBody>
+                    <a:bodyPr/>
+                    <a:lstStyle/>
+                    <a:p>
+                      <a:pPr marL="0" lvl="0" indent="0" algn="r">
+                        <a:buNone/>
+                      </a:pPr>
+                      <a:r>
+                        <a:t>0.5808383</a:t>
+                      </a:r>
+                    </a:p>
+                  </a:txBody>
+                  <a:tcPr/>
+                </a:tc>
+                <a:extLst>
+                  <a:ext uri="{0D108BD9-81ED-4DB2-BD59-A6C34878D82A}">
+                    <a16:rowId xmlns:a16="http://schemas.microsoft.com/office/drawing/2014/main" val="10002"/>
+                  </a:ext>
+                </a:extLst>
+              </a:tr>
+              <a:tr h="0">
+                <a:tc>
+                  <a:txBody>
+                    <a:bodyPr/>
+                    <a:lstStyle/>
+                    <a:p>
+                      <a:pPr marL="0" lvl="0" indent="0" algn="r">
+                        <a:buNone/>
+                      </a:pPr>
+                      <a:r>
+                        <a:t>3</a:t>
+                      </a:r>
+                    </a:p>
+                  </a:txBody>
+                  <a:tcPr/>
+                </a:tc>
+                <a:tc>
+                  <a:txBody>
+                    <a:bodyPr/>
+                    <a:lstStyle/>
+                    <a:p>
+                      <a:pPr marL="0" lvl="0" indent="0" algn="r">
+                        <a:buNone/>
+                      </a:pPr>
+                      <a:r>
+                        <a:t>0.7176656</a:t>
+                      </a:r>
+                    </a:p>
+                  </a:txBody>
+                  <a:tcPr/>
+                </a:tc>
+                <a:tc>
+                  <a:txBody>
+                    <a:bodyPr/>
+                    <a:lstStyle/>
+                    <a:p>
+                      <a:pPr marL="0" lvl="0" indent="0" algn="r">
+                        <a:buNone/>
+                      </a:pPr>
+                      <a:r>
+                        <a:t>0.6886228</a:t>
+                      </a:r>
+                    </a:p>
+                  </a:txBody>
+                  <a:tcPr/>
+                </a:tc>
+                <a:extLst>
+                  <a:ext uri="{0D108BD9-81ED-4DB2-BD59-A6C34878D82A}">
+                    <a16:rowId xmlns:a16="http://schemas.microsoft.com/office/drawing/2014/main" val="10003"/>
+                  </a:ext>
+                </a:extLst>
+              </a:tr>
+              <a:tr h="0">
+                <a:tc>
+                  <a:txBody>
+                    <a:bodyPr/>
+                    <a:lstStyle/>
+                    <a:p>
+                      <a:pPr marL="0" lvl="0" indent="0" algn="r">
+                        <a:buNone/>
+                      </a:pPr>
+                      <a:r>
+                        <a:t>4</a:t>
+                      </a:r>
+                    </a:p>
+                  </a:txBody>
+                  <a:tcPr/>
+                </a:tc>
+                <a:tc>
+                  <a:txBody>
+                    <a:bodyPr/>
+                    <a:lstStyle/>
+                    <a:p>
+                      <a:pPr marL="0" lvl="0" indent="0" algn="r">
+                        <a:buNone/>
+                      </a:pPr>
+                      <a:r>
+                        <a:t>0.8091483</a:t>
+                      </a:r>
+                    </a:p>
+                  </a:txBody>
+                  <a:tcPr/>
+                </a:tc>
+                <a:tc>
+                  <a:txBody>
+                    <a:bodyPr/>
+                    <a:lstStyle/>
+                    <a:p>
+                      <a:pPr marL="0" lvl="0" indent="0" algn="r">
+                        <a:buNone/>
+                      </a:pPr>
+                      <a:r>
+                        <a:t>0.7904192</a:t>
+                      </a:r>
+                    </a:p>
+                  </a:txBody>
+                  <a:tcPr/>
+                </a:tc>
+                <a:extLst>
+                  <a:ext uri="{0D108BD9-81ED-4DB2-BD59-A6C34878D82A}">
+                    <a16:rowId xmlns:a16="http://schemas.microsoft.com/office/drawing/2014/main" val="10004"/>
+                  </a:ext>
+                </a:extLst>
+              </a:tr>
+              <a:tr h="0">
+                <a:tc>
+                  <a:txBody>
+                    <a:bodyPr/>
+                    <a:lstStyle/>
+                    <a:p>
+                      <a:pPr marL="0" lvl="0" indent="0" algn="r">
+                        <a:buNone/>
+                      </a:pPr>
+                      <a:r>
+                        <a:t>5</a:t>
+                      </a:r>
+                    </a:p>
+                  </a:txBody>
+                  <a:tcPr/>
+                </a:tc>
+                <a:tc>
+                  <a:txBody>
+                    <a:bodyPr/>
+                    <a:lstStyle/>
+                    <a:p>
+                      <a:pPr marL="0" lvl="0" indent="0" algn="r">
+                        <a:buNone/>
+                      </a:pPr>
+                      <a:r>
+                        <a:t>0.8454259</a:t>
+                      </a:r>
+                    </a:p>
+                  </a:txBody>
+                  <a:tcPr/>
+                </a:tc>
+                <a:tc>
+                  <a:txBody>
+                    <a:bodyPr/>
+                    <a:lstStyle/>
+                    <a:p>
+                      <a:pPr marL="0" lvl="0" indent="0" algn="r">
+                        <a:buNone/>
+                      </a:pPr>
+                      <a:r>
+                        <a:t>0.8263473</a:t>
+                      </a:r>
+                    </a:p>
+                  </a:txBody>
+                  <a:tcPr/>
+                </a:tc>
+                <a:extLst>
+                  <a:ext uri="{0D108BD9-81ED-4DB2-BD59-A6C34878D82A}">
+                    <a16:rowId xmlns:a16="http://schemas.microsoft.com/office/drawing/2014/main" val="10005"/>
+                  </a:ext>
+                </a:extLst>
+              </a:tr>
+              <a:tr h="0">
+                <a:tc>
+                  <a:txBody>
+                    <a:bodyPr/>
+                    <a:lstStyle/>
+                    <a:p>
+                      <a:pPr marL="0" lvl="0" indent="0" algn="r">
+                        <a:buNone/>
+                      </a:pPr>
+                      <a:r>
+                        <a:t>6</a:t>
+                      </a:r>
+                    </a:p>
+                  </a:txBody>
+                  <a:tcPr/>
+                </a:tc>
+                <a:tc>
+                  <a:txBody>
+                    <a:bodyPr/>
+                    <a:lstStyle/>
+                    <a:p>
+                      <a:pPr marL="0" lvl="0" indent="0" algn="r">
+                        <a:buNone/>
+                      </a:pPr>
+                      <a:r>
+                        <a:t>0.8517350</a:t>
+                      </a:r>
+                    </a:p>
+                  </a:txBody>
+                  <a:tcPr/>
+                </a:tc>
+                <a:tc>
+                  <a:txBody>
+                    <a:bodyPr/>
+                    <a:lstStyle/>
+                    <a:p>
+                      <a:pPr marL="0" lvl="0" indent="0" algn="r">
+                        <a:buNone/>
+                      </a:pPr>
+                      <a:r>
+                        <a:t>0.8383234</a:t>
+                      </a:r>
+                    </a:p>
+                  </a:txBody>
+                  <a:tcPr/>
+                </a:tc>
+                <a:extLst>
+                  <a:ext uri="{0D108BD9-81ED-4DB2-BD59-A6C34878D82A}">
+                    <a16:rowId xmlns:a16="http://schemas.microsoft.com/office/drawing/2014/main" val="10006"/>
+                  </a:ext>
+                </a:extLst>
+              </a:tr>
+              <a:tr h="0">
+                <a:tc>
+                  <a:txBody>
+                    <a:bodyPr/>
+                    <a:lstStyle/>
+                    <a:p>
+                      <a:pPr marL="0" lvl="0" indent="0" algn="r">
+                        <a:buNone/>
+                      </a:pPr>
+                      <a:r>
+                        <a:t>7</a:t>
+                      </a:r>
+                    </a:p>
+                  </a:txBody>
+                  <a:tcPr/>
+                </a:tc>
+                <a:tc>
+                  <a:txBody>
+                    <a:bodyPr/>
+                    <a:lstStyle/>
+                    <a:p>
+                      <a:pPr marL="0" lvl="0" indent="0" algn="r">
+                        <a:buNone/>
+                      </a:pPr>
+                      <a:r>
+                        <a:t>0.8738170</a:t>
+                      </a:r>
+                    </a:p>
+                  </a:txBody>
+                  <a:tcPr/>
+                </a:tc>
+                <a:tc>
+                  <a:txBody>
+                    <a:bodyPr/>
+                    <a:lstStyle/>
+                    <a:p>
+                      <a:pPr marL="0" lvl="0" indent="0" algn="r">
+                        <a:buNone/>
+                      </a:pPr>
+                      <a:r>
+                        <a:t>0.8622754</a:t>
+                      </a:r>
+                    </a:p>
+                  </a:txBody>
+                  <a:tcPr/>
+                </a:tc>
+                <a:extLst>
+                  <a:ext uri="{0D108BD9-81ED-4DB2-BD59-A6C34878D82A}">
+                    <a16:rowId xmlns:a16="http://schemas.microsoft.com/office/drawing/2014/main" val="10007"/>
+                  </a:ext>
+                </a:extLst>
+              </a:tr>
+              <a:tr h="0">
+                <a:tc>
+                  <a:txBody>
+                    <a:bodyPr/>
+                    <a:lstStyle/>
+                    <a:p>
+                      <a:pPr marL="0" lvl="0" indent="0" algn="r">
+                        <a:buNone/>
+                      </a:pPr>
+                      <a:r>
+                        <a:t>8</a:t>
+                      </a:r>
+                    </a:p>
+                  </a:txBody>
+                  <a:tcPr/>
+                </a:tc>
+                <a:tc>
+                  <a:txBody>
+                    <a:bodyPr/>
+                    <a:lstStyle/>
+                    <a:p>
+                      <a:pPr marL="0" lvl="0" indent="0" algn="r">
+                        <a:buNone/>
+                      </a:pPr>
+                      <a:r>
+                        <a:t>0.8864353</a:t>
+                      </a:r>
+                    </a:p>
+                  </a:txBody>
+                  <a:tcPr/>
+                </a:tc>
+                <a:tc>
+                  <a:txBody>
+                    <a:bodyPr/>
+                    <a:lstStyle/>
+                    <a:p>
+                      <a:pPr marL="0" lvl="0" indent="0" algn="r">
+                        <a:buNone/>
+                      </a:pPr>
+                      <a:r>
+                        <a:t>0.8862275</a:t>
+                      </a:r>
+                    </a:p>
+                  </a:txBody>
+                  <a:tcPr/>
+                </a:tc>
+                <a:extLst>
+                  <a:ext uri="{0D108BD9-81ED-4DB2-BD59-A6C34878D82A}">
+                    <a16:rowId xmlns:a16="http://schemas.microsoft.com/office/drawing/2014/main" val="10008"/>
+                  </a:ext>
+                </a:extLst>
+              </a:tr>
+            </a:tbl>
+          </a:graphicData>
+        </a:graphic>
+      </p:graphicFrame>
+      <p:sp>
+        <p:nvSpPr>
+          <p:cNvPr id="3" name="TextBox 3"/>
+          <p:cNvSpPr txBox="1"/>
+          <p:nvPr/>
+        </p:nvSpPr>
+        <p:spPr>
+          <a:xfrm>
+            <a:off x="457200" y="4076700"/>
+            <a:ext cx="8229600" cy="508000"/>
+          </a:xfrm>
+          <a:prstGeom prst="rect">
+            <a:avLst/>
+          </a:prstGeom>
+          <a:noFill/>
+        </p:spPr>
+        <p:txBody>
+          <a:bodyPr/>
+          <a:lstStyle/>
+          <a:p>
+            <a:pPr marL="0" lvl="0" indent="0" algn="ctr">
+              <a:buNone/>
+            </a:pPr>
+            <a:r>
+              <a:t>LDA Accuracy for Stats Data</a:t>
+            </a:r>
+          </a:p>
+        </p:txBody>
+      </p:sp>
+    </p:spTree>
+  </p:cSld>
+  <p:clrMapOvr>
+    <a:masterClrMapping/>
+  </p:clrMapOvr>
 </p:sld>
 </file>
 
@@ -4067,11 +4934,10 @@
           <a:bodyPr/>
           <a:lstStyle/>
           <a:p>
-            <a:pPr lvl="0" indent="0" marL="0">
+            <a:pPr marL="0" lvl="0" indent="0">
               <a:buNone/>
             </a:pPr>
             <a:r>
-              <a:rPr/>
               <a:t>Introduction</a:t>
             </a:r>
           </a:p>
@@ -4092,7 +4958,7 @@
           <a:bodyPr/>
           <a:lstStyle/>
           <a:p>
-            <a:pPr lvl="0" indent="0" marL="0">
+            <a:pPr marL="0" lvl="0" indent="0">
               <a:buNone/>
             </a:pPr>
             <a:r>
@@ -4100,12 +4966,11 @@
               <a:t>Motivation:</a:t>
             </a:r>
             <a:r>
-              <a:rPr/>
               <a:t> Nostalgia, popularity, and an interesting, numerically-structured game design.</a:t>
             </a:r>
           </a:p>
           <a:p>
-            <a:pPr lvl="0" indent="0" marL="0">
+            <a:pPr marL="0" lvl="0" indent="0">
               <a:buNone/>
             </a:pPr>
             <a:r>
@@ -4113,12 +4978,11 @@
               <a:t>Pokémon Typing:</a:t>
             </a:r>
             <a:r>
-              <a:rPr/>
               <a:t> Game mechanic (i.e. pairwise interactions), but also a conceptual grouping based on traits like colour, strength, and theme.</a:t>
             </a:r>
           </a:p>
           <a:p>
-            <a:pPr lvl="0" indent="0" marL="0">
+            <a:pPr marL="0" lvl="0" indent="0">
               <a:buNone/>
             </a:pPr>
             <a:r>
@@ -4130,6 +4994,1629 @@
       </p:sp>
     </p:spTree>
   </p:cSld>
+  <p:clrMapOvr>
+    <a:masterClrMapping/>
+  </p:clrMapOvr>
+</p:sld>
+</file>
+
+<file path=ppt/slides/slide20.xml><?xml version="1.0" encoding="utf-8"?>
+<p:sld xmlns:a="http://schemas.openxmlformats.org/drawingml/2006/main" xmlns:r="http://schemas.openxmlformats.org/officeDocument/2006/relationships" xmlns:p="http://schemas.openxmlformats.org/presentationml/2006/main">
+  <p:cSld>
+    <p:spTree>
+      <p:nvGrpSpPr>
+        <p:cNvPr id="1" name=""/>
+        <p:cNvGrpSpPr/>
+        <p:nvPr/>
+      </p:nvGrpSpPr>
+      <p:grpSpPr>
+        <a:xfrm>
+          <a:off x="0" y="0"/>
+          <a:ext cx="0" cy="0"/>
+          <a:chOff x="0" y="0"/>
+          <a:chExt cx="0" cy="0"/>
+        </a:xfrm>
+      </p:grpSpPr>
+      <p:sp>
+        <p:nvSpPr>
+          <p:cNvPr id="2" name="Title 1"/>
+          <p:cNvSpPr>
+            <a:spLocks noGrp="1"/>
+          </p:cNvSpPr>
+          <p:nvPr>
+            <p:ph type="title"/>
+          </p:nvPr>
+        </p:nvSpPr>
+        <p:spPr/>
+        <p:txBody>
+          <a:bodyPr/>
+          <a:lstStyle/>
+          <a:p>
+            <a:pPr marL="0" lvl="0" indent="0">
+              <a:buNone/>
+            </a:pPr>
+            <a:r>
+              <a:t>LDA Accuracy: By Generation</a:t>
+            </a:r>
+          </a:p>
+        </p:txBody>
+      </p:sp>
+      <p:graphicFrame>
+        <p:nvGraphicFramePr>
+          <p:cNvPr id="6" name="Content Placeholder 5"/>
+          <p:cNvGraphicFramePr>
+            <a:graphicFrameLocks noGrp="1"/>
+          </p:cNvGraphicFramePr>
+          <p:nvPr>
+            <p:ph idx="1"/>
+          </p:nvPr>
+        </p:nvGraphicFramePr>
+        <p:xfrm>
+          <a:off x="457200" y="1193800"/>
+          <a:ext cx="8204200" cy="1485900"/>
+        </p:xfrm>
+        <a:graphic>
+          <a:graphicData uri="http://schemas.openxmlformats.org/drawingml/2006/table">
+            <a:tbl>
+              <a:tblPr firstRow="1" bandRow="1">
+                <a:tableStyleId>{5C22544A-7EE6-4342-B048-85BDC9FD1C3A}</a:tableStyleId>
+              </a:tblPr>
+              <a:tblGrid>
+                <a:gridCol w="279400">
+                  <a:extLst>
+                    <a:ext uri="{9D8B030D-6E8A-4147-A177-3AD203B41FA5}">
+                      <a16:colId xmlns:a16="http://schemas.microsoft.com/office/drawing/2014/main" val="20000"/>
+                    </a:ext>
+                  </a:extLst>
+                </a:gridCol>
+                <a:gridCol w="1041400">
+                  <a:extLst>
+                    <a:ext uri="{9D8B030D-6E8A-4147-A177-3AD203B41FA5}">
+                      <a16:colId xmlns:a16="http://schemas.microsoft.com/office/drawing/2014/main" val="20001"/>
+                    </a:ext>
+                  </a:extLst>
+                </a:gridCol>
+                <a:gridCol w="1041400">
+                  <a:extLst>
+                    <a:ext uri="{9D8B030D-6E8A-4147-A177-3AD203B41FA5}">
+                      <a16:colId xmlns:a16="http://schemas.microsoft.com/office/drawing/2014/main" val="20002"/>
+                    </a:ext>
+                  </a:extLst>
+                </a:gridCol>
+                <a:gridCol w="1041400">
+                  <a:extLst>
+                    <a:ext uri="{9D8B030D-6E8A-4147-A177-3AD203B41FA5}">
+                      <a16:colId xmlns:a16="http://schemas.microsoft.com/office/drawing/2014/main" val="20003"/>
+                    </a:ext>
+                  </a:extLst>
+                </a:gridCol>
+                <a:gridCol w="1041400">
+                  <a:extLst>
+                    <a:ext uri="{9D8B030D-6E8A-4147-A177-3AD203B41FA5}">
+                      <a16:colId xmlns:a16="http://schemas.microsoft.com/office/drawing/2014/main" val="20004"/>
+                    </a:ext>
+                  </a:extLst>
+                </a:gridCol>
+                <a:gridCol w="939800">
+                  <a:extLst>
+                    <a:ext uri="{9D8B030D-6E8A-4147-A177-3AD203B41FA5}">
+                      <a16:colId xmlns:a16="http://schemas.microsoft.com/office/drawing/2014/main" val="20005"/>
+                    </a:ext>
+                  </a:extLst>
+                </a:gridCol>
+                <a:gridCol w="939800">
+                  <a:extLst>
+                    <a:ext uri="{9D8B030D-6E8A-4147-A177-3AD203B41FA5}">
+                      <a16:colId xmlns:a16="http://schemas.microsoft.com/office/drawing/2014/main" val="20006"/>
+                    </a:ext>
+                  </a:extLst>
+                </a:gridCol>
+                <a:gridCol w="939800">
+                  <a:extLst>
+                    <a:ext uri="{9D8B030D-6E8A-4147-A177-3AD203B41FA5}">
+                      <a16:colId xmlns:a16="http://schemas.microsoft.com/office/drawing/2014/main" val="20007"/>
+                    </a:ext>
+                  </a:extLst>
+                </a:gridCol>
+                <a:gridCol w="939800">
+                  <a:extLst>
+                    <a:ext uri="{9D8B030D-6E8A-4147-A177-3AD203B41FA5}">
+                      <a16:colId xmlns:a16="http://schemas.microsoft.com/office/drawing/2014/main" val="20008"/>
+                    </a:ext>
+                  </a:extLst>
+                </a:gridCol>
+              </a:tblGrid>
+              <a:tr h="0">
+                <a:tc>
+                  <a:txBody>
+                    <a:bodyPr/>
+                    <a:lstStyle/>
+                    <a:p>
+                      <a:endParaRPr/>
+                    </a:p>
+                  </a:txBody>
+                  <a:tcPr/>
+                </a:tc>
+                <a:tc>
+                  <a:txBody>
+                    <a:bodyPr/>
+                    <a:lstStyle/>
+                    <a:p>
+                      <a:pPr marL="0" lvl="0" indent="0" algn="r">
+                        <a:buNone/>
+                      </a:pPr>
+                      <a:r>
+                        <a:t>gen1-train</a:t>
+                      </a:r>
+                    </a:p>
+                  </a:txBody>
+                  <a:tcPr/>
+                </a:tc>
+                <a:tc>
+                  <a:txBody>
+                    <a:bodyPr/>
+                    <a:lstStyle/>
+                    <a:p>
+                      <a:pPr marL="0" lvl="0" indent="0" algn="r">
+                        <a:buNone/>
+                      </a:pPr>
+                      <a:r>
+                        <a:t>gen2-train</a:t>
+                      </a:r>
+                    </a:p>
+                  </a:txBody>
+                  <a:tcPr/>
+                </a:tc>
+                <a:tc>
+                  <a:txBody>
+                    <a:bodyPr/>
+                    <a:lstStyle/>
+                    <a:p>
+                      <a:pPr marL="0" lvl="0" indent="0" algn="r">
+                        <a:buNone/>
+                      </a:pPr>
+                      <a:r>
+                        <a:t>gen3-train</a:t>
+                      </a:r>
+                    </a:p>
+                  </a:txBody>
+                  <a:tcPr/>
+                </a:tc>
+                <a:tc>
+                  <a:txBody>
+                    <a:bodyPr/>
+                    <a:lstStyle/>
+                    <a:p>
+                      <a:pPr marL="0" lvl="0" indent="0" algn="r">
+                        <a:buNone/>
+                      </a:pPr>
+                      <a:r>
+                        <a:t>gen4-train</a:t>
+                      </a:r>
+                    </a:p>
+                  </a:txBody>
+                  <a:tcPr/>
+                </a:tc>
+                <a:tc>
+                  <a:txBody>
+                    <a:bodyPr/>
+                    <a:lstStyle/>
+                    <a:p>
+                      <a:pPr marL="0" lvl="0" indent="0" algn="r">
+                        <a:buNone/>
+                      </a:pPr>
+                      <a:r>
+                        <a:t>gen1-test</a:t>
+                      </a:r>
+                    </a:p>
+                  </a:txBody>
+                  <a:tcPr/>
+                </a:tc>
+                <a:tc>
+                  <a:txBody>
+                    <a:bodyPr/>
+                    <a:lstStyle/>
+                    <a:p>
+                      <a:pPr marL="0" lvl="0" indent="0" algn="r">
+                        <a:buNone/>
+                      </a:pPr>
+                      <a:r>
+                        <a:t>gen2-test</a:t>
+                      </a:r>
+                    </a:p>
+                  </a:txBody>
+                  <a:tcPr/>
+                </a:tc>
+                <a:tc>
+                  <a:txBody>
+                    <a:bodyPr/>
+                    <a:lstStyle/>
+                    <a:p>
+                      <a:pPr marL="0" lvl="0" indent="0" algn="r">
+                        <a:buNone/>
+                      </a:pPr>
+                      <a:r>
+                        <a:t>gen3-test</a:t>
+                      </a:r>
+                    </a:p>
+                  </a:txBody>
+                  <a:tcPr/>
+                </a:tc>
+                <a:tc>
+                  <a:txBody>
+                    <a:bodyPr/>
+                    <a:lstStyle/>
+                    <a:p>
+                      <a:pPr marL="0" lvl="0" indent="0" algn="r">
+                        <a:buNone/>
+                      </a:pPr>
+                      <a:r>
+                        <a:t>gen4-test</a:t>
+                      </a:r>
+                    </a:p>
+                  </a:txBody>
+                  <a:tcPr/>
+                </a:tc>
+                <a:extLst>
+                  <a:ext uri="{0D108BD9-81ED-4DB2-BD59-A6C34878D82A}">
+                    <a16:rowId xmlns:a16="http://schemas.microsoft.com/office/drawing/2014/main" val="10000"/>
+                  </a:ext>
+                </a:extLst>
+              </a:tr>
+              <a:tr h="0">
+                <a:tc>
+                  <a:txBody>
+                    <a:bodyPr/>
+                    <a:lstStyle/>
+                    <a:p>
+                      <a:pPr marL="0" lvl="0" indent="0" algn="l">
+                        <a:buNone/>
+                      </a:pPr>
+                      <a:r>
+                        <a:t>3</a:t>
+                      </a:r>
+                    </a:p>
+                  </a:txBody>
+                  <a:tcPr/>
+                </a:tc>
+                <a:tc>
+                  <a:txBody>
+                    <a:bodyPr/>
+                    <a:lstStyle/>
+                    <a:p>
+                      <a:pPr marL="0" lvl="0" indent="0" algn="r">
+                        <a:buNone/>
+                      </a:pPr>
+                      <a:r>
+                        <a:t>0.9824561</a:t>
+                      </a:r>
+                    </a:p>
+                  </a:txBody>
+                  <a:tcPr/>
+                </a:tc>
+                <a:tc>
+                  <a:txBody>
+                    <a:bodyPr/>
+                    <a:lstStyle/>
+                    <a:p>
+                      <a:pPr marL="0" lvl="0" indent="0" algn="r">
+                        <a:buNone/>
+                      </a:pPr>
+                      <a:r>
+                        <a:t>0.9459459</a:t>
+                      </a:r>
+                    </a:p>
+                  </a:txBody>
+                  <a:tcPr/>
+                </a:tc>
+                <a:tc>
+                  <a:txBody>
+                    <a:bodyPr/>
+                    <a:lstStyle/>
+                    <a:p>
+                      <a:pPr marL="0" lvl="0" indent="0" algn="r">
+                        <a:buNone/>
+                      </a:pPr>
+                      <a:r>
+                        <a:t>0.970297</a:t>
+                      </a:r>
+                    </a:p>
+                  </a:txBody>
+                  <a:tcPr/>
+                </a:tc>
+                <a:tc>
+                  <a:txBody>
+                    <a:bodyPr/>
+                    <a:lstStyle/>
+                    <a:p>
+                      <a:pPr marL="0" lvl="0" indent="0" algn="r">
+                        <a:buNone/>
+                      </a:pPr>
+                      <a:r>
+                        <a:t>0.9480519</a:t>
+                      </a:r>
+                    </a:p>
+                  </a:txBody>
+                  <a:tcPr/>
+                </a:tc>
+                <a:tc>
+                  <a:txBody>
+                    <a:bodyPr/>
+                    <a:lstStyle/>
+                    <a:p>
+                      <a:pPr marL="0" lvl="0" indent="0" algn="r">
+                        <a:buNone/>
+                      </a:pPr>
+                      <a:r>
+                        <a:t>0.9189189</a:t>
+                      </a:r>
+                    </a:p>
+                  </a:txBody>
+                  <a:tcPr/>
+                </a:tc>
+                <a:tc>
+                  <a:txBody>
+                    <a:bodyPr/>
+                    <a:lstStyle/>
+                    <a:p>
+                      <a:pPr marL="0" lvl="0" indent="0" algn="r">
+                        <a:buNone/>
+                      </a:pPr>
+                      <a:r>
+                        <a:t>0.6923077</a:t>
+                      </a:r>
+                    </a:p>
+                  </a:txBody>
+                  <a:tcPr/>
+                </a:tc>
+                <a:tc>
+                  <a:txBody>
+                    <a:bodyPr/>
+                    <a:lstStyle/>
+                    <a:p>
+                      <a:pPr marL="0" lvl="0" indent="0" algn="r">
+                        <a:buNone/>
+                      </a:pPr>
+                      <a:r>
+                        <a:t>0.7647059</a:t>
+                      </a:r>
+                    </a:p>
+                  </a:txBody>
+                  <a:tcPr/>
+                </a:tc>
+                <a:tc>
+                  <a:txBody>
+                    <a:bodyPr/>
+                    <a:lstStyle/>
+                    <a:p>
+                      <a:pPr marL="0" lvl="0" indent="0" algn="r">
+                        <a:buNone/>
+                      </a:pPr>
+                      <a:r>
+                        <a:t>0.5333333</a:t>
+                      </a:r>
+                    </a:p>
+                  </a:txBody>
+                  <a:tcPr/>
+                </a:tc>
+                <a:extLst>
+                  <a:ext uri="{0D108BD9-81ED-4DB2-BD59-A6C34878D82A}">
+                    <a16:rowId xmlns:a16="http://schemas.microsoft.com/office/drawing/2014/main" val="10001"/>
+                  </a:ext>
+                </a:extLst>
+              </a:tr>
+              <a:tr h="0">
+                <a:tc>
+                  <a:txBody>
+                    <a:bodyPr/>
+                    <a:lstStyle/>
+                    <a:p>
+                      <a:pPr marL="0" lvl="0" indent="0" algn="l">
+                        <a:buNone/>
+                      </a:pPr>
+                      <a:r>
+                        <a:t>4</a:t>
+                      </a:r>
+                    </a:p>
+                  </a:txBody>
+                  <a:tcPr/>
+                </a:tc>
+                <a:tc>
+                  <a:txBody>
+                    <a:bodyPr/>
+                    <a:lstStyle/>
+                    <a:p>
+                      <a:pPr marL="0" lvl="0" indent="0" algn="r">
+                        <a:buNone/>
+                      </a:pPr>
+                      <a:r>
+                        <a:t>0.9912281</a:t>
+                      </a:r>
+                    </a:p>
+                  </a:txBody>
+                  <a:tcPr/>
+                </a:tc>
+                <a:tc>
+                  <a:txBody>
+                    <a:bodyPr/>
+                    <a:lstStyle/>
+                    <a:p>
+                      <a:pPr marL="0" lvl="0" indent="0" algn="r">
+                        <a:buNone/>
+                      </a:pPr>
+                      <a:r>
+                        <a:t>1.0000000</a:t>
+                      </a:r>
+                    </a:p>
+                  </a:txBody>
+                  <a:tcPr/>
+                </a:tc>
+                <a:tc>
+                  <a:txBody>
+                    <a:bodyPr/>
+                    <a:lstStyle/>
+                    <a:p>
+                      <a:pPr marL="0" lvl="0" indent="0" algn="r">
+                        <a:buNone/>
+                      </a:pPr>
+                      <a:r>
+                        <a:t>0.960396</a:t>
+                      </a:r>
+                    </a:p>
+                  </a:txBody>
+                  <a:tcPr/>
+                </a:tc>
+                <a:tc>
+                  <a:txBody>
+                    <a:bodyPr/>
+                    <a:lstStyle/>
+                    <a:p>
+                      <a:pPr marL="0" lvl="0" indent="0" algn="r">
+                        <a:buNone/>
+                      </a:pPr>
+                      <a:r>
+                        <a:t>0.9870130</a:t>
+                      </a:r>
+                    </a:p>
+                  </a:txBody>
+                  <a:tcPr/>
+                </a:tc>
+                <a:tc>
+                  <a:txBody>
+                    <a:bodyPr/>
+                    <a:lstStyle/>
+                    <a:p>
+                      <a:pPr marL="0" lvl="0" indent="0" algn="r">
+                        <a:buNone/>
+                      </a:pPr>
+                      <a:r>
+                        <a:t>0.9189189</a:t>
+                      </a:r>
+                    </a:p>
+                  </a:txBody>
+                  <a:tcPr/>
+                </a:tc>
+                <a:tc>
+                  <a:txBody>
+                    <a:bodyPr/>
+                    <a:lstStyle/>
+                    <a:p>
+                      <a:pPr marL="0" lvl="0" indent="0" algn="r">
+                        <a:buNone/>
+                      </a:pPr>
+                      <a:r>
+                        <a:t>0.7692308</a:t>
+                      </a:r>
+                    </a:p>
+                  </a:txBody>
+                  <a:tcPr/>
+                </a:tc>
+                <a:tc>
+                  <a:txBody>
+                    <a:bodyPr/>
+                    <a:lstStyle/>
+                    <a:p>
+                      <a:pPr marL="0" lvl="0" indent="0" algn="r">
+                        <a:buNone/>
+                      </a:pPr>
+                      <a:r>
+                        <a:t>0.8235294</a:t>
+                      </a:r>
+                    </a:p>
+                  </a:txBody>
+                  <a:tcPr/>
+                </a:tc>
+                <a:tc>
+                  <a:txBody>
+                    <a:bodyPr/>
+                    <a:lstStyle/>
+                    <a:p>
+                      <a:pPr marL="0" lvl="0" indent="0" algn="r">
+                        <a:buNone/>
+                      </a:pPr>
+                      <a:r>
+                        <a:t>0.6000000</a:t>
+                      </a:r>
+                    </a:p>
+                  </a:txBody>
+                  <a:tcPr/>
+                </a:tc>
+                <a:extLst>
+                  <a:ext uri="{0D108BD9-81ED-4DB2-BD59-A6C34878D82A}">
+                    <a16:rowId xmlns:a16="http://schemas.microsoft.com/office/drawing/2014/main" val="10002"/>
+                  </a:ext>
+                </a:extLst>
+              </a:tr>
+              <a:tr h="0">
+                <a:tc>
+                  <a:txBody>
+                    <a:bodyPr/>
+                    <a:lstStyle/>
+                    <a:p>
+                      <a:pPr marL="0" lvl="0" indent="0" algn="l">
+                        <a:buNone/>
+                      </a:pPr>
+                      <a:r>
+                        <a:t>5</a:t>
+                      </a:r>
+                    </a:p>
+                  </a:txBody>
+                  <a:tcPr/>
+                </a:tc>
+                <a:tc>
+                  <a:txBody>
+                    <a:bodyPr/>
+                    <a:lstStyle/>
+                    <a:p>
+                      <a:pPr marL="0" lvl="0" indent="0" algn="r">
+                        <a:buNone/>
+                      </a:pPr>
+                      <a:r>
+                        <a:t>0.9912281</a:t>
+                      </a:r>
+                    </a:p>
+                  </a:txBody>
+                  <a:tcPr/>
+                </a:tc>
+                <a:tc>
+                  <a:txBody>
+                    <a:bodyPr/>
+                    <a:lstStyle/>
+                    <a:p>
+                      <a:pPr marL="0" lvl="0" indent="0" algn="r">
+                        <a:buNone/>
+                      </a:pPr>
+                      <a:r>
+                        <a:t>1.0000000</a:t>
+                      </a:r>
+                    </a:p>
+                  </a:txBody>
+                  <a:tcPr/>
+                </a:tc>
+                <a:tc>
+                  <a:txBody>
+                    <a:bodyPr/>
+                    <a:lstStyle/>
+                    <a:p>
+                      <a:pPr marL="0" lvl="0" indent="0" algn="r">
+                        <a:buNone/>
+                      </a:pPr>
+                      <a:r>
+                        <a:t>0.970297</a:t>
+                      </a:r>
+                    </a:p>
+                  </a:txBody>
+                  <a:tcPr/>
+                </a:tc>
+                <a:tc>
+                  <a:txBody>
+                    <a:bodyPr/>
+                    <a:lstStyle/>
+                    <a:p>
+                      <a:pPr marL="0" lvl="0" indent="0" algn="r">
+                        <a:buNone/>
+                      </a:pPr>
+                      <a:r>
+                        <a:t>0.9870130</a:t>
+                      </a:r>
+                    </a:p>
+                  </a:txBody>
+                  <a:tcPr/>
+                </a:tc>
+                <a:tc>
+                  <a:txBody>
+                    <a:bodyPr/>
+                    <a:lstStyle/>
+                    <a:p>
+                      <a:pPr marL="0" lvl="0" indent="0" algn="r">
+                        <a:buNone/>
+                      </a:pPr>
+                      <a:r>
+                        <a:t>0.9189189</a:t>
+                      </a:r>
+                    </a:p>
+                  </a:txBody>
+                  <a:tcPr/>
+                </a:tc>
+                <a:tc>
+                  <a:txBody>
+                    <a:bodyPr/>
+                    <a:lstStyle/>
+                    <a:p>
+                      <a:pPr marL="0" lvl="0" indent="0" algn="r">
+                        <a:buNone/>
+                      </a:pPr>
+                      <a:r>
+                        <a:t>0.8076923</a:t>
+                      </a:r>
+                    </a:p>
+                  </a:txBody>
+                  <a:tcPr/>
+                </a:tc>
+                <a:tc>
+                  <a:txBody>
+                    <a:bodyPr/>
+                    <a:lstStyle/>
+                    <a:p>
+                      <a:pPr marL="0" lvl="0" indent="0" algn="r">
+                        <a:buNone/>
+                      </a:pPr>
+                      <a:r>
+                        <a:t>0.8529412</a:t>
+                      </a:r>
+                    </a:p>
+                  </a:txBody>
+                  <a:tcPr/>
+                </a:tc>
+                <a:tc>
+                  <a:txBody>
+                    <a:bodyPr/>
+                    <a:lstStyle/>
+                    <a:p>
+                      <a:pPr marL="0" lvl="0" indent="0" algn="r">
+                        <a:buNone/>
+                      </a:pPr>
+                      <a:r>
+                        <a:t>0.6333333</a:t>
+                      </a:r>
+                    </a:p>
+                  </a:txBody>
+                  <a:tcPr/>
+                </a:tc>
+                <a:extLst>
+                  <a:ext uri="{0D108BD9-81ED-4DB2-BD59-A6C34878D82A}">
+                    <a16:rowId xmlns:a16="http://schemas.microsoft.com/office/drawing/2014/main" val="10003"/>
+                  </a:ext>
+                </a:extLst>
+              </a:tr>
+              <a:tr h="0">
+                <a:tc>
+                  <a:txBody>
+                    <a:bodyPr/>
+                    <a:lstStyle/>
+                    <a:p>
+                      <a:pPr marL="0" lvl="0" indent="0" algn="l">
+                        <a:buNone/>
+                      </a:pPr>
+                      <a:r>
+                        <a:t>6</a:t>
+                      </a:r>
+                    </a:p>
+                  </a:txBody>
+                  <a:tcPr/>
+                </a:tc>
+                <a:tc>
+                  <a:txBody>
+                    <a:bodyPr/>
+                    <a:lstStyle/>
+                    <a:p>
+                      <a:pPr marL="0" lvl="0" indent="0" algn="r">
+                        <a:buNone/>
+                      </a:pPr>
+                      <a:r>
+                        <a:t>0.9912281</a:t>
+                      </a:r>
+                    </a:p>
+                  </a:txBody>
+                  <a:tcPr/>
+                </a:tc>
+                <a:tc>
+                  <a:txBody>
+                    <a:bodyPr/>
+                    <a:lstStyle/>
+                    <a:p>
+                      <a:pPr marL="0" lvl="0" indent="0" algn="r">
+                        <a:buNone/>
+                      </a:pPr>
+                      <a:r>
+                        <a:t>1.0000000</a:t>
+                      </a:r>
+                    </a:p>
+                  </a:txBody>
+                  <a:tcPr/>
+                </a:tc>
+                <a:tc>
+                  <a:txBody>
+                    <a:bodyPr/>
+                    <a:lstStyle/>
+                    <a:p>
+                      <a:pPr marL="0" lvl="0" indent="0" algn="r">
+                        <a:buNone/>
+                      </a:pPr>
+                      <a:r>
+                        <a:t>0.970297</a:t>
+                      </a:r>
+                    </a:p>
+                  </a:txBody>
+                  <a:tcPr/>
+                </a:tc>
+                <a:tc>
+                  <a:txBody>
+                    <a:bodyPr/>
+                    <a:lstStyle/>
+                    <a:p>
+                      <a:pPr marL="0" lvl="0" indent="0" algn="r">
+                        <a:buNone/>
+                      </a:pPr>
+                      <a:r>
+                        <a:t>1.0000000</a:t>
+                      </a:r>
+                    </a:p>
+                  </a:txBody>
+                  <a:tcPr/>
+                </a:tc>
+                <a:tc>
+                  <a:txBody>
+                    <a:bodyPr/>
+                    <a:lstStyle/>
+                    <a:p>
+                      <a:pPr marL="0" lvl="0" indent="0" algn="r">
+                        <a:buNone/>
+                      </a:pPr>
+                      <a:r>
+                        <a:t>0.9189189</a:t>
+                      </a:r>
+                    </a:p>
+                  </a:txBody>
+                  <a:tcPr/>
+                </a:tc>
+                <a:tc>
+                  <a:txBody>
+                    <a:bodyPr/>
+                    <a:lstStyle/>
+                    <a:p>
+                      <a:pPr marL="0" lvl="0" indent="0" algn="r">
+                        <a:buNone/>
+                      </a:pPr>
+                      <a:r>
+                        <a:t>0.8076923</a:t>
+                      </a:r>
+                    </a:p>
+                  </a:txBody>
+                  <a:tcPr/>
+                </a:tc>
+                <a:tc>
+                  <a:txBody>
+                    <a:bodyPr/>
+                    <a:lstStyle/>
+                    <a:p>
+                      <a:pPr marL="0" lvl="0" indent="0" algn="r">
+                        <a:buNone/>
+                      </a:pPr>
+                      <a:r>
+                        <a:t>0.8235294</a:t>
+                      </a:r>
+                    </a:p>
+                  </a:txBody>
+                  <a:tcPr/>
+                </a:tc>
+                <a:tc>
+                  <a:txBody>
+                    <a:bodyPr/>
+                    <a:lstStyle/>
+                    <a:p>
+                      <a:pPr marL="0" lvl="0" indent="0" algn="r">
+                        <a:buNone/>
+                      </a:pPr>
+                      <a:r>
+                        <a:t>0.6333333</a:t>
+                      </a:r>
+                    </a:p>
+                  </a:txBody>
+                  <a:tcPr/>
+                </a:tc>
+                <a:extLst>
+                  <a:ext uri="{0D108BD9-81ED-4DB2-BD59-A6C34878D82A}">
+                    <a16:rowId xmlns:a16="http://schemas.microsoft.com/office/drawing/2014/main" val="10004"/>
+                  </a:ext>
+                </a:extLst>
+              </a:tr>
+            </a:tbl>
+          </a:graphicData>
+        </a:graphic>
+      </p:graphicFrame>
+      <p:sp>
+        <p:nvSpPr>
+          <p:cNvPr id="3" name="TextBox 3"/>
+          <p:cNvSpPr txBox="1"/>
+          <p:nvPr/>
+        </p:nvSpPr>
+        <p:spPr>
+          <a:xfrm>
+            <a:off x="457200" y="4076700"/>
+            <a:ext cx="8229600" cy="508000"/>
+          </a:xfrm>
+          <a:prstGeom prst="rect">
+            <a:avLst/>
+          </a:prstGeom>
+          <a:noFill/>
+        </p:spPr>
+        <p:txBody>
+          <a:bodyPr/>
+          <a:lstStyle/>
+          <a:p>
+            <a:pPr marL="0" lvl="0" indent="0" algn="ctr">
+              <a:buNone/>
+            </a:pPr>
+            <a:r>
+              <a:t>LDA Accuracy for Stats Data - by Generation</a:t>
+            </a:r>
+          </a:p>
+        </p:txBody>
+      </p:sp>
+    </p:spTree>
+  </p:cSld>
+  <p:clrMapOvr>
+    <a:masterClrMapping/>
+  </p:clrMapOvr>
+</p:sld>
+</file>
+
+<file path=ppt/slides/slide21.xml><?xml version="1.0" encoding="utf-8"?>
+<p:sld xmlns:a="http://schemas.openxmlformats.org/drawingml/2006/main" xmlns:r="http://schemas.openxmlformats.org/officeDocument/2006/relationships" xmlns:p="http://schemas.openxmlformats.org/presentationml/2006/main">
+  <p:cSld>
+    <p:spTree>
+      <p:nvGrpSpPr>
+        <p:cNvPr id="1" name=""/>
+        <p:cNvGrpSpPr/>
+        <p:nvPr/>
+      </p:nvGrpSpPr>
+      <p:grpSpPr>
+        <a:xfrm>
+          <a:off x="0" y="0"/>
+          <a:ext cx="0" cy="0"/>
+          <a:chOff x="0" y="0"/>
+          <a:chExt cx="0" cy="0"/>
+        </a:xfrm>
+      </p:grpSpPr>
+      <p:sp>
+        <p:nvSpPr>
+          <p:cNvPr id="2" name="Title 1"/>
+          <p:cNvSpPr>
+            <a:spLocks noGrp="1"/>
+          </p:cNvSpPr>
+          <p:nvPr>
+            <p:ph type="title"/>
+          </p:nvPr>
+        </p:nvSpPr>
+        <p:spPr/>
+        <p:txBody>
+          <a:bodyPr/>
+          <a:lstStyle/>
+          <a:p>
+            <a:pPr marL="0" lvl="0" indent="0">
+              <a:buNone/>
+            </a:pPr>
+            <a:r>
+              <a:t>Gradient Boosting: Results</a:t>
+            </a:r>
+          </a:p>
+        </p:txBody>
+      </p:sp>
+      <p:pic>
+        <p:nvPicPr>
+          <p:cNvPr id="3" name="Picture 1" descr="Presentation_files/figure-pptx/unnamed-chunk-14-1.png"/>
+          <p:cNvPicPr>
+            <a:picLocks noGrp="1" noChangeAspect="1"/>
+          </p:cNvPicPr>
+          <p:nvPr/>
+        </p:nvPicPr>
+        <p:blipFill>
+          <a:blip r:embed="rId2"/>
+          <a:stretch>
+            <a:fillRect/>
+          </a:stretch>
+        </p:blipFill>
+        <p:spPr bwMode="auto">
+          <a:xfrm>
+            <a:off x="2451100" y="1193800"/>
+            <a:ext cx="4241800" cy="3390900"/>
+          </a:xfrm>
+          <a:prstGeom prst="rect">
+            <a:avLst/>
+          </a:prstGeom>
+          <a:noFill/>
+          <a:ln w="9525">
+            <a:noFill/>
+            <a:headEnd/>
+            <a:tailEnd/>
+          </a:ln>
+        </p:spPr>
+      </p:pic>
+    </p:spTree>
+  </p:cSld>
+  <p:clrMapOvr>
+    <a:masterClrMapping/>
+  </p:clrMapOvr>
+</p:sld>
+</file>
+
+<file path=ppt/slides/slide22.xml><?xml version="1.0" encoding="utf-8"?>
+<p:sld xmlns:a="http://schemas.openxmlformats.org/drawingml/2006/main" xmlns:r="http://schemas.openxmlformats.org/officeDocument/2006/relationships" xmlns:p="http://schemas.openxmlformats.org/presentationml/2006/main">
+  <p:cSld>
+    <p:spTree>
+      <p:nvGrpSpPr>
+        <p:cNvPr id="1" name=""/>
+        <p:cNvGrpSpPr/>
+        <p:nvPr/>
+      </p:nvGrpSpPr>
+      <p:grpSpPr>
+        <a:xfrm>
+          <a:off x="0" y="0"/>
+          <a:ext cx="0" cy="0"/>
+          <a:chOff x="0" y="0"/>
+          <a:chExt cx="0" cy="0"/>
+        </a:xfrm>
+      </p:grpSpPr>
+      <p:sp>
+        <p:nvSpPr>
+          <p:cNvPr id="2" name="Title 1"/>
+          <p:cNvSpPr>
+            <a:spLocks noGrp="1"/>
+          </p:cNvSpPr>
+          <p:nvPr>
+            <p:ph type="title"/>
+          </p:nvPr>
+        </p:nvSpPr>
+        <p:spPr/>
+        <p:txBody>
+          <a:bodyPr/>
+          <a:lstStyle/>
+          <a:p>
+            <a:pPr marL="0" lvl="0" indent="0">
+              <a:buNone/>
+            </a:pPr>
+            <a:r>
+              <a:t>Gradient Boosting Accuracy</a:t>
+            </a:r>
+          </a:p>
+        </p:txBody>
+      </p:sp>
+      <p:graphicFrame>
+        <p:nvGraphicFramePr>
+          <p:cNvPr id="6" name="Content Placeholder 5"/>
+          <p:cNvGraphicFramePr>
+            <a:graphicFrameLocks noGrp="1"/>
+          </p:cNvGraphicFramePr>
+          <p:nvPr>
+            <p:ph idx="1"/>
+          </p:nvPr>
+        </p:nvGraphicFramePr>
+        <p:xfrm>
+          <a:off x="457200" y="1193800"/>
+          <a:ext cx="8229600" cy="1188720"/>
+        </p:xfrm>
+        <a:graphic>
+          <a:graphicData uri="http://schemas.openxmlformats.org/drawingml/2006/table">
+            <a:tbl>
+              <a:tblPr firstRow="1" bandRow="1">
+                <a:tableStyleId>{5C22544A-7EE6-4342-B048-85BDC9FD1C3A}</a:tableStyleId>
+              </a:tblPr>
+              <a:tblGrid>
+                <a:gridCol w="2743200">
+                  <a:extLst>
+                    <a:ext uri="{9D8B030D-6E8A-4147-A177-3AD203B41FA5}">
+                      <a16:colId xmlns:a16="http://schemas.microsoft.com/office/drawing/2014/main" val="20000"/>
+                    </a:ext>
+                  </a:extLst>
+                </a:gridCol>
+                <a:gridCol w="2743200">
+                  <a:extLst>
+                    <a:ext uri="{9D8B030D-6E8A-4147-A177-3AD203B41FA5}">
+                      <a16:colId xmlns:a16="http://schemas.microsoft.com/office/drawing/2014/main" val="20001"/>
+                    </a:ext>
+                  </a:extLst>
+                </a:gridCol>
+                <a:gridCol w="2743200">
+                  <a:extLst>
+                    <a:ext uri="{9D8B030D-6E8A-4147-A177-3AD203B41FA5}">
+                      <a16:colId xmlns:a16="http://schemas.microsoft.com/office/drawing/2014/main" val="20002"/>
+                    </a:ext>
+                  </a:extLst>
+                </a:gridCol>
+              </a:tblGrid>
+              <a:tr h="0">
+                <a:tc>
+                  <a:txBody>
+                    <a:bodyPr/>
+                    <a:lstStyle/>
+                    <a:p>
+                      <a:pPr marL="0" lvl="0" indent="0" algn="r">
+                        <a:buNone/>
+                      </a:pPr>
+                      <a:r>
+                        <a:t>shrinkage</a:t>
+                      </a:r>
+                    </a:p>
+                  </a:txBody>
+                  <a:tcPr/>
+                </a:tc>
+                <a:tc>
+                  <a:txBody>
+                    <a:bodyPr/>
+                    <a:lstStyle/>
+                    <a:p>
+                      <a:pPr marL="0" lvl="0" indent="0" algn="r">
+                        <a:buNone/>
+                      </a:pPr>
+                      <a:r>
+                        <a:t>train_accuracy</a:t>
+                      </a:r>
+                    </a:p>
+                  </a:txBody>
+                  <a:tcPr/>
+                </a:tc>
+                <a:tc>
+                  <a:txBody>
+                    <a:bodyPr/>
+                    <a:lstStyle/>
+                    <a:p>
+                      <a:pPr marL="0" lvl="0" indent="0" algn="r">
+                        <a:buNone/>
+                      </a:pPr>
+                      <a:r>
+                        <a:t>test_accuracy</a:t>
+                      </a:r>
+                    </a:p>
+                  </a:txBody>
+                  <a:tcPr/>
+                </a:tc>
+                <a:extLst>
+                  <a:ext uri="{0D108BD9-81ED-4DB2-BD59-A6C34878D82A}">
+                    <a16:rowId xmlns:a16="http://schemas.microsoft.com/office/drawing/2014/main" val="10000"/>
+                  </a:ext>
+                </a:extLst>
+              </a:tr>
+              <a:tr h="0">
+                <a:tc>
+                  <a:txBody>
+                    <a:bodyPr/>
+                    <a:lstStyle/>
+                    <a:p>
+                      <a:pPr marL="0" lvl="0" indent="0" algn="r">
+                        <a:buNone/>
+                      </a:pPr>
+                      <a:r>
+                        <a:t>0.01</a:t>
+                      </a:r>
+                    </a:p>
+                  </a:txBody>
+                  <a:tcPr/>
+                </a:tc>
+                <a:tc>
+                  <a:txBody>
+                    <a:bodyPr/>
+                    <a:lstStyle/>
+                    <a:p>
+                      <a:pPr marL="0" lvl="0" indent="0" algn="r">
+                        <a:buNone/>
+                      </a:pPr>
+                      <a:r>
+                        <a:t>0.7271293</a:t>
+                      </a:r>
+                    </a:p>
+                  </a:txBody>
+                  <a:tcPr/>
+                </a:tc>
+                <a:tc>
+                  <a:txBody>
+                    <a:bodyPr/>
+                    <a:lstStyle/>
+                    <a:p>
+                      <a:pPr marL="0" lvl="0" indent="0" algn="r">
+                        <a:buNone/>
+                      </a:pPr>
+                      <a:r>
+                        <a:t>0.6047904</a:t>
+                      </a:r>
+                    </a:p>
+                  </a:txBody>
+                  <a:tcPr/>
+                </a:tc>
+                <a:extLst>
+                  <a:ext uri="{0D108BD9-81ED-4DB2-BD59-A6C34878D82A}">
+                    <a16:rowId xmlns:a16="http://schemas.microsoft.com/office/drawing/2014/main" val="10001"/>
+                  </a:ext>
+                </a:extLst>
+              </a:tr>
+              <a:tr h="0">
+                <a:tc>
+                  <a:txBody>
+                    <a:bodyPr/>
+                    <a:lstStyle/>
+                    <a:p>
+                      <a:pPr marL="0" lvl="0" indent="0" algn="r">
+                        <a:buNone/>
+                      </a:pPr>
+                      <a:r>
+                        <a:t>0.10</a:t>
+                      </a:r>
+                    </a:p>
+                  </a:txBody>
+                  <a:tcPr/>
+                </a:tc>
+                <a:tc>
+                  <a:txBody>
+                    <a:bodyPr/>
+                    <a:lstStyle/>
+                    <a:p>
+                      <a:pPr marL="0" lvl="0" indent="0" algn="r">
+                        <a:buNone/>
+                      </a:pPr>
+                      <a:r>
+                        <a:t>0.9968454</a:t>
+                      </a:r>
+                    </a:p>
+                  </a:txBody>
+                  <a:tcPr/>
+                </a:tc>
+                <a:tc>
+                  <a:txBody>
+                    <a:bodyPr/>
+                    <a:lstStyle/>
+                    <a:p>
+                      <a:pPr marL="0" lvl="0" indent="0" algn="r">
+                        <a:buNone/>
+                      </a:pPr>
+                      <a:r>
+                        <a:t>0.8143713</a:t>
+                      </a:r>
+                    </a:p>
+                  </a:txBody>
+                  <a:tcPr/>
+                </a:tc>
+                <a:extLst>
+                  <a:ext uri="{0D108BD9-81ED-4DB2-BD59-A6C34878D82A}">
+                    <a16:rowId xmlns:a16="http://schemas.microsoft.com/office/drawing/2014/main" val="10002"/>
+                  </a:ext>
+                </a:extLst>
+              </a:tr>
+              <a:tr h="0">
+                <a:tc>
+                  <a:txBody>
+                    <a:bodyPr/>
+                    <a:lstStyle/>
+                    <a:p>
+                      <a:pPr marL="0" lvl="0" indent="0" algn="r">
+                        <a:buNone/>
+                      </a:pPr>
+                      <a:r>
+                        <a:t>0.25</a:t>
+                      </a:r>
+                    </a:p>
+                  </a:txBody>
+                  <a:tcPr/>
+                </a:tc>
+                <a:tc>
+                  <a:txBody>
+                    <a:bodyPr/>
+                    <a:lstStyle/>
+                    <a:p>
+                      <a:pPr marL="0" lvl="0" indent="0" algn="r">
+                        <a:buNone/>
+                      </a:pPr>
+                      <a:r>
+                        <a:t>1.0000000</a:t>
+                      </a:r>
+                    </a:p>
+                  </a:txBody>
+                  <a:tcPr/>
+                </a:tc>
+                <a:tc>
+                  <a:txBody>
+                    <a:bodyPr/>
+                    <a:lstStyle/>
+                    <a:p>
+                      <a:pPr marL="0" lvl="0" indent="0" algn="r">
+                        <a:buNone/>
+                      </a:pPr>
+                      <a:r>
+                        <a:t>0.8383234</a:t>
+                      </a:r>
+                    </a:p>
+                  </a:txBody>
+                  <a:tcPr/>
+                </a:tc>
+                <a:extLst>
+                  <a:ext uri="{0D108BD9-81ED-4DB2-BD59-A6C34878D82A}">
+                    <a16:rowId xmlns:a16="http://schemas.microsoft.com/office/drawing/2014/main" val="10003"/>
+                  </a:ext>
+                </a:extLst>
+              </a:tr>
+            </a:tbl>
+          </a:graphicData>
+        </a:graphic>
+      </p:graphicFrame>
+      <p:sp>
+        <p:nvSpPr>
+          <p:cNvPr id="3" name="TextBox 3"/>
+          <p:cNvSpPr txBox="1"/>
+          <p:nvPr/>
+        </p:nvSpPr>
+        <p:spPr>
+          <a:xfrm>
+            <a:off x="457200" y="4076700"/>
+            <a:ext cx="8229600" cy="508000"/>
+          </a:xfrm>
+          <a:prstGeom prst="rect">
+            <a:avLst/>
+          </a:prstGeom>
+          <a:noFill/>
+        </p:spPr>
+        <p:txBody>
+          <a:bodyPr/>
+          <a:lstStyle/>
+          <a:p>
+            <a:pPr marL="0" lvl="0" indent="0" algn="ctr">
+              <a:buNone/>
+            </a:pPr>
+            <a:r>
+              <a:t>Gradient Boosting Accuracy</a:t>
+            </a:r>
+          </a:p>
+        </p:txBody>
+      </p:sp>
+    </p:spTree>
+  </p:cSld>
+  <p:clrMapOvr>
+    <a:masterClrMapping/>
+  </p:clrMapOvr>
+</p:sld>
+</file>
+
+<file path=ppt/slides/slide23.xml><?xml version="1.0" encoding="utf-8"?>
+<p:sld xmlns:a="http://schemas.openxmlformats.org/drawingml/2006/main" xmlns:r="http://schemas.openxmlformats.org/officeDocument/2006/relationships" xmlns:p="http://schemas.openxmlformats.org/presentationml/2006/main">
+  <p:cSld>
+    <p:spTree>
+      <p:nvGrpSpPr>
+        <p:cNvPr id="1" name=""/>
+        <p:cNvGrpSpPr/>
+        <p:nvPr/>
+      </p:nvGrpSpPr>
+      <p:grpSpPr>
+        <a:xfrm>
+          <a:off x="0" y="0"/>
+          <a:ext cx="0" cy="0"/>
+          <a:chOff x="0" y="0"/>
+          <a:chExt cx="0" cy="0"/>
+        </a:xfrm>
+      </p:grpSpPr>
+      <p:sp>
+        <p:nvSpPr>
+          <p:cNvPr id="2" name="Title 1"/>
+          <p:cNvSpPr>
+            <a:spLocks noGrp="1"/>
+          </p:cNvSpPr>
+          <p:nvPr>
+            <p:ph type="title"/>
+          </p:nvPr>
+        </p:nvSpPr>
+        <p:spPr/>
+        <p:txBody>
+          <a:bodyPr/>
+          <a:lstStyle/>
+          <a:p>
+            <a:pPr marL="0" lvl="0" indent="0">
+              <a:buNone/>
+            </a:pPr>
+            <a:r>
+              <a:t>Limitation: Non-uniformity in Pokemon types</a:t>
+            </a:r>
+          </a:p>
+        </p:txBody>
+      </p:sp>
+      <p:pic>
+        <p:nvPicPr>
+          <p:cNvPr id="3" name="Picture 1" descr="Presentation_files/figure-pptx/unnamed-chunk-16-1.png"/>
+          <p:cNvPicPr>
+            <a:picLocks noGrp="1" noChangeAspect="1"/>
+          </p:cNvPicPr>
+          <p:nvPr/>
+        </p:nvPicPr>
+        <p:blipFill>
+          <a:blip r:embed="rId2"/>
+          <a:stretch>
+            <a:fillRect/>
+          </a:stretch>
+        </p:blipFill>
+        <p:spPr bwMode="auto">
+          <a:xfrm>
+            <a:off x="2451100" y="1193800"/>
+            <a:ext cx="4241800" cy="3390900"/>
+          </a:xfrm>
+          <a:prstGeom prst="rect">
+            <a:avLst/>
+          </a:prstGeom>
+          <a:noFill/>
+          <a:ln w="9525">
+            <a:noFill/>
+            <a:headEnd/>
+            <a:tailEnd/>
+          </a:ln>
+        </p:spPr>
+      </p:pic>
+    </p:spTree>
+  </p:cSld>
+  <p:clrMapOvr>
+    <a:masterClrMapping/>
+  </p:clrMapOvr>
+</p:sld>
+</file>
+
+<file path=ppt/slides/slide24.xml><?xml version="1.0" encoding="utf-8"?>
+<p:sld xmlns:a="http://schemas.openxmlformats.org/drawingml/2006/main" xmlns:r="http://schemas.openxmlformats.org/officeDocument/2006/relationships" xmlns:p="http://schemas.openxmlformats.org/presentationml/2006/main">
+  <p:cSld>
+    <p:spTree>
+      <p:nvGrpSpPr>
+        <p:cNvPr id="1" name=""/>
+        <p:cNvGrpSpPr/>
+        <p:nvPr/>
+      </p:nvGrpSpPr>
+      <p:grpSpPr>
+        <a:xfrm>
+          <a:off x="0" y="0"/>
+          <a:ext cx="0" cy="0"/>
+          <a:chOff x="0" y="0"/>
+          <a:chExt cx="0" cy="0"/>
+        </a:xfrm>
+      </p:grpSpPr>
+      <p:sp>
+        <p:nvSpPr>
+          <p:cNvPr id="2" name="Title 1"/>
+          <p:cNvSpPr>
+            <a:spLocks noGrp="1"/>
+          </p:cNvSpPr>
+          <p:nvPr>
+            <p:ph type="title"/>
+          </p:nvPr>
+        </p:nvSpPr>
+        <p:spPr/>
+        <p:txBody>
+          <a:bodyPr/>
+          <a:lstStyle/>
+          <a:p>
+            <a:pPr marL="0" lvl="0" indent="0">
+              <a:buNone/>
+            </a:pPr>
+            <a:r>
+              <a:t>Limitation: Dual Typing</a:t>
+            </a:r>
+          </a:p>
+        </p:txBody>
+      </p:sp>
+      <p:pic>
+        <p:nvPicPr>
+          <p:cNvPr id="3" name="Picture 1" descr="Presentation_files/figure-pptx/unnamed-chunk-17-1.png"/>
+          <p:cNvPicPr>
+            <a:picLocks noGrp="1" noChangeAspect="1"/>
+          </p:cNvPicPr>
+          <p:nvPr/>
+        </p:nvPicPr>
+        <p:blipFill>
+          <a:blip r:embed="rId2"/>
+          <a:stretch>
+            <a:fillRect/>
+          </a:stretch>
+        </p:blipFill>
+        <p:spPr bwMode="auto">
+          <a:xfrm>
+            <a:off x="2451100" y="1193800"/>
+            <a:ext cx="4241800" cy="3390900"/>
+          </a:xfrm>
+          <a:prstGeom prst="rect">
+            <a:avLst/>
+          </a:prstGeom>
+          <a:noFill/>
+          <a:ln w="9525">
+            <a:noFill/>
+            <a:headEnd/>
+            <a:tailEnd/>
+          </a:ln>
+        </p:spPr>
+      </p:pic>
+    </p:spTree>
+  </p:cSld>
+  <p:clrMapOvr>
+    <a:masterClrMapping/>
+  </p:clrMapOvr>
+</p:sld>
+</file>
+
+<file path=ppt/slides/slide25.xml><?xml version="1.0" encoding="utf-8"?>
+<p:sld xmlns:a="http://schemas.openxmlformats.org/drawingml/2006/main" xmlns:r="http://schemas.openxmlformats.org/officeDocument/2006/relationships" xmlns:p="http://schemas.openxmlformats.org/presentationml/2006/main">
+  <p:cSld>
+    <p:spTree>
+      <p:nvGrpSpPr>
+        <p:cNvPr id="1" name=""/>
+        <p:cNvGrpSpPr/>
+        <p:nvPr/>
+      </p:nvGrpSpPr>
+      <p:grpSpPr>
+        <a:xfrm>
+          <a:off x="0" y="0"/>
+          <a:ext cx="0" cy="0"/>
+          <a:chOff x="0" y="0"/>
+          <a:chExt cx="0" cy="0"/>
+        </a:xfrm>
+      </p:grpSpPr>
+      <p:sp>
+        <p:nvSpPr>
+          <p:cNvPr id="2" name="Title 1"/>
+          <p:cNvSpPr>
+            <a:spLocks noGrp="1"/>
+          </p:cNvSpPr>
+          <p:nvPr>
+            <p:ph type="title"/>
+          </p:nvPr>
+        </p:nvSpPr>
+        <p:spPr/>
+        <p:txBody>
+          <a:bodyPr/>
+          <a:lstStyle/>
+          <a:p>
+            <a:pPr marL="0" lvl="0" indent="0">
+              <a:buNone/>
+            </a:pPr>
+            <a:r>
+              <a:t>Biases</a:t>
+            </a:r>
+          </a:p>
+        </p:txBody>
+      </p:sp>
+      <p:sp>
+        <p:nvSpPr>
+          <p:cNvPr id="3" name="Content Placeholder 2"/>
+          <p:cNvSpPr>
+            <a:spLocks noGrp="1"/>
+          </p:cNvSpPr>
+          <p:nvPr>
+            <p:ph idx="1"/>
+          </p:nvPr>
+        </p:nvSpPr>
+        <p:spPr/>
+        <p:txBody>
+          <a:bodyPr/>
+          <a:lstStyle/>
+          <a:p>
+            <a:pPr lvl="0"/>
+            <a:r>
+              <a:t>Computation of classification accuracy</a:t>
+            </a:r>
+          </a:p>
+          <a:p>
+            <a:pPr lvl="1"/>
+            <a:r>
+              <a:t>non-uniformity of Pokemon types</a:t>
+            </a:r>
+          </a:p>
+          <a:p>
+            <a:pPr lvl="0"/>
+            <a:r>
+              <a:t>Use of ‘against_(type)’ variables -inflates accuracy by ~20%</a:t>
+            </a:r>
+          </a:p>
+        </p:txBody>
+      </p:sp>
+    </p:spTree>
+  </p:cSld>
+  <p:clrMapOvr>
+    <a:masterClrMapping/>
+  </p:clrMapOvr>
+</p:sld>
+</file>
+
+<file path=ppt/slides/slide26.xml><?xml version="1.0" encoding="utf-8"?>
+<p:sld xmlns:a="http://schemas.openxmlformats.org/drawingml/2006/main" xmlns:r="http://schemas.openxmlformats.org/officeDocument/2006/relationships" xmlns:p="http://schemas.openxmlformats.org/presentationml/2006/main">
+  <p:cSld>
+    <p:spTree>
+      <p:nvGrpSpPr>
+        <p:cNvPr id="1" name=""/>
+        <p:cNvGrpSpPr/>
+        <p:nvPr/>
+      </p:nvGrpSpPr>
+      <p:grpSpPr>
+        <a:xfrm>
+          <a:off x="0" y="0"/>
+          <a:ext cx="0" cy="0"/>
+          <a:chOff x="0" y="0"/>
+          <a:chExt cx="0" cy="0"/>
+        </a:xfrm>
+      </p:grpSpPr>
+      <p:sp>
+        <p:nvSpPr>
+          <p:cNvPr id="2" name="Title 1"/>
+          <p:cNvSpPr>
+            <a:spLocks noGrp="1"/>
+          </p:cNvSpPr>
+          <p:nvPr>
+            <p:ph type="title"/>
+          </p:nvPr>
+        </p:nvSpPr>
+        <p:spPr/>
+        <p:txBody>
+          <a:bodyPr/>
+          <a:lstStyle/>
+          <a:p>
+            <a:pPr marL="0" lvl="0" indent="0">
+              <a:buNone/>
+            </a:pPr>
+            <a:r>
+              <a:t>Recommendations</a:t>
+            </a:r>
+          </a:p>
+        </p:txBody>
+      </p:sp>
+      <p:sp>
+        <p:nvSpPr>
+          <p:cNvPr id="3" name="Content Placeholder 2"/>
+          <p:cNvSpPr>
+            <a:spLocks noGrp="1"/>
+          </p:cNvSpPr>
+          <p:nvPr>
+            <p:ph idx="1"/>
+          </p:nvPr>
+        </p:nvSpPr>
+        <p:spPr/>
+        <p:txBody>
+          <a:bodyPr/>
+          <a:lstStyle/>
+          <a:p>
+            <a:pPr lvl="0"/>
+            <a:r>
+              <a:t>Tackle the limitations and biases we mentioned</a:t>
+            </a:r>
+          </a:p>
+          <a:p>
+            <a:pPr lvl="0"/>
+            <a:r>
+              <a:t>Consider confounding variables with (ex. is_legendary)</a:t>
+            </a:r>
+          </a:p>
+          <a:p>
+            <a:pPr lvl="0"/>
+            <a:r>
+              <a:t>Use descriptional image stats rather then image pixels directly</a:t>
+            </a:r>
+          </a:p>
+          <a:p>
+            <a:pPr lvl="0"/>
+            <a:r>
+              <a:t>Cross validation on Pokemon generation</a:t>
+            </a:r>
+          </a:p>
+          <a:p>
+            <a:pPr lvl="0"/>
+            <a:r>
+              <a:t>Try other models - ex. GMM for clustering</a:t>
+            </a:r>
+          </a:p>
+        </p:txBody>
+      </p:sp>
+    </p:spTree>
+  </p:cSld>
+  <p:clrMapOvr>
+    <a:masterClrMapping/>
+  </p:clrMapOvr>
 </p:sld>
 </file>
 
@@ -4165,11 +6652,10 @@
           <a:bodyPr/>
           <a:lstStyle/>
           <a:p>
-            <a:pPr lvl="0" indent="0" marL="0">
+            <a:pPr marL="0" lvl="0" indent="0">
               <a:buNone/>
             </a:pPr>
             <a:r>
-              <a:rPr/>
               <a:t>Example: Pikachu and Charizard</a:t>
             </a:r>
           </a:p>
@@ -4177,7 +6663,7 @@
       </p:sp>
       <p:pic>
         <p:nvPicPr>
-          <p:cNvPr descr="Presentation_files/figure-pptx/unnamed-chunk-1-1.png" id="0" name="Picture 1"/>
+          <p:cNvPr id="3" name="Picture 1" descr="Presentation_files/figure-pptx/unnamed-chunk-1-1.png"/>
           <p:cNvPicPr>
             <a:picLocks noGrp="1" noChangeAspect="1"/>
           </p:cNvPicPr>
@@ -4207,6 +6693,9 @@
       </p:pic>
     </p:spTree>
   </p:cSld>
+  <p:clrMapOvr>
+    <a:masterClrMapping/>
+  </p:clrMapOvr>
 </p:sld>
 </file>
 
@@ -4242,11 +6731,10 @@
           <a:bodyPr/>
           <a:lstStyle/>
           <a:p>
-            <a:pPr lvl="0" indent="0" marL="0">
+            <a:pPr marL="0" lvl="0" indent="0">
               <a:buNone/>
             </a:pPr>
             <a:r>
-              <a:rPr/>
               <a:t>Data Description</a:t>
             </a:r>
           </a:p>
@@ -4267,16 +6755,15 @@
           <a:bodyPr/>
           <a:lstStyle/>
           <a:p>
-            <a:pPr lvl="0" indent="0" marL="0">
+            <a:pPr marL="0" lvl="0" indent="0">
               <a:buNone/>
             </a:pPr>
             <a:r>
-              <a:rPr/>
               <a:t>From generations 1-7:</a:t>
             </a:r>
           </a:p>
           <a:p>
-            <a:pPr lvl="0" indent="-342900" marL="342900">
+            <a:pPr marL="342900" lvl="0" indent="-342900">
               <a:buAutoNum type="arabicPeriod"/>
             </a:pPr>
             <a:r>
@@ -4284,12 +6771,11 @@
               <a:t>Image Dataset:</a:t>
             </a:r>
             <a:r>
-              <a:rPr/>
               <a:t> 809 Pokémon, 120 x 120 PNGs with RGBA</a:t>
             </a:r>
           </a:p>
           <a:p>
-            <a:pPr lvl="0" indent="-342900" marL="342900">
+            <a:pPr marL="342900" lvl="0" indent="-342900">
               <a:buAutoNum type="arabicPeriod"/>
             </a:pPr>
             <a:r>
@@ -4297,7 +6783,6 @@
               <a:t>Stats Dataset:</a:t>
             </a:r>
             <a:r>
-              <a:rPr/>
               <a:t> 801 Pokémon, 41 numerical features (e.g. </a:t>
             </a:r>
             <a:r>
@@ -4307,7 +6792,6 @@
               <a:t>hp</a:t>
             </a:r>
             <a:r>
-              <a:rPr/>
               <a:t>, </a:t>
             </a:r>
             <a:r>
@@ -4317,7 +6801,6 @@
               <a:t>attack</a:t>
             </a:r>
             <a:r>
-              <a:rPr/>
               <a:t>, </a:t>
             </a:r>
             <a:r>
@@ -4327,12 +6810,11 @@
               <a:t>sp_defense</a:t>
             </a:r>
             <a:r>
-              <a:rPr/>
               <a:t>, etc.)</a:t>
             </a:r>
           </a:p>
           <a:p>
-            <a:pPr lvl="0" indent="0" marL="0">
+            <a:pPr marL="0" lvl="0" indent="0">
               <a:buNone/>
             </a:pPr>
             <a:r>
@@ -4340,7 +6822,6 @@
               <a:t>Pre-processing:</a:t>
             </a:r>
             <a:r>
-              <a:rPr/>
               <a:t> Flattened RGB image vectors (43,200 features); matched and cleaned datasets (801 shared Pokémon).</a:t>
             </a:r>
           </a:p>
@@ -4348,6 +6829,9 @@
       </p:sp>
     </p:spTree>
   </p:cSld>
+  <p:clrMapOvr>
+    <a:masterClrMapping/>
+  </p:clrMapOvr>
 </p:sld>
 </file>
 
@@ -4383,11 +6867,10 @@
           <a:bodyPr/>
           <a:lstStyle/>
           <a:p>
-            <a:pPr lvl="0" indent="0" marL="0">
+            <a:pPr marL="0" lvl="0" indent="0">
               <a:buNone/>
             </a:pPr>
             <a:r>
-              <a:rPr/>
               <a:t>Stats</a:t>
             </a:r>
           </a:p>
@@ -4395,7 +6878,7 @@
       </p:sp>
       <p:pic>
         <p:nvPicPr>
-          <p:cNvPr descr="Presentation_files/figure-pptx/unnamed-chunk-2-1.png" id="0" name="Picture 1"/>
+          <p:cNvPr id="3" name="Picture 1" descr="Presentation_files/figure-pptx/unnamed-chunk-2-1.png"/>
           <p:cNvPicPr>
             <a:picLocks noGrp="1" noChangeAspect="1"/>
           </p:cNvPicPr>
@@ -4425,6 +6908,9 @@
       </p:pic>
     </p:spTree>
   </p:cSld>
+  <p:clrMapOvr>
+    <a:masterClrMapping/>
+  </p:clrMapOvr>
 </p:sld>
 </file>
 
@@ -4460,11 +6946,10 @@
           <a:bodyPr/>
           <a:lstStyle/>
           <a:p>
-            <a:pPr lvl="0" indent="0" marL="0">
+            <a:pPr marL="0" lvl="0" indent="0">
               <a:buNone/>
             </a:pPr>
             <a:r>
-              <a:rPr/>
               <a:t>Primary Type Distribution</a:t>
             </a:r>
           </a:p>
@@ -4472,7 +6957,7 @@
       </p:sp>
       <p:pic>
         <p:nvPicPr>
-          <p:cNvPr descr="Presentation_files/figure-pptx/unnamed-chunk-3-1.png" id="0" name="Picture 1"/>
+          <p:cNvPr id="3" name="Picture 1" descr="Presentation_files/figure-pptx/unnamed-chunk-3-1.png"/>
           <p:cNvPicPr>
             <a:picLocks noGrp="1" noChangeAspect="1"/>
           </p:cNvPicPr>
@@ -4502,6 +6987,9 @@
       </p:pic>
     </p:spTree>
   </p:cSld>
+  <p:clrMapOvr>
+    <a:masterClrMapping/>
+  </p:clrMapOvr>
 </p:sld>
 </file>
 
@@ -4537,11 +7025,10 @@
           <a:bodyPr/>
           <a:lstStyle/>
           <a:p>
-            <a:pPr lvl="0" indent="0" marL="0">
+            <a:pPr marL="0" lvl="0" indent="0">
               <a:buNone/>
             </a:pPr>
             <a:r>
-              <a:rPr/>
               <a:t>Methods</a:t>
             </a:r>
           </a:p>
@@ -4568,14 +7055,12 @@
               <a:t>Dimension reduction:</a:t>
             </a:r>
             <a:r>
-              <a:rPr/>
               <a:t> PCA</a:t>
             </a:r>
           </a:p>
           <a:p>
             <a:pPr lvl="1"/>
             <a:r>
-              <a:rPr/>
               <a:t>Images and Stats</a:t>
             </a:r>
           </a:p>
@@ -4586,7 +7071,6 @@
               <a:t>Clustering:</a:t>
             </a:r>
             <a:r>
-              <a:rPr/>
               <a:t> k-means</a:t>
             </a:r>
           </a:p>
@@ -4597,14 +7081,12 @@
               <a:t>Classification:</a:t>
             </a:r>
             <a:r>
-              <a:rPr/>
               <a:t> LDA, Gradient boosting</a:t>
             </a:r>
           </a:p>
           <a:p>
             <a:pPr lvl="1"/>
             <a:r>
-              <a:rPr/>
               <a:t>For comparison</a:t>
             </a:r>
           </a:p>
@@ -4612,6 +7094,9 @@
       </p:sp>
     </p:spTree>
   </p:cSld>
+  <p:clrMapOvr>
+    <a:masterClrMapping/>
+  </p:clrMapOvr>
 </p:sld>
 </file>
 
@@ -4647,11 +7132,10 @@
           <a:bodyPr/>
           <a:lstStyle/>
           <a:p>
-            <a:pPr lvl="0" indent="0" marL="0">
+            <a:pPr marL="0" lvl="0" indent="0">
               <a:buNone/>
             </a:pPr>
             <a:r>
-              <a:rPr/>
               <a:t>Image Dimension Reduction: PCA</a:t>
             </a:r>
           </a:p>
@@ -4659,7 +7143,7 @@
       </p:sp>
       <p:pic>
         <p:nvPicPr>
-          <p:cNvPr descr="Presentation_files/figure-pptx/unnamed-chunk-4-1.png" id="0" name="Picture 1"/>
+          <p:cNvPr id="3" name="Picture 1" descr="Presentation_files/figure-pptx/unnamed-chunk-4-1.png"/>
           <p:cNvPicPr>
             <a:picLocks noGrp="1" noChangeAspect="1"/>
           </p:cNvPicPr>
@@ -4689,6 +7173,9 @@
       </p:pic>
     </p:spTree>
   </p:cSld>
+  <p:clrMapOvr>
+    <a:masterClrMapping/>
+  </p:clrMapOvr>
 </p:sld>
 </file>
 
@@ -4724,11 +7211,10 @@
           <a:bodyPr/>
           <a:lstStyle/>
           <a:p>
-            <a:pPr lvl="0" indent="0" marL="0">
+            <a:pPr marL="0" lvl="0" indent="0">
               <a:buNone/>
             </a:pPr>
             <a:r>
-              <a:rPr/>
               <a:t>Example: Image Compression</a:t>
             </a:r>
           </a:p>
@@ -4736,7 +7222,7 @@
       </p:sp>
       <p:pic>
         <p:nvPicPr>
-          <p:cNvPr descr="Presentation_files/figure-pptx/unnamed-chunk-5-1.png" id="0" name="Picture 1"/>
+          <p:cNvPr id="3" name="Picture 1" descr="Presentation_files/figure-pptx/unnamed-chunk-5-1.png"/>
           <p:cNvPicPr>
             <a:picLocks noGrp="1" noChangeAspect="1"/>
           </p:cNvPicPr>
@@ -4766,6 +7252,9 @@
       </p:pic>
     </p:spTree>
   </p:cSld>
+  <p:clrMapOvr>
+    <a:masterClrMapping/>
+  </p:clrMapOvr>
 </p:sld>
 </file>
 
@@ -5087,265 +7576,4 @@
   </a:objectDefaults>
   <a:extraClrSchemeLst/>
 </a:theme>
-</file>
-
-<file path=ppt/theme/theme2.xml><?xml version="1.0" encoding="utf-8"?>
-<a:theme xmlns:a="http://schemas.openxmlformats.org/drawingml/2006/main" name="Office Theme">
-  <a:themeElements>
-    <a:clrScheme name="Office">
-      <a:dk1>
-        <a:sysClr val="windowText" lastClr="000000"/>
-      </a:dk1>
-      <a:lt1>
-        <a:sysClr val="window" lastClr="FFFFFF"/>
-      </a:lt1>
-      <a:dk2>
-        <a:srgbClr val="44546A"/>
-      </a:dk2>
-      <a:lt2>
-        <a:srgbClr val="E7E6E6"/>
-      </a:lt2>
-      <a:accent1>
-        <a:srgbClr val="5B9BD5"/>
-      </a:accent1>
-      <a:accent2>
-        <a:srgbClr val="ED7D31"/>
-      </a:accent2>
-      <a:accent3>
-        <a:srgbClr val="A5A5A5"/>
-      </a:accent3>
-      <a:accent4>
-        <a:srgbClr val="FFC000"/>
-      </a:accent4>
-      <a:accent5>
-        <a:srgbClr val="4472C4"/>
-      </a:accent5>
-      <a:accent6>
-        <a:srgbClr val="70AD47"/>
-      </a:accent6>
-      <a:hlink>
-        <a:srgbClr val="0563C1"/>
-      </a:hlink>
-      <a:folHlink>
-        <a:srgbClr val="954F72"/>
-      </a:folHlink>
-    </a:clrScheme>
-    <a:fontScheme name="Office">
-      <a:majorFont>
-        <a:latin typeface="Calibri Light" panose="020F0302020204030204"/>
-        <a:ea typeface=""/>
-        <a:cs typeface=""/>
-        <a:font script="Jpan" typeface="ＭＳ Ｐゴシック"/>
-        <a:font script="Hang" typeface="맑은 고딕"/>
-        <a:font script="Hans" typeface="宋体"/>
-        <a:font script="Hant" typeface="新細明體"/>
-        <a:font script="Arab" typeface="Times New Roman"/>
-        <a:font script="Hebr" typeface="Times New Roman"/>
-        <a:font script="Thai" typeface="Angsana New"/>
-        <a:font script="Ethi" typeface="Nyala"/>
-        <a:font script="Beng" typeface="Vrinda"/>
-        <a:font script="Gujr" typeface="Shruti"/>
-        <a:font script="Khmr" typeface="MoolBoran"/>
-        <a:font script="Knda" typeface="Tunga"/>
-        <a:font script="Guru" typeface="Raavi"/>
-        <a:font script="Cans" typeface="Euphemia"/>
-        <a:font script="Cher" typeface="Plantagenet Cherokee"/>
-        <a:font script="Yiii" typeface="Microsoft Yi Baiti"/>
-        <a:font script="Tibt" typeface="Microsoft Himalaya"/>
-        <a:font script="Thaa" typeface="MV Boli"/>
-        <a:font script="Deva" typeface="Mangal"/>
-        <a:font script="Telu" typeface="Gautami"/>
-        <a:font script="Taml" typeface="Latha"/>
-        <a:font script="Syrc" typeface="Estrangelo Edessa"/>
-        <a:font script="Orya" typeface="Kalinga"/>
-        <a:font script="Mlym" typeface="Kartika"/>
-        <a:font script="Laoo" typeface="DokChampa"/>
-        <a:font script="Sinh" typeface="Iskoola Pota"/>
-        <a:font script="Mong" typeface="Mongolian Baiti"/>
-        <a:font script="Viet" typeface="Times New Roman"/>
-        <a:font script="Uigh" typeface="Microsoft Uighur"/>
-        <a:font script="Geor" typeface="Sylfaen"/>
-      </a:majorFont>
-      <a:minorFont>
-        <a:latin typeface="Calibri" panose="020F0502020204030204"/>
-        <a:ea typeface=""/>
-        <a:cs typeface=""/>
-        <a:font script="Jpan" typeface="ＭＳ Ｐゴシック"/>
-        <a:font script="Hang" typeface="맑은 고딕"/>
-        <a:font script="Hans" typeface="宋体"/>
-        <a:font script="Hant" typeface="新細明體"/>
-        <a:font script="Arab" typeface="Arial"/>
-        <a:font script="Hebr" typeface="Arial"/>
-        <a:font script="Thai" typeface="Cordia New"/>
-        <a:font script="Ethi" typeface="Nyala"/>
-        <a:font script="Beng" typeface="Vrinda"/>
-        <a:font script="Gujr" typeface="Shruti"/>
-        <a:font script="Khmr" typeface="DaunPenh"/>
-        <a:font script="Knda" typeface="Tunga"/>
-        <a:font script="Guru" typeface="Raavi"/>
-        <a:font script="Cans" typeface="Euphemia"/>
-        <a:font script="Cher" typeface="Plantagenet Cherokee"/>
-        <a:font script="Yiii" typeface="Microsoft Yi Baiti"/>
-        <a:font script="Tibt" typeface="Microsoft Himalaya"/>
-        <a:font script="Thaa" typeface="MV Boli"/>
-        <a:font script="Deva" typeface="Mangal"/>
-        <a:font script="Telu" typeface="Gautami"/>
-        <a:font script="Taml" typeface="Latha"/>
-        <a:font script="Syrc" typeface="Estrangelo Edessa"/>
-        <a:font script="Orya" typeface="Kalinga"/>
-        <a:font script="Mlym" typeface="Kartika"/>
-        <a:font script="Laoo" typeface="DokChampa"/>
-        <a:font script="Sinh" typeface="Iskoola Pota"/>
-        <a:font script="Mong" typeface="Mongolian Baiti"/>
-        <a:font script="Viet" typeface="Arial"/>
-        <a:font script="Uigh" typeface="Microsoft Uighur"/>
-        <a:font script="Geor" typeface="Sylfaen"/>
-      </a:minorFont>
-    </a:fontScheme>
-    <a:fmtScheme name="Office">
-      <a:fillStyleLst>
-        <a:solidFill>
-          <a:schemeClr val="phClr"/>
-        </a:solidFill>
-        <a:gradFill rotWithShape="1">
-          <a:gsLst>
-            <a:gs pos="0">
-              <a:schemeClr val="phClr">
-                <a:lumMod val="110000"/>
-                <a:satMod val="105000"/>
-                <a:tint val="67000"/>
-              </a:schemeClr>
-            </a:gs>
-            <a:gs pos="50000">
-              <a:schemeClr val="phClr">
-                <a:lumMod val="105000"/>
-                <a:satMod val="103000"/>
-                <a:tint val="73000"/>
-              </a:schemeClr>
-            </a:gs>
-            <a:gs pos="100000">
-              <a:schemeClr val="phClr">
-                <a:lumMod val="105000"/>
-                <a:satMod val="109000"/>
-                <a:tint val="81000"/>
-              </a:schemeClr>
-            </a:gs>
-          </a:gsLst>
-          <a:lin ang="5400000" scaled="0"/>
-        </a:gradFill>
-        <a:gradFill rotWithShape="1">
-          <a:gsLst>
-            <a:gs pos="0">
-              <a:schemeClr val="phClr">
-                <a:satMod val="103000"/>
-                <a:lumMod val="102000"/>
-                <a:tint val="94000"/>
-              </a:schemeClr>
-            </a:gs>
-            <a:gs pos="50000">
-              <a:schemeClr val="phClr">
-                <a:satMod val="110000"/>
-                <a:lumMod val="100000"/>
-                <a:shade val="100000"/>
-              </a:schemeClr>
-            </a:gs>
-            <a:gs pos="100000">
-              <a:schemeClr val="phClr">
-                <a:lumMod val="99000"/>
-                <a:satMod val="120000"/>
-                <a:shade val="78000"/>
-              </a:schemeClr>
-            </a:gs>
-          </a:gsLst>
-          <a:lin ang="5400000" scaled="0"/>
-        </a:gradFill>
-      </a:fillStyleLst>
-      <a:lnStyleLst>
-        <a:ln w="6350" cap="flat" cmpd="sng" algn="ctr">
-          <a:solidFill>
-            <a:schemeClr val="phClr"/>
-          </a:solidFill>
-          <a:prstDash val="solid"/>
-          <a:miter lim="800000"/>
-        </a:ln>
-        <a:ln w="12700" cap="flat" cmpd="sng" algn="ctr">
-          <a:solidFill>
-            <a:schemeClr val="phClr"/>
-          </a:solidFill>
-          <a:prstDash val="solid"/>
-          <a:miter lim="800000"/>
-        </a:ln>
-        <a:ln w="19050" cap="flat" cmpd="sng" algn="ctr">
-          <a:solidFill>
-            <a:schemeClr val="phClr"/>
-          </a:solidFill>
-          <a:prstDash val="solid"/>
-          <a:miter lim="800000"/>
-        </a:ln>
-      </a:lnStyleLst>
-      <a:effectStyleLst>
-        <a:effectStyle>
-          <a:effectLst/>
-        </a:effectStyle>
-        <a:effectStyle>
-          <a:effectLst/>
-        </a:effectStyle>
-        <a:effectStyle>
-          <a:effectLst>
-            <a:outerShdw blurRad="57150" dist="19050" dir="5400000" algn="ctr" rotWithShape="0">
-              <a:srgbClr val="000000">
-                <a:alpha val="63000"/>
-              </a:srgbClr>
-            </a:outerShdw>
-          </a:effectLst>
-        </a:effectStyle>
-      </a:effectStyleLst>
-      <a:bgFillStyleLst>
-        <a:solidFill>
-          <a:schemeClr val="phClr"/>
-        </a:solidFill>
-        <a:solidFill>
-          <a:schemeClr val="phClr">
-            <a:tint val="95000"/>
-            <a:satMod val="170000"/>
-          </a:schemeClr>
-        </a:solidFill>
-        <a:gradFill rotWithShape="1">
-          <a:gsLst>
-            <a:gs pos="0">
-              <a:schemeClr val="phClr">
-                <a:tint val="93000"/>
-                <a:satMod val="150000"/>
-                <a:shade val="98000"/>
-                <a:lumMod val="102000"/>
-              </a:schemeClr>
-            </a:gs>
-            <a:gs pos="50000">
-              <a:schemeClr val="phClr">
-                <a:tint val="98000"/>
-                <a:satMod val="130000"/>
-                <a:shade val="90000"/>
-                <a:lumMod val="103000"/>
-              </a:schemeClr>
-            </a:gs>
-            <a:gs pos="100000">
-              <a:schemeClr val="phClr">
-                <a:shade val="63000"/>
-                <a:satMod val="120000"/>
-              </a:schemeClr>
-            </a:gs>
-          </a:gsLst>
-          <a:lin ang="5400000" scaled="0"/>
-        </a:gradFill>
-      </a:bgFillStyleLst>
-    </a:fmtScheme>
-  </a:themeElements>
-  <a:objectDefaults/>
-  <a:extraClrSchemeLst/>
-  <a:extLst>
-    <a:ext uri="{05A4C25C-085E-4340-85A3-A5531E510DB2}">
-      <thm15:themeFamily xmlns:thm15="http://schemas.microsoft.com/office/thememl/2012/main" name="Office Theme" id="{62F939B6-93AF-4DB8-9C6B-D6C7DFDC589F}" vid="{4A3C46E8-61CC-4603-A589-7422A47A8E4A}"/>
-    </a:ext>
-  </a:extLst>
-</a:theme>
 </file>